--- a/courses/downloads/temp/Database_Lec1.pptx
+++ b/courses/downloads/temp/Database_Lec1.pptx
@@ -15953,7 +15953,12 @@
             <p:ph type="subTitle" idx="1"/>
           </p:nvPr>
         </p:nvSpPr>
-        <p:spPr/>
+        <p:spPr>
+          <a:xfrm>
+            <a:off x="0" y="2696237"/>
+            <a:ext cx="5040631" cy="2195473"/>
+          </a:xfrm>
+        </p:spPr>
         <p:txBody>
           <a:bodyPr/>
           <a:lstStyle/>
@@ -16002,12 +16007,188 @@
           </a:p>
         </p:txBody>
       </p:sp>
+      <p:sp>
+        <p:nvSpPr>
+          <p:cNvPr id="4" name="TextBox 5">
+            <a:extLst>
+              <a:ext uri="{FF2B5EF4-FFF2-40B4-BE49-F238E27FC236}">
+                <a16:creationId xmlns:a16="http://schemas.microsoft.com/office/drawing/2014/main" id="{EA65FE41-8725-E18E-3EF9-C413EE19B37E}"/>
+              </a:ext>
+            </a:extLst>
+          </p:cNvPr>
+          <p:cNvSpPr txBox="1">
+            <a:spLocks noChangeArrowheads="1"/>
+          </p:cNvSpPr>
+          <p:nvPr/>
+        </p:nvSpPr>
+        <p:spPr bwMode="auto">
+          <a:xfrm>
+            <a:off x="0" y="5011811"/>
+            <a:ext cx="4572000" cy="369332"/>
+          </a:xfrm>
+          <a:prstGeom prst="rect">
+            <a:avLst/>
+          </a:prstGeom>
+          <a:noFill/>
+          <a:ln>
+            <a:noFill/>
+          </a:ln>
+          <a:extLst>
+            <a:ext uri="{909E8E84-426E-40DD-AFC4-6F175D3DCCD1}">
+              <a14:hiddenFill xmlns:a14="http://schemas.microsoft.com/office/drawing/2010/main">
+                <a:solidFill>
+                  <a:srgbClr val="FFFFFF"/>
+                </a:solidFill>
+              </a14:hiddenFill>
+            </a:ext>
+            <a:ext uri="{91240B29-F687-4F45-9708-019B960494DF}">
+              <a14:hiddenLine xmlns:a14="http://schemas.microsoft.com/office/drawing/2010/main" w="9525">
+                <a:solidFill>
+                  <a:srgbClr val="000000"/>
+                </a:solidFill>
+                <a:miter lim="800000"/>
+                <a:headEnd/>
+                <a:tailEnd/>
+              </a14:hiddenLine>
+            </a:ext>
+          </a:extLst>
+        </p:spPr>
+        <p:txBody>
+          <a:bodyPr>
+            <a:spAutoFit/>
+          </a:bodyPr>
+          <a:lstStyle>
+            <a:lvl1pPr>
+              <a:defRPr>
+                <a:solidFill>
+                  <a:schemeClr val="tx1"/>
+                </a:solidFill>
+                <a:latin typeface="Arial" panose="020B0604020202020204" pitchFamily="34" charset="0"/>
+                <a:ea typeface="ＭＳ Ｐゴシック" panose="020B0600070205080204" pitchFamily="34" charset="-128"/>
+              </a:defRPr>
+            </a:lvl1pPr>
+            <a:lvl2pPr marL="742950" indent="-285750">
+              <a:defRPr>
+                <a:solidFill>
+                  <a:schemeClr val="tx1"/>
+                </a:solidFill>
+                <a:latin typeface="Arial" panose="020B0604020202020204" pitchFamily="34" charset="0"/>
+                <a:ea typeface="ＭＳ Ｐゴシック" panose="020B0600070205080204" pitchFamily="34" charset="-128"/>
+              </a:defRPr>
+            </a:lvl2pPr>
+            <a:lvl3pPr marL="1143000" indent="-228600">
+              <a:defRPr>
+                <a:solidFill>
+                  <a:schemeClr val="tx1"/>
+                </a:solidFill>
+                <a:latin typeface="Arial" panose="020B0604020202020204" pitchFamily="34" charset="0"/>
+                <a:ea typeface="ＭＳ Ｐゴシック" panose="020B0600070205080204" pitchFamily="34" charset="-128"/>
+              </a:defRPr>
+            </a:lvl3pPr>
+            <a:lvl4pPr marL="1600200" indent="-228600">
+              <a:defRPr>
+                <a:solidFill>
+                  <a:schemeClr val="tx1"/>
+                </a:solidFill>
+                <a:latin typeface="Arial" panose="020B0604020202020204" pitchFamily="34" charset="0"/>
+                <a:ea typeface="ＭＳ Ｐゴシック" panose="020B0600070205080204" pitchFamily="34" charset="-128"/>
+              </a:defRPr>
+            </a:lvl4pPr>
+            <a:lvl5pPr marL="2057400" indent="-228600">
+              <a:defRPr>
+                <a:solidFill>
+                  <a:schemeClr val="tx1"/>
+                </a:solidFill>
+                <a:latin typeface="Arial" panose="020B0604020202020204" pitchFamily="34" charset="0"/>
+                <a:ea typeface="ＭＳ Ｐゴシック" panose="020B0600070205080204" pitchFamily="34" charset="-128"/>
+              </a:defRPr>
+            </a:lvl5pPr>
+            <a:lvl6pPr marL="2514600" indent="-228600" eaLnBrk="0" fontAlgn="base" hangingPunct="0">
+              <a:spcBef>
+                <a:spcPct val="0"/>
+              </a:spcBef>
+              <a:spcAft>
+                <a:spcPct val="0"/>
+              </a:spcAft>
+              <a:defRPr>
+                <a:solidFill>
+                  <a:schemeClr val="tx1"/>
+                </a:solidFill>
+                <a:latin typeface="Arial" panose="020B0604020202020204" pitchFamily="34" charset="0"/>
+                <a:ea typeface="ＭＳ Ｐゴシック" panose="020B0600070205080204" pitchFamily="34" charset="-128"/>
+              </a:defRPr>
+            </a:lvl6pPr>
+            <a:lvl7pPr marL="2971800" indent="-228600" eaLnBrk="0" fontAlgn="base" hangingPunct="0">
+              <a:spcBef>
+                <a:spcPct val="0"/>
+              </a:spcBef>
+              <a:spcAft>
+                <a:spcPct val="0"/>
+              </a:spcAft>
+              <a:defRPr>
+                <a:solidFill>
+                  <a:schemeClr val="tx1"/>
+                </a:solidFill>
+                <a:latin typeface="Arial" panose="020B0604020202020204" pitchFamily="34" charset="0"/>
+                <a:ea typeface="ＭＳ Ｐゴシック" panose="020B0600070205080204" pitchFamily="34" charset="-128"/>
+              </a:defRPr>
+            </a:lvl7pPr>
+            <a:lvl8pPr marL="3429000" indent="-228600" eaLnBrk="0" fontAlgn="base" hangingPunct="0">
+              <a:spcBef>
+                <a:spcPct val="0"/>
+              </a:spcBef>
+              <a:spcAft>
+                <a:spcPct val="0"/>
+              </a:spcAft>
+              <a:defRPr>
+                <a:solidFill>
+                  <a:schemeClr val="tx1"/>
+                </a:solidFill>
+                <a:latin typeface="Arial" panose="020B0604020202020204" pitchFamily="34" charset="0"/>
+                <a:ea typeface="ＭＳ Ｐゴシック" panose="020B0600070205080204" pitchFamily="34" charset="-128"/>
+              </a:defRPr>
+            </a:lvl8pPr>
+            <a:lvl9pPr marL="3886200" indent="-228600" eaLnBrk="0" fontAlgn="base" hangingPunct="0">
+              <a:spcBef>
+                <a:spcPct val="0"/>
+              </a:spcBef>
+              <a:spcAft>
+                <a:spcPct val="0"/>
+              </a:spcAft>
+              <a:defRPr>
+                <a:solidFill>
+                  <a:schemeClr val="tx1"/>
+                </a:solidFill>
+                <a:latin typeface="Arial" panose="020B0604020202020204" pitchFamily="34" charset="0"/>
+                <a:ea typeface="ＭＳ Ｐゴシック" panose="020B0600070205080204" pitchFamily="34" charset="-128"/>
+              </a:defRPr>
+            </a:lvl9pPr>
+          </a:lstStyle>
+          <a:p>
+            <a:pPr>
+              <a:lnSpc>
+                <a:spcPct val="90000"/>
+              </a:lnSpc>
+              <a:spcBef>
+                <a:spcPct val="20000"/>
+              </a:spcBef>
+            </a:pPr>
+            <a:r>
+              <a:rPr lang="en-US" altLang="en-US" sz="2000" dirty="0">
+                <a:latin typeface="Consolas" panose="020B0609020204030204" pitchFamily="49" charset="0"/>
+                <a:cs typeface="Tahoma" panose="020B0604030504040204" pitchFamily="34" charset="0"/>
+              </a:rPr>
+              <a:t>Scan for More Information:</a:t>
+            </a:r>
+          </a:p>
+        </p:txBody>
+      </p:sp>
       <p:pic>
         <p:nvPicPr>
-          <p:cNvPr id="7" name="Picture 6">
+          <p:cNvPr id="8" name="Picture 7">
             <a:extLst>
               <a:ext uri="{FF2B5EF4-FFF2-40B4-BE49-F238E27FC236}">
-                <a16:creationId xmlns:a16="http://schemas.microsoft.com/office/drawing/2014/main" id="{E8422EBD-FF47-4E37-8B76-D8DB6092EAA9}"/>
+                <a16:creationId xmlns:a16="http://schemas.microsoft.com/office/drawing/2014/main" id="{EAFFBC51-E876-C40B-C723-0BE3DF568F55}"/>
               </a:ext>
             </a:extLst>
           </p:cNvPr>
@@ -16024,8 +16205,8 @@
         </p:blipFill>
         <p:spPr>
           <a:xfrm>
-            <a:off x="2937448" y="4148550"/>
-            <a:ext cx="1863152" cy="1863152"/>
+            <a:off x="3692124" y="4393719"/>
+            <a:ext cx="1605516" cy="1605516"/>
           </a:xfrm>
           <a:prstGeom prst="rect">
             <a:avLst/>

--- a/courses/downloads/temp/Database_Lec1.pptx
+++ b/courses/downloads/temp/Database_Lec1.pptx
@@ -6977,9 +6977,259 @@
           <a:bodyPr/>
           <a:lstStyle/>
           <a:p>
-            <a:endParaRPr lang="en-US" altLang="en-US">
-              <a:latin typeface="Times New Roman" panose="02020603050405020304" pitchFamily="18" charset="0"/>
-            </a:endParaRPr>
+            <a:r>
+              <a:rPr lang="en-US" b="1" dirty="0"/>
+              <a:t>Transaction Example</a:t>
+            </a:r>
+          </a:p>
+          <a:p>
+            <a:r>
+              <a:rPr lang="en-US" dirty="0"/>
+              <a:t>A </a:t>
+            </a:r>
+            <a:r>
+              <a:rPr lang="en-US" b="1" dirty="0"/>
+              <a:t>transaction</a:t>
+            </a:r>
+            <a:r>
+              <a:rPr lang="en-US" dirty="0"/>
+              <a:t> groups several SQL operations into one logical unit of work.</a:t>
+            </a:r>
+            <a:br>
+              <a:rPr lang="en-US" dirty="0"/>
+            </a:br>
+            <a:r>
+              <a:rPr lang="en-US" dirty="0"/>
+              <a:t>Example: Transferring money between two bank accounts. BEGIN TRANSACTION;</a:t>
+            </a:r>
+          </a:p>
+          <a:p>
+            <a:endParaRPr lang="en-US" dirty="0"/>
+          </a:p>
+          <a:p>
+            <a:r>
+              <a:rPr lang="en-US" dirty="0"/>
+              <a:t>UPDATE Accounts</a:t>
+            </a:r>
+          </a:p>
+          <a:p>
+            <a:r>
+              <a:rPr lang="en-US" dirty="0"/>
+              <a:t>SET balance = balance - 500</a:t>
+            </a:r>
+          </a:p>
+          <a:p>
+            <a:r>
+              <a:rPr lang="en-US" dirty="0"/>
+              <a:t>WHERE </a:t>
+            </a:r>
+            <a:r>
+              <a:rPr lang="en-US" dirty="0" err="1"/>
+              <a:t>account_id</a:t>
+            </a:r>
+            <a:r>
+              <a:rPr lang="en-US" dirty="0"/>
+              <a:t> = 101;   -- Debit from account 101</a:t>
+            </a:r>
+          </a:p>
+          <a:p>
+            <a:endParaRPr lang="en-US" dirty="0"/>
+          </a:p>
+          <a:p>
+            <a:r>
+              <a:rPr lang="en-US" dirty="0"/>
+              <a:t>UPDATE Accounts</a:t>
+            </a:r>
+          </a:p>
+          <a:p>
+            <a:r>
+              <a:rPr lang="en-US" dirty="0"/>
+              <a:t>SET balance = balance + 500</a:t>
+            </a:r>
+          </a:p>
+          <a:p>
+            <a:r>
+              <a:rPr lang="en-US" dirty="0"/>
+              <a:t>WHERE </a:t>
+            </a:r>
+            <a:r>
+              <a:rPr lang="en-US" dirty="0" err="1"/>
+              <a:t>account_id</a:t>
+            </a:r>
+            <a:r>
+              <a:rPr lang="en-US" dirty="0"/>
+              <a:t> = 202;   -- Credit to account 202</a:t>
+            </a:r>
+          </a:p>
+          <a:p>
+            <a:endParaRPr lang="en-US" dirty="0"/>
+          </a:p>
+          <a:p>
+            <a:r>
+              <a:rPr lang="en-US" dirty="0"/>
+              <a:t>COMMIT;</a:t>
+            </a:r>
+          </a:p>
+          <a:p>
+            <a:r>
+              <a:rPr lang="en-US" b="1" dirty="0"/>
+              <a:t>2. Transaction-Management Component</a:t>
+            </a:r>
+          </a:p>
+          <a:p>
+            <a:r>
+              <a:rPr lang="en-US" dirty="0"/>
+              <a:t>Imagine power goes out </a:t>
+            </a:r>
+            <a:r>
+              <a:rPr lang="en-US" b="1" dirty="0"/>
+              <a:t>after the debit</a:t>
+            </a:r>
+            <a:r>
+              <a:rPr lang="en-US" dirty="0"/>
+              <a:t> but before the credit.</a:t>
+            </a:r>
+          </a:p>
+          <a:p>
+            <a:r>
+              <a:rPr lang="en-US" dirty="0"/>
+              <a:t>Without transaction management → account 101 loses money, but account 202 doesn’t receive it.</a:t>
+            </a:r>
+          </a:p>
+          <a:p>
+            <a:r>
+              <a:rPr lang="en-US" dirty="0"/>
+              <a:t>With transaction management → both updates are rolled back, database remains consistent.</a:t>
+            </a:r>
+          </a:p>
+          <a:p>
+            <a:br>
+              <a:rPr lang="en-US" dirty="0"/>
+            </a:br>
+            <a:endParaRPr lang="en-US" dirty="0"/>
+          </a:p>
+          <a:p>
+            <a:r>
+              <a:rPr lang="en-US" b="1" dirty="0"/>
+              <a:t>3. Concurrency-Control Manager</a:t>
+            </a:r>
+          </a:p>
+          <a:p>
+            <a:r>
+              <a:rPr lang="en-US" dirty="0"/>
+              <a:t>Consider two transactions running </a:t>
+            </a:r>
+            <a:r>
+              <a:rPr lang="en-US" b="1" dirty="0"/>
+              <a:t>at the same time</a:t>
+            </a:r>
+            <a:r>
+              <a:rPr lang="en-US" dirty="0"/>
+              <a:t>:</a:t>
+            </a:r>
+          </a:p>
+          <a:p>
+            <a:r>
+              <a:rPr lang="en-US" b="1" dirty="0"/>
+              <a:t>T1:</a:t>
+            </a:r>
+            <a:r>
+              <a:rPr lang="en-US" dirty="0"/>
+              <a:t> Transfer 500 from account 101 to 202.</a:t>
+            </a:r>
+          </a:p>
+          <a:p>
+            <a:r>
+              <a:rPr lang="en-US" b="1" dirty="0"/>
+              <a:t>T2:</a:t>
+            </a:r>
+            <a:r>
+              <a:rPr lang="en-US" dirty="0"/>
+              <a:t> Transfer 200 from account 101 to 303.</a:t>
+            </a:r>
+          </a:p>
+          <a:p>
+            <a:r>
+              <a:rPr lang="en-US" dirty="0"/>
+              <a:t>If both read account 101’s balance (say </a:t>
+            </a:r>
+            <a:r>
+              <a:rPr lang="en-US" sz="1200" kern="1200" dirty="0">
+                <a:solidFill>
+                  <a:schemeClr val="tx1"/>
+                </a:solidFill>
+                <a:latin typeface="Times New Roman" charset="0"/>
+                <a:ea typeface="MS PGothic" panose="020B0600070205080204" pitchFamily="34" charset="-128"/>
+                <a:cs typeface="ＭＳ Ｐゴシック" charset="0"/>
+              </a:rPr>
+              <a:t>1000</a:t>
+            </a:r>
+            <a:r>
+              <a:rPr lang="en-US" dirty="0"/>
+              <a:t>) at the same time, they might both think enough money exists.</a:t>
+            </a:r>
+            <a:br>
+              <a:rPr lang="en-US" dirty="0"/>
+            </a:br>
+            <a:r>
+              <a:rPr lang="en-US" dirty="0"/>
+              <a:t>Without concurrency control → final balance may become inconsistent (lost update problem).</a:t>
+            </a:r>
+            <a:br>
+              <a:rPr lang="en-US" dirty="0"/>
+            </a:br>
+            <a:r>
+              <a:rPr lang="en-US" dirty="0"/>
+              <a:t>With concurrency control → one transaction waits or locks until the other finishes, ensuring correct results.</a:t>
+            </a:r>
+          </a:p>
+          <a:p>
+            <a:br>
+              <a:rPr lang="en-US" dirty="0"/>
+            </a:br>
+            <a:endParaRPr lang="en-US" dirty="0"/>
+          </a:p>
+          <a:p>
+            <a:r>
+              <a:rPr lang="en-US" dirty="0"/>
+              <a:t>✅ In summary:</a:t>
+            </a:r>
+          </a:p>
+          <a:p>
+            <a:r>
+              <a:rPr lang="en-US" b="1" dirty="0"/>
+              <a:t>Transaction</a:t>
+            </a:r>
+            <a:r>
+              <a:rPr lang="en-US" dirty="0"/>
+              <a:t>: A set of operations (like money transfer).</a:t>
+            </a:r>
+          </a:p>
+          <a:p>
+            <a:r>
+              <a:rPr lang="en-US" b="1" dirty="0"/>
+              <a:t>Transaction-management</a:t>
+            </a:r>
+            <a:r>
+              <a:rPr lang="en-US" dirty="0"/>
+              <a:t>: Protects against system/transaction failure.</a:t>
+            </a:r>
+          </a:p>
+          <a:p>
+            <a:r>
+              <a:rPr lang="en-US" b="1" dirty="0"/>
+              <a:t>Concurrency-control manager</a:t>
+            </a:r>
+            <a:r>
+              <a:rPr lang="en-US" dirty="0"/>
+              <a:t>: Protects against conflicts when multiple transactions run at once.</a:t>
+            </a:r>
+          </a:p>
+          <a:p>
+            <a:endParaRPr lang="en-US" dirty="0"/>
+          </a:p>
+          <a:p>
+            <a:endParaRPr lang="en-US" dirty="0"/>
           </a:p>
         </p:txBody>
       </p:sp>
@@ -7266,229 +7516,416 @@
       </p:grpSpPr>
       <p:sp>
         <p:nvSpPr>
-          <p:cNvPr id="62465" name="Rectangle 7"/>
-          <p:cNvSpPr txBox="1">
-            <a:spLocks noGrp="1" noChangeArrowheads="1"/>
-          </p:cNvSpPr>
-          <p:nvPr/>
-        </p:nvSpPr>
-        <p:spPr bwMode="auto">
-          <a:xfrm>
-            <a:off x="3966315" y="8820783"/>
-            <a:ext cx="3031385" cy="462917"/>
-          </a:xfrm>
-          <a:prstGeom prst="rect">
-            <a:avLst/>
-          </a:prstGeom>
-          <a:noFill/>
-          <a:ln>
-            <a:noFill/>
-          </a:ln>
-          <a:extLst>
-            <a:ext uri="{909E8E84-426E-40DD-AFC4-6F175D3DCCD1}">
-              <a14:hiddenFill xmlns:a14="http://schemas.microsoft.com/office/drawing/2010/main">
-                <a:solidFill>
-                  <a:srgbClr val="FFFFFF"/>
-                </a:solidFill>
-              </a14:hiddenFill>
-            </a:ext>
-            <a:ext uri="{91240B29-F687-4F45-9708-019B960494DF}">
-              <a14:hiddenLine xmlns:a14="http://schemas.microsoft.com/office/drawing/2010/main" w="9525">
-                <a:solidFill>
-                  <a:srgbClr val="000000"/>
-                </a:solidFill>
-                <a:miter lim="800000"/>
-                <a:headEnd/>
-                <a:tailEnd/>
-              </a14:hiddenLine>
-            </a:ext>
-          </a:extLst>
-        </p:spPr>
-        <p:txBody>
-          <a:bodyPr wrap="none" lIns="93022" tIns="46511" rIns="93022" bIns="46511" anchor="b"/>
-          <a:lstStyle>
-            <a:lvl1pPr defTabSz="930275">
-              <a:defRPr sz="1600">
-                <a:solidFill>
-                  <a:schemeClr val="tx1"/>
-                </a:solidFill>
-                <a:latin typeface="Helvetica" panose="020B0604020202020204" pitchFamily="34" charset="0"/>
-                <a:ea typeface="MS PGothic" panose="020B0600070205080204" pitchFamily="34" charset="-128"/>
-              </a:defRPr>
-            </a:lvl1pPr>
-            <a:lvl2pPr marL="742950" indent="-285750" defTabSz="930275">
-              <a:defRPr sz="1600">
-                <a:solidFill>
-                  <a:schemeClr val="tx1"/>
-                </a:solidFill>
-                <a:latin typeface="Helvetica" panose="020B0604020202020204" pitchFamily="34" charset="0"/>
-                <a:ea typeface="MS PGothic" panose="020B0600070205080204" pitchFamily="34" charset="-128"/>
-              </a:defRPr>
-            </a:lvl2pPr>
-            <a:lvl3pPr marL="1143000" indent="-228600" defTabSz="930275">
-              <a:defRPr sz="1600">
-                <a:solidFill>
-                  <a:schemeClr val="tx1"/>
-                </a:solidFill>
-                <a:latin typeface="Helvetica" panose="020B0604020202020204" pitchFamily="34" charset="0"/>
-                <a:ea typeface="MS PGothic" panose="020B0600070205080204" pitchFamily="34" charset="-128"/>
-              </a:defRPr>
-            </a:lvl3pPr>
-            <a:lvl4pPr marL="1600200" indent="-228600" defTabSz="930275">
-              <a:defRPr sz="1600">
-                <a:solidFill>
-                  <a:schemeClr val="tx1"/>
-                </a:solidFill>
-                <a:latin typeface="Helvetica" panose="020B0604020202020204" pitchFamily="34" charset="0"/>
-                <a:ea typeface="MS PGothic" panose="020B0600070205080204" pitchFamily="34" charset="-128"/>
-              </a:defRPr>
-            </a:lvl4pPr>
-            <a:lvl5pPr marL="2057400" indent="-228600" defTabSz="930275">
-              <a:defRPr sz="1600">
-                <a:solidFill>
-                  <a:schemeClr val="tx1"/>
-                </a:solidFill>
-                <a:latin typeface="Helvetica" panose="020B0604020202020204" pitchFamily="34" charset="0"/>
-                <a:ea typeface="MS PGothic" panose="020B0600070205080204" pitchFamily="34" charset="-128"/>
-              </a:defRPr>
-            </a:lvl5pPr>
-            <a:lvl6pPr marL="2514600" indent="-228600" defTabSz="930275" eaLnBrk="0" fontAlgn="base" hangingPunct="0">
-              <a:spcBef>
-                <a:spcPct val="0"/>
-              </a:spcBef>
-              <a:spcAft>
-                <a:spcPct val="0"/>
-              </a:spcAft>
-              <a:defRPr sz="1600">
-                <a:solidFill>
-                  <a:schemeClr val="tx1"/>
-                </a:solidFill>
-                <a:latin typeface="Helvetica" panose="020B0604020202020204" pitchFamily="34" charset="0"/>
-                <a:ea typeface="MS PGothic" panose="020B0600070205080204" pitchFamily="34" charset="-128"/>
-              </a:defRPr>
-            </a:lvl6pPr>
-            <a:lvl7pPr marL="2971800" indent="-228600" defTabSz="930275" eaLnBrk="0" fontAlgn="base" hangingPunct="0">
-              <a:spcBef>
-                <a:spcPct val="0"/>
-              </a:spcBef>
-              <a:spcAft>
-                <a:spcPct val="0"/>
-              </a:spcAft>
-              <a:defRPr sz="1600">
-                <a:solidFill>
-                  <a:schemeClr val="tx1"/>
-                </a:solidFill>
-                <a:latin typeface="Helvetica" panose="020B0604020202020204" pitchFamily="34" charset="0"/>
-                <a:ea typeface="MS PGothic" panose="020B0600070205080204" pitchFamily="34" charset="-128"/>
-              </a:defRPr>
-            </a:lvl7pPr>
-            <a:lvl8pPr marL="3429000" indent="-228600" defTabSz="930275" eaLnBrk="0" fontAlgn="base" hangingPunct="0">
-              <a:spcBef>
-                <a:spcPct val="0"/>
-              </a:spcBef>
-              <a:spcAft>
-                <a:spcPct val="0"/>
-              </a:spcAft>
-              <a:defRPr sz="1600">
-                <a:solidFill>
-                  <a:schemeClr val="tx1"/>
-                </a:solidFill>
-                <a:latin typeface="Helvetica" panose="020B0604020202020204" pitchFamily="34" charset="0"/>
-                <a:ea typeface="MS PGothic" panose="020B0600070205080204" pitchFamily="34" charset="-128"/>
-              </a:defRPr>
-            </a:lvl8pPr>
-            <a:lvl9pPr marL="3886200" indent="-228600" defTabSz="930275" eaLnBrk="0" fontAlgn="base" hangingPunct="0">
-              <a:spcBef>
-                <a:spcPct val="0"/>
-              </a:spcBef>
-              <a:spcAft>
-                <a:spcPct val="0"/>
-              </a:spcAft>
-              <a:defRPr sz="1600">
-                <a:solidFill>
-                  <a:schemeClr val="tx1"/>
-                </a:solidFill>
-                <a:latin typeface="Helvetica" panose="020B0604020202020204" pitchFamily="34" charset="0"/>
-                <a:ea typeface="MS PGothic" panose="020B0600070205080204" pitchFamily="34" charset="-128"/>
-              </a:defRPr>
-            </a:lvl9pPr>
-          </a:lstStyle>
-          <a:p>
-            <a:pPr algn="r"/>
-            <a:fld id="{C2F2B756-9213-4637-9F3D-8CD40917EA0A}" type="slidenum">
-              <a:rPr lang="en-US" altLang="en-US" sz="1200"/>
-              <a:pPr algn="r"/>
-              <a:t>31</a:t>
-            </a:fld>
-            <a:endParaRPr lang="en-US" altLang="en-US" sz="1200" dirty="0"/>
-          </a:p>
-        </p:txBody>
-      </p:sp>
-      <p:sp>
-        <p:nvSpPr>
-          <p:cNvPr id="62466" name="Rectangle 2"/>
+          <p:cNvPr id="2" name="Slide Image Placeholder 1"/>
           <p:cNvSpPr>
-            <a:spLocks noGrp="1" noRot="1" noChangeAspect="1" noChangeArrowheads="1" noTextEdit="1"/>
+            <a:spLocks noGrp="1" noRot="1" noChangeAspect="1"/>
           </p:cNvSpPr>
           <p:nvPr>
             <p:ph type="sldImg"/>
           </p:nvPr>
         </p:nvSpPr>
-        <p:spPr>
-          <a:xfrm>
-            <a:off x="1177925" y="696913"/>
-            <a:ext cx="4641850" cy="3481387"/>
-          </a:xfrm>
-          <a:ln/>
-        </p:spPr>
+        <p:spPr/>
       </p:sp>
       <p:sp>
         <p:nvSpPr>
-          <p:cNvPr id="62467" name="Rectangle 3"/>
+          <p:cNvPr id="3" name="Notes Placeholder 2"/>
           <p:cNvSpPr>
-            <a:spLocks noGrp="1" noChangeArrowheads="1"/>
+            <a:spLocks noGrp="1"/>
           </p:cNvSpPr>
           <p:nvPr>
             <p:ph type="body" idx="1"/>
           </p:nvPr>
         </p:nvSpPr>
-        <p:spPr>
-          <a:noFill/>
-          <a:ln/>
-          <a:extLst>
-            <a:ext uri="{909E8E84-426E-40DD-AFC4-6F175D3DCCD1}">
-              <a14:hiddenFill xmlns:a14="http://schemas.microsoft.com/office/drawing/2010/main">
-                <a:solidFill>
-                  <a:srgbClr val="FFFFFF"/>
-                </a:solidFill>
-              </a14:hiddenFill>
-            </a:ext>
-            <a:ext uri="{91240B29-F687-4F45-9708-019B960494DF}">
-              <a14:hiddenLine xmlns:a14="http://schemas.microsoft.com/office/drawing/2010/main" w="9525">
-                <a:solidFill>
-                  <a:srgbClr val="000000"/>
-                </a:solidFill>
-                <a:miter lim="800000"/>
-                <a:headEnd/>
-                <a:tailEnd/>
-              </a14:hiddenLine>
-            </a:ext>
-          </a:extLst>
-        </p:spPr>
+        <p:spPr/>
         <p:txBody>
           <a:bodyPr/>
           <a:lstStyle/>
           <a:p>
-            <a:endParaRPr lang="en-US" altLang="en-US">
-              <a:latin typeface="Times New Roman" panose="02020603050405020304" pitchFamily="18" charset="0"/>
-            </a:endParaRPr>
+            <a:pPr algn="r" rtl="1"/>
+            <a:r>
+              <a:rPr lang="fa-IR" b="1" dirty="0"/>
+              <a:t>۱. پردازشگر پرس‌وجو (</a:t>
+            </a:r>
+            <a:r>
+              <a:rPr lang="en-US" b="1" dirty="0"/>
+              <a:t>Query Processor)</a:t>
+            </a:r>
+          </a:p>
+          <a:p>
+            <a:pPr algn="r" rtl="1"/>
+            <a:r>
+              <a:rPr lang="fa-IR" dirty="0"/>
+              <a:t>این بخش مسئول تبدیل دستورات زبان کاربر به عملیات داخلی پایگاه داده است:</a:t>
+            </a:r>
+          </a:p>
+          <a:p>
+            <a:pPr algn="r" rtl="1"/>
+            <a:r>
+              <a:rPr lang="en-US" b="1" dirty="0"/>
+              <a:t>Compiler and Linker</a:t>
+            </a:r>
+            <a:r>
+              <a:rPr lang="en-US" dirty="0"/>
+              <a:t>: </a:t>
+            </a:r>
+            <a:r>
+              <a:rPr lang="fa-IR" dirty="0"/>
+              <a:t>کد برنامهٔ کاربردی را آمادهٔ اجرا می‌کند.</a:t>
+            </a:r>
+          </a:p>
+          <a:p>
+            <a:pPr algn="r" rtl="1"/>
+            <a:r>
+              <a:rPr lang="en-US" b="1" dirty="0"/>
+              <a:t>DML Queries</a:t>
+            </a:r>
+            <a:r>
+              <a:rPr lang="en-US" dirty="0"/>
+              <a:t>: </a:t>
+            </a:r>
+            <a:r>
+              <a:rPr lang="fa-IR" dirty="0"/>
+              <a:t>اجرای دستورات زبان دستکاری داده (مانند </a:t>
+            </a:r>
+            <a:r>
+              <a:rPr lang="en-US" sz="1200" kern="1200" dirty="0">
+                <a:solidFill>
+                  <a:schemeClr val="tx1"/>
+                </a:solidFill>
+                <a:latin typeface="Times New Roman" charset="0"/>
+                <a:ea typeface="MS PGothic" panose="020B0600070205080204" pitchFamily="34" charset="-128"/>
+                <a:cs typeface="ＭＳ Ｐゴシック" charset="0"/>
+              </a:rPr>
+              <a:t>SELECT</a:t>
+            </a:r>
+            <a:r>
+              <a:rPr lang="en-US" dirty="0"/>
+              <a:t>, </a:t>
+            </a:r>
+            <a:r>
+              <a:rPr lang="en-US" sz="1200" kern="1200" dirty="0">
+                <a:solidFill>
+                  <a:schemeClr val="tx1"/>
+                </a:solidFill>
+                <a:latin typeface="Times New Roman" charset="0"/>
+                <a:ea typeface="MS PGothic" panose="020B0600070205080204" pitchFamily="34" charset="-128"/>
+                <a:cs typeface="ＭＳ Ｐゴシック" charset="0"/>
+              </a:rPr>
+              <a:t>INSERT</a:t>
+            </a:r>
+            <a:r>
+              <a:rPr lang="en-US" dirty="0"/>
+              <a:t>, </a:t>
+            </a:r>
+            <a:r>
+              <a:rPr lang="en-US" sz="1200" kern="1200" dirty="0">
+                <a:solidFill>
+                  <a:schemeClr val="tx1"/>
+                </a:solidFill>
+                <a:latin typeface="Times New Roman" charset="0"/>
+                <a:ea typeface="MS PGothic" panose="020B0600070205080204" pitchFamily="34" charset="-128"/>
+                <a:cs typeface="ＭＳ Ｐゴシック" charset="0"/>
+              </a:rPr>
+              <a:t>UPDATE</a:t>
+            </a:r>
+            <a:r>
+              <a:rPr lang="en-US" dirty="0"/>
+              <a:t>).</a:t>
+            </a:r>
+          </a:p>
+          <a:p>
+            <a:pPr algn="r" rtl="1"/>
+            <a:r>
+              <a:rPr lang="en-US" b="1" dirty="0"/>
+              <a:t>DDL Interpreter</a:t>
+            </a:r>
+            <a:r>
+              <a:rPr lang="en-US" dirty="0"/>
+              <a:t>: </a:t>
+            </a:r>
+            <a:r>
+              <a:rPr lang="fa-IR" dirty="0"/>
+              <a:t>پردازش دستورات تعریف داده (مانند </a:t>
+            </a:r>
+            <a:r>
+              <a:rPr lang="en-US" sz="1200" kern="1200" dirty="0">
+                <a:solidFill>
+                  <a:schemeClr val="tx1"/>
+                </a:solidFill>
+                <a:latin typeface="Times New Roman" charset="0"/>
+                <a:ea typeface="MS PGothic" panose="020B0600070205080204" pitchFamily="34" charset="-128"/>
+                <a:cs typeface="ＭＳ Ｐゴシック" charset="0"/>
+              </a:rPr>
+              <a:t>CREATE TABLE</a:t>
+            </a:r>
+            <a:r>
+              <a:rPr lang="en-US" dirty="0"/>
+              <a:t>).</a:t>
+            </a:r>
+          </a:p>
+          <a:p>
+            <a:pPr algn="r" rtl="1"/>
+            <a:r>
+              <a:rPr lang="en-US" b="1" dirty="0"/>
+              <a:t>DML Compiler and Organizer</a:t>
+            </a:r>
+            <a:r>
+              <a:rPr lang="en-US" dirty="0"/>
+              <a:t>: </a:t>
+            </a:r>
+            <a:r>
+              <a:rPr lang="fa-IR" dirty="0"/>
+              <a:t>دستورات </a:t>
+            </a:r>
+            <a:r>
+              <a:rPr lang="en-US" dirty="0"/>
+              <a:t>DML </a:t>
+            </a:r>
+            <a:r>
+              <a:rPr lang="fa-IR" dirty="0"/>
+              <a:t>را به برنامهٔ داخلی قابل‌اجرا تبدیل می‌کند.</a:t>
+            </a:r>
+          </a:p>
+          <a:p>
+            <a:pPr algn="r" rtl="1"/>
+            <a:r>
+              <a:rPr lang="en-US" b="1" dirty="0"/>
+              <a:t>Query Evaluation Engine</a:t>
+            </a:r>
+            <a:r>
+              <a:rPr lang="en-US" dirty="0"/>
+              <a:t>: </a:t>
+            </a:r>
+            <a:r>
+              <a:rPr lang="fa-IR" dirty="0"/>
+              <a:t>موتور اجرای پرس‌وجو که وظیفهٔ اجرای واقعی دستورات </a:t>
+            </a:r>
+            <a:r>
+              <a:rPr lang="en-US" dirty="0"/>
+              <a:t>SQL </a:t>
+            </a:r>
+            <a:r>
+              <a:rPr lang="fa-IR" dirty="0"/>
+              <a:t>و تولید نتایج را دارد.</a:t>
+            </a:r>
+          </a:p>
+          <a:p>
+            <a:pPr algn="r" rtl="1"/>
+            <a:br>
+              <a:rPr lang="fa-IR" dirty="0"/>
+            </a:br>
+            <a:endParaRPr lang="fa-IR" dirty="0"/>
+          </a:p>
+          <a:p>
+            <a:pPr algn="r" rtl="1"/>
+            <a:r>
+              <a:rPr lang="fa-IR" b="1" dirty="0"/>
+              <a:t>۲. مدیر ذخیره‌سازی (</a:t>
+            </a:r>
+            <a:r>
+              <a:rPr lang="en-US" b="1" dirty="0"/>
+              <a:t>Storage Manager)</a:t>
+            </a:r>
+          </a:p>
+          <a:p>
+            <a:pPr algn="r" rtl="1"/>
+            <a:r>
+              <a:rPr lang="fa-IR" dirty="0"/>
+              <a:t>این بخش رابط بین پردازشگر پرس‌وجو و داده‌های ذخیره‌شده روی دیسک است. وظایف آن عبارتند از:</a:t>
+            </a:r>
+          </a:p>
+          <a:p>
+            <a:pPr algn="r" rtl="1"/>
+            <a:r>
+              <a:rPr lang="en-US" b="1" dirty="0"/>
+              <a:t>Buffer Manager</a:t>
+            </a:r>
+            <a:r>
+              <a:rPr lang="en-US" dirty="0"/>
+              <a:t>: </a:t>
+            </a:r>
+            <a:r>
+              <a:rPr lang="fa-IR" dirty="0"/>
+              <a:t>داده‌های پرکاربرد را در حافظهٔ اصلی نگه می‌دارد تا سرعت بالا رود.</a:t>
+            </a:r>
+          </a:p>
+          <a:p>
+            <a:pPr algn="r" rtl="1"/>
+            <a:r>
+              <a:rPr lang="en-US" b="1" dirty="0"/>
+              <a:t>File Manager</a:t>
+            </a:r>
+            <a:r>
+              <a:rPr lang="en-US" dirty="0"/>
+              <a:t>: </a:t>
+            </a:r>
+            <a:r>
+              <a:rPr lang="fa-IR" dirty="0"/>
+              <a:t>مسئول مدیریت فایل‌های پایگاه داده روی دیسک.</a:t>
+            </a:r>
+          </a:p>
+          <a:p>
+            <a:pPr algn="r" rtl="1"/>
+            <a:r>
+              <a:rPr lang="en-US" b="1" dirty="0"/>
+              <a:t>Authorization and Integrity Manager</a:t>
+            </a:r>
+            <a:r>
+              <a:rPr lang="en-US" dirty="0"/>
+              <a:t>: </a:t>
+            </a:r>
+            <a:r>
+              <a:rPr lang="fa-IR" dirty="0"/>
+              <a:t>بررسی مجوز دسترسی کاربران و تضمین صحت داده‌ها.</a:t>
+            </a:r>
+          </a:p>
+          <a:p>
+            <a:pPr algn="r" rtl="1"/>
+            <a:r>
+              <a:rPr lang="en-US" b="1" dirty="0"/>
+              <a:t>Transaction Manager</a:t>
+            </a:r>
+            <a:r>
+              <a:rPr lang="en-US" dirty="0"/>
+              <a:t>: </a:t>
+            </a:r>
+            <a:r>
+              <a:rPr lang="fa-IR" dirty="0"/>
+              <a:t>مدیریت تراکنش‌ها برای تضمین ویژگی‌های </a:t>
+            </a:r>
+            <a:r>
+              <a:rPr lang="en-US" dirty="0"/>
+              <a:t>ACID (</a:t>
+            </a:r>
+            <a:r>
+              <a:rPr lang="fa-IR" dirty="0"/>
+              <a:t>اتمی بودن، سازگاری، جداسازی، ماندگاری).</a:t>
+            </a:r>
+          </a:p>
+          <a:p>
+            <a:pPr algn="r" rtl="1"/>
+            <a:br>
+              <a:rPr lang="fa-IR" dirty="0"/>
+            </a:br>
+            <a:endParaRPr lang="fa-IR" dirty="0"/>
+          </a:p>
+          <a:p>
+            <a:pPr algn="r" rtl="1"/>
+            <a:r>
+              <a:rPr lang="fa-IR" b="1" dirty="0"/>
+              <a:t>۳. ذخیره‌سازی دیسک (</a:t>
+            </a:r>
+            <a:r>
+              <a:rPr lang="en-US" b="1" dirty="0"/>
+              <a:t>Disk Storage)</a:t>
+            </a:r>
+          </a:p>
+          <a:p>
+            <a:pPr algn="r" rtl="1"/>
+            <a:r>
+              <a:rPr lang="fa-IR" dirty="0"/>
+              <a:t>بخش فیزیکی داده‌هاست که شامل اجزای زیر می‌شود:</a:t>
+            </a:r>
+          </a:p>
+          <a:p>
+            <a:pPr algn="r" rtl="1"/>
+            <a:r>
+              <a:rPr lang="en-US" b="1" dirty="0"/>
+              <a:t>Data (</a:t>
+            </a:r>
+            <a:r>
+              <a:rPr lang="fa-IR" b="1" dirty="0"/>
+              <a:t>داده‌ها)</a:t>
+            </a:r>
+            <a:r>
+              <a:rPr lang="fa-IR" dirty="0"/>
+              <a:t>: رکوردهای واقعی ذخیره‌شده.</a:t>
+            </a:r>
+          </a:p>
+          <a:p>
+            <a:pPr algn="r" rtl="1"/>
+            <a:r>
+              <a:rPr lang="en-US" b="1" dirty="0"/>
+              <a:t>Indices (</a:t>
+            </a:r>
+            <a:r>
+              <a:rPr lang="fa-IR" b="1" dirty="0"/>
+              <a:t>شاخص‌ها)</a:t>
+            </a:r>
+            <a:r>
+              <a:rPr lang="fa-IR" dirty="0"/>
+              <a:t>: برای دسترسی سریع‌تر به داده‌ها.</a:t>
+            </a:r>
+          </a:p>
+          <a:p>
+            <a:pPr algn="r" rtl="1"/>
+            <a:r>
+              <a:rPr lang="en-US" b="1" dirty="0"/>
+              <a:t>Data Dictionary (</a:t>
+            </a:r>
+            <a:r>
+              <a:rPr lang="fa-IR" b="1" dirty="0"/>
+              <a:t>فرهنگ داده/فراداده)</a:t>
+            </a:r>
+            <a:r>
+              <a:rPr lang="fa-IR" dirty="0"/>
+              <a:t>: شامل توضیحات ساختار پایگاه داده، جداول، ستون‌ها و روابط.</a:t>
+            </a:r>
+          </a:p>
+          <a:p>
+            <a:pPr algn="r" rtl="1"/>
+            <a:r>
+              <a:rPr lang="en-US" b="1" dirty="0"/>
+              <a:t>Statistical Data (</a:t>
+            </a:r>
+            <a:r>
+              <a:rPr lang="fa-IR" b="1" dirty="0"/>
+              <a:t>اطلاعات آماری)</a:t>
+            </a:r>
+            <a:r>
+              <a:rPr lang="fa-IR" dirty="0"/>
+              <a:t>: اطلاعات آماری برای بهینه‌سازی اجرای پرس‌وجوها.</a:t>
+            </a:r>
+          </a:p>
+          <a:p>
+            <a:pPr algn="r" rtl="1"/>
+            <a:endParaRPr lang="en-US" dirty="0"/>
+          </a:p>
+        </p:txBody>
+      </p:sp>
+      <p:sp>
+        <p:nvSpPr>
+          <p:cNvPr id="4" name="Slide Number Placeholder 3"/>
+          <p:cNvSpPr>
+            <a:spLocks noGrp="1"/>
+          </p:cNvSpPr>
+          <p:nvPr>
+            <p:ph type="sldNum" sz="quarter" idx="5"/>
+          </p:nvPr>
+        </p:nvSpPr>
+        <p:spPr/>
+        <p:txBody>
+          <a:bodyPr/>
+          <a:lstStyle/>
+          <a:p>
+            <a:pPr>
+              <a:defRPr/>
+            </a:pPr>
+            <a:fld id="{AE66C03C-4B0E-4149-8287-A3B340EB818D}" type="slidenum">
+              <a:rPr lang="en-US" altLang="en-US" smtClean="0"/>
+              <a:pPr>
+                <a:defRPr/>
+              </a:pPr>
+              <a:t>30</a:t>
+            </a:fld>
+            <a:endParaRPr lang="en-US" altLang="en-US"/>
           </a:p>
         </p:txBody>
       </p:sp>
     </p:spTree>
     <p:extLst>
       <p:ext uri="{BB962C8B-B14F-4D97-AF65-F5344CB8AC3E}">
-        <p14:creationId xmlns:p14="http://schemas.microsoft.com/office/powerpoint/2010/main" val="4181103288"/>
+        <p14:creationId xmlns:p14="http://schemas.microsoft.com/office/powerpoint/2010/main" val="280836264"/>
       </p:ext>
     </p:extLst>
   </p:cSld>
@@ -7768,6 +8205,746 @@
       </p:grpSpPr>
       <p:sp>
         <p:nvSpPr>
+          <p:cNvPr id="62465" name="Rectangle 7"/>
+          <p:cNvSpPr txBox="1">
+            <a:spLocks noGrp="1" noChangeArrowheads="1"/>
+          </p:cNvSpPr>
+          <p:nvPr/>
+        </p:nvSpPr>
+        <p:spPr bwMode="auto">
+          <a:xfrm>
+            <a:off x="3966315" y="8820783"/>
+            <a:ext cx="3031385" cy="462917"/>
+          </a:xfrm>
+          <a:prstGeom prst="rect">
+            <a:avLst/>
+          </a:prstGeom>
+          <a:noFill/>
+          <a:ln>
+            <a:noFill/>
+          </a:ln>
+          <a:extLst>
+            <a:ext uri="{909E8E84-426E-40DD-AFC4-6F175D3DCCD1}">
+              <a14:hiddenFill xmlns:a14="http://schemas.microsoft.com/office/drawing/2010/main">
+                <a:solidFill>
+                  <a:srgbClr val="FFFFFF"/>
+                </a:solidFill>
+              </a14:hiddenFill>
+            </a:ext>
+            <a:ext uri="{91240B29-F687-4F45-9708-019B960494DF}">
+              <a14:hiddenLine xmlns:a14="http://schemas.microsoft.com/office/drawing/2010/main" w="9525">
+                <a:solidFill>
+                  <a:srgbClr val="000000"/>
+                </a:solidFill>
+                <a:miter lim="800000"/>
+                <a:headEnd/>
+                <a:tailEnd/>
+              </a14:hiddenLine>
+            </a:ext>
+          </a:extLst>
+        </p:spPr>
+        <p:txBody>
+          <a:bodyPr wrap="none" lIns="93022" tIns="46511" rIns="93022" bIns="46511" anchor="b"/>
+          <a:lstStyle>
+            <a:lvl1pPr defTabSz="930275">
+              <a:defRPr sz="1600">
+                <a:solidFill>
+                  <a:schemeClr val="tx1"/>
+                </a:solidFill>
+                <a:latin typeface="Helvetica" panose="020B0604020202020204" pitchFamily="34" charset="0"/>
+                <a:ea typeface="MS PGothic" panose="020B0600070205080204" pitchFamily="34" charset="-128"/>
+              </a:defRPr>
+            </a:lvl1pPr>
+            <a:lvl2pPr marL="742950" indent="-285750" defTabSz="930275">
+              <a:defRPr sz="1600">
+                <a:solidFill>
+                  <a:schemeClr val="tx1"/>
+                </a:solidFill>
+                <a:latin typeface="Helvetica" panose="020B0604020202020204" pitchFamily="34" charset="0"/>
+                <a:ea typeface="MS PGothic" panose="020B0600070205080204" pitchFamily="34" charset="-128"/>
+              </a:defRPr>
+            </a:lvl2pPr>
+            <a:lvl3pPr marL="1143000" indent="-228600" defTabSz="930275">
+              <a:defRPr sz="1600">
+                <a:solidFill>
+                  <a:schemeClr val="tx1"/>
+                </a:solidFill>
+                <a:latin typeface="Helvetica" panose="020B0604020202020204" pitchFamily="34" charset="0"/>
+                <a:ea typeface="MS PGothic" panose="020B0600070205080204" pitchFamily="34" charset="-128"/>
+              </a:defRPr>
+            </a:lvl3pPr>
+            <a:lvl4pPr marL="1600200" indent="-228600" defTabSz="930275">
+              <a:defRPr sz="1600">
+                <a:solidFill>
+                  <a:schemeClr val="tx1"/>
+                </a:solidFill>
+                <a:latin typeface="Helvetica" panose="020B0604020202020204" pitchFamily="34" charset="0"/>
+                <a:ea typeface="MS PGothic" panose="020B0600070205080204" pitchFamily="34" charset="-128"/>
+              </a:defRPr>
+            </a:lvl4pPr>
+            <a:lvl5pPr marL="2057400" indent="-228600" defTabSz="930275">
+              <a:defRPr sz="1600">
+                <a:solidFill>
+                  <a:schemeClr val="tx1"/>
+                </a:solidFill>
+                <a:latin typeface="Helvetica" panose="020B0604020202020204" pitchFamily="34" charset="0"/>
+                <a:ea typeface="MS PGothic" panose="020B0600070205080204" pitchFamily="34" charset="-128"/>
+              </a:defRPr>
+            </a:lvl5pPr>
+            <a:lvl6pPr marL="2514600" indent="-228600" defTabSz="930275" eaLnBrk="0" fontAlgn="base" hangingPunct="0">
+              <a:spcBef>
+                <a:spcPct val="0"/>
+              </a:spcBef>
+              <a:spcAft>
+                <a:spcPct val="0"/>
+              </a:spcAft>
+              <a:defRPr sz="1600">
+                <a:solidFill>
+                  <a:schemeClr val="tx1"/>
+                </a:solidFill>
+                <a:latin typeface="Helvetica" panose="020B0604020202020204" pitchFamily="34" charset="0"/>
+                <a:ea typeface="MS PGothic" panose="020B0600070205080204" pitchFamily="34" charset="-128"/>
+              </a:defRPr>
+            </a:lvl6pPr>
+            <a:lvl7pPr marL="2971800" indent="-228600" defTabSz="930275" eaLnBrk="0" fontAlgn="base" hangingPunct="0">
+              <a:spcBef>
+                <a:spcPct val="0"/>
+              </a:spcBef>
+              <a:spcAft>
+                <a:spcPct val="0"/>
+              </a:spcAft>
+              <a:defRPr sz="1600">
+                <a:solidFill>
+                  <a:schemeClr val="tx1"/>
+                </a:solidFill>
+                <a:latin typeface="Helvetica" panose="020B0604020202020204" pitchFamily="34" charset="0"/>
+                <a:ea typeface="MS PGothic" panose="020B0600070205080204" pitchFamily="34" charset="-128"/>
+              </a:defRPr>
+            </a:lvl7pPr>
+            <a:lvl8pPr marL="3429000" indent="-228600" defTabSz="930275" eaLnBrk="0" fontAlgn="base" hangingPunct="0">
+              <a:spcBef>
+                <a:spcPct val="0"/>
+              </a:spcBef>
+              <a:spcAft>
+                <a:spcPct val="0"/>
+              </a:spcAft>
+              <a:defRPr sz="1600">
+                <a:solidFill>
+                  <a:schemeClr val="tx1"/>
+                </a:solidFill>
+                <a:latin typeface="Helvetica" panose="020B0604020202020204" pitchFamily="34" charset="0"/>
+                <a:ea typeface="MS PGothic" panose="020B0600070205080204" pitchFamily="34" charset="-128"/>
+              </a:defRPr>
+            </a:lvl8pPr>
+            <a:lvl9pPr marL="3886200" indent="-228600" defTabSz="930275" eaLnBrk="0" fontAlgn="base" hangingPunct="0">
+              <a:spcBef>
+                <a:spcPct val="0"/>
+              </a:spcBef>
+              <a:spcAft>
+                <a:spcPct val="0"/>
+              </a:spcAft>
+              <a:defRPr sz="1600">
+                <a:solidFill>
+                  <a:schemeClr val="tx1"/>
+                </a:solidFill>
+                <a:latin typeface="Helvetica" panose="020B0604020202020204" pitchFamily="34" charset="0"/>
+                <a:ea typeface="MS PGothic" panose="020B0600070205080204" pitchFamily="34" charset="-128"/>
+              </a:defRPr>
+            </a:lvl9pPr>
+          </a:lstStyle>
+          <a:p>
+            <a:pPr algn="r"/>
+            <a:fld id="{C2F2B756-9213-4637-9F3D-8CD40917EA0A}" type="slidenum">
+              <a:rPr lang="en-US" altLang="en-US" sz="1200"/>
+              <a:pPr algn="r"/>
+              <a:t>31</a:t>
+            </a:fld>
+            <a:endParaRPr lang="en-US" altLang="en-US" sz="1200" dirty="0"/>
+          </a:p>
+        </p:txBody>
+      </p:sp>
+      <p:sp>
+        <p:nvSpPr>
+          <p:cNvPr id="62466" name="Rectangle 2"/>
+          <p:cNvSpPr>
+            <a:spLocks noGrp="1" noRot="1" noChangeAspect="1" noChangeArrowheads="1" noTextEdit="1"/>
+          </p:cNvSpPr>
+          <p:nvPr>
+            <p:ph type="sldImg"/>
+          </p:nvPr>
+        </p:nvSpPr>
+        <p:spPr>
+          <a:xfrm>
+            <a:off x="1177925" y="696913"/>
+            <a:ext cx="4641850" cy="3481387"/>
+          </a:xfrm>
+          <a:ln/>
+        </p:spPr>
+      </p:sp>
+      <p:sp>
+        <p:nvSpPr>
+          <p:cNvPr id="62467" name="Rectangle 3"/>
+          <p:cNvSpPr>
+            <a:spLocks noGrp="1" noChangeArrowheads="1"/>
+          </p:cNvSpPr>
+          <p:nvPr>
+            <p:ph type="body" idx="1"/>
+          </p:nvPr>
+        </p:nvSpPr>
+        <p:spPr>
+          <a:noFill/>
+          <a:ln/>
+          <a:extLst>
+            <a:ext uri="{909E8E84-426E-40DD-AFC4-6F175D3DCCD1}">
+              <a14:hiddenFill xmlns:a14="http://schemas.microsoft.com/office/drawing/2010/main">
+                <a:solidFill>
+                  <a:srgbClr val="FFFFFF"/>
+                </a:solidFill>
+              </a14:hiddenFill>
+            </a:ext>
+            <a:ext uri="{91240B29-F687-4F45-9708-019B960494DF}">
+              <a14:hiddenLine xmlns:a14="http://schemas.microsoft.com/office/drawing/2010/main" w="9525">
+                <a:solidFill>
+                  <a:srgbClr val="000000"/>
+                </a:solidFill>
+                <a:miter lim="800000"/>
+                <a:headEnd/>
+                <a:tailEnd/>
+              </a14:hiddenLine>
+            </a:ext>
+          </a:extLst>
+        </p:spPr>
+        <p:txBody>
+          <a:bodyPr/>
+          <a:lstStyle/>
+          <a:p>
+            <a:pPr algn="r" rtl="1"/>
+            <a:r>
+              <a:rPr lang="en-US" b="1" dirty="0"/>
+              <a:t>🔹 </a:t>
+            </a:r>
+            <a:r>
+              <a:rPr lang="fa-IR" b="1" dirty="0"/>
+              <a:t>معماری دو لایه (</a:t>
+            </a:r>
+            <a:r>
+              <a:rPr lang="en-US" b="1" dirty="0"/>
+              <a:t>Two-Tier Architecture)</a:t>
+            </a:r>
+          </a:p>
+          <a:p>
+            <a:pPr algn="r" rtl="1"/>
+            <a:r>
+              <a:rPr lang="fa-IR" dirty="0"/>
+              <a:t>در این معماری، </a:t>
+            </a:r>
+            <a:r>
+              <a:rPr lang="fa-IR" b="1" dirty="0"/>
+              <a:t>برنامهٔ کاربردی (</a:t>
+            </a:r>
+            <a:r>
+              <a:rPr lang="en-US" b="1" dirty="0"/>
+              <a:t>Application)</a:t>
+            </a:r>
+            <a:r>
+              <a:rPr lang="en-US" dirty="0"/>
+              <a:t> </a:t>
+            </a:r>
+            <a:r>
+              <a:rPr lang="fa-IR" dirty="0"/>
+              <a:t>روی کامپیوتر کاربر (</a:t>
+            </a:r>
+            <a:r>
+              <a:rPr lang="en-US" dirty="0"/>
+              <a:t>Client) </a:t>
+            </a:r>
+            <a:r>
+              <a:rPr lang="fa-IR" dirty="0"/>
+              <a:t>نصب می‌شود و مستقیماً به </a:t>
+            </a:r>
+            <a:r>
+              <a:rPr lang="fa-IR" b="1" dirty="0"/>
+              <a:t>سرور پایگاه داده (</a:t>
+            </a:r>
+            <a:r>
+              <a:rPr lang="en-US" b="1" dirty="0"/>
+              <a:t>Database Server)</a:t>
+            </a:r>
+            <a:r>
+              <a:rPr lang="en-US" dirty="0"/>
+              <a:t> </a:t>
+            </a:r>
+            <a:r>
+              <a:rPr lang="fa-IR" dirty="0"/>
+              <a:t>متصل می‌شود.</a:t>
+            </a:r>
+          </a:p>
+          <a:p>
+            <a:pPr algn="r" rtl="1"/>
+            <a:br>
+              <a:rPr lang="fa-IR" dirty="0"/>
+            </a:br>
+            <a:endParaRPr lang="fa-IR" dirty="0"/>
+          </a:p>
+          <a:p>
+            <a:pPr algn="r" rtl="1"/>
+            <a:r>
+              <a:rPr lang="fa-IR" b="1" dirty="0"/>
+              <a:t>مثال ۱: سیستم مدیریت کتابخانه</a:t>
+            </a:r>
+          </a:p>
+          <a:p>
+            <a:pPr algn="r" rtl="1"/>
+            <a:r>
+              <a:rPr lang="fa-IR" b="1" dirty="0"/>
+              <a:t>کلاینت (</a:t>
+            </a:r>
+            <a:r>
+              <a:rPr lang="en-US" b="1" dirty="0"/>
+              <a:t>Client):</a:t>
+            </a:r>
+            <a:r>
+              <a:rPr lang="en-US" dirty="0"/>
+              <a:t> </a:t>
+            </a:r>
+            <a:r>
+              <a:rPr lang="fa-IR" dirty="0"/>
+              <a:t>نرم‌افزار کتابخانه روی کامپیوتر کتابدار نصب شده است.</a:t>
+            </a:r>
+          </a:p>
+          <a:p>
+            <a:pPr algn="r" rtl="1"/>
+            <a:r>
+              <a:rPr lang="fa-IR" b="1" dirty="0"/>
+              <a:t>سرور (</a:t>
+            </a:r>
+            <a:r>
+              <a:rPr lang="en-US" b="1" dirty="0"/>
+              <a:t>Server):</a:t>
+            </a:r>
+            <a:r>
+              <a:rPr lang="en-US" dirty="0"/>
+              <a:t> </a:t>
+            </a:r>
+            <a:r>
+              <a:rPr lang="fa-IR" dirty="0"/>
+              <a:t>یک سرور پایگاه داده (مثلاً </a:t>
+            </a:r>
+            <a:r>
+              <a:rPr lang="en-US" dirty="0"/>
+              <a:t>MySQL </a:t>
+            </a:r>
+            <a:r>
+              <a:rPr lang="fa-IR" dirty="0"/>
+              <a:t>یا </a:t>
+            </a:r>
+            <a:r>
+              <a:rPr lang="en-US" dirty="0"/>
+              <a:t>Oracle) </a:t>
+            </a:r>
+            <a:r>
+              <a:rPr lang="fa-IR" dirty="0"/>
+              <a:t>که اطلاعات کتاب‌ها و اعضا در آن ذخیره شده است.</a:t>
+            </a:r>
+          </a:p>
+          <a:p>
+            <a:pPr algn="r" rtl="1"/>
+            <a:r>
+              <a:rPr lang="fa-IR" b="1" dirty="0"/>
+              <a:t>عملیات:</a:t>
+            </a:r>
+            <a:r>
+              <a:rPr lang="fa-IR" dirty="0"/>
+              <a:t> وقتی کتابدار نام یک کتاب را جستجو می‌کند، نرم‌افزار کلاینت مستقیماً پرس‌وجوی </a:t>
+            </a:r>
+            <a:r>
+              <a:rPr lang="en-US" dirty="0"/>
+              <a:t>SQL </a:t>
+            </a:r>
+            <a:r>
+              <a:rPr lang="fa-IR" dirty="0"/>
+              <a:t>را به سرور پایگاه داده می‌فرستد و نتیجه را نمایش می‌دهد.</a:t>
+            </a:r>
+          </a:p>
+          <a:p>
+            <a:pPr algn="r" rtl="1"/>
+            <a:br>
+              <a:rPr lang="fa-IR" dirty="0"/>
+            </a:br>
+            <a:endParaRPr lang="fa-IR" dirty="0"/>
+          </a:p>
+          <a:p>
+            <a:pPr algn="r" rtl="1"/>
+            <a:r>
+              <a:rPr lang="fa-IR" b="1" dirty="0"/>
+              <a:t>مثال ۲: سیستم بانکداری ساده</a:t>
+            </a:r>
+          </a:p>
+          <a:p>
+            <a:pPr algn="r" rtl="1"/>
+            <a:r>
+              <a:rPr lang="fa-IR" b="1" dirty="0"/>
+              <a:t>کلاینت:</a:t>
+            </a:r>
+            <a:r>
+              <a:rPr lang="fa-IR" dirty="0"/>
+              <a:t> نرم‌افزار صندوق‌دار بانک روی رایانهٔ شعبه نصب است.</a:t>
+            </a:r>
+          </a:p>
+          <a:p>
+            <a:pPr algn="r" rtl="1"/>
+            <a:r>
+              <a:rPr lang="fa-IR" b="1" dirty="0"/>
+              <a:t>سرور:</a:t>
+            </a:r>
+            <a:r>
+              <a:rPr lang="fa-IR" dirty="0"/>
+              <a:t> سرور پایگاه داده بانک در دیتاسنتر.</a:t>
+            </a:r>
+          </a:p>
+          <a:p>
+            <a:pPr algn="r" rtl="1"/>
+            <a:r>
+              <a:rPr lang="fa-IR" b="1" dirty="0"/>
+              <a:t>عملیات:</a:t>
+            </a:r>
+            <a:r>
+              <a:rPr lang="fa-IR" dirty="0"/>
+              <a:t> کارمند بانک وقتی موجودی حساب مشتری را چک می‌کند، برنامهٔ کلاینت مستقیماً درخواست </a:t>
+            </a:r>
+            <a:r>
+              <a:rPr lang="en-US" sz="1200" kern="1200" dirty="0">
+                <a:solidFill>
+                  <a:schemeClr val="tx1"/>
+                </a:solidFill>
+                <a:latin typeface="Times New Roman" charset="0"/>
+                <a:ea typeface="MS PGothic" panose="020B0600070205080204" pitchFamily="34" charset="-128"/>
+                <a:cs typeface="ＭＳ Ｐゴシック" charset="0"/>
+              </a:rPr>
+              <a:t>SELECT</a:t>
+            </a:r>
+            <a:r>
+              <a:rPr lang="en-US" dirty="0"/>
+              <a:t> </a:t>
+            </a:r>
+            <a:r>
+              <a:rPr lang="fa-IR" dirty="0"/>
+              <a:t>را به سرور پایگاه داده می‌فرستد.</a:t>
+            </a:r>
+          </a:p>
+          <a:p>
+            <a:pPr algn="r" rtl="1"/>
+            <a:endParaRPr lang="en-US" altLang="en-US" dirty="0">
+              <a:latin typeface="Times New Roman" panose="02020603050405020304" pitchFamily="18" charset="0"/>
+            </a:endParaRPr>
+          </a:p>
+          <a:p>
+            <a:pPr algn="r" rtl="1"/>
+            <a:r>
+              <a:rPr lang="en-US" b="1" dirty="0"/>
+              <a:t>🔹 </a:t>
+            </a:r>
+            <a:r>
+              <a:rPr lang="fa-IR" b="1" dirty="0"/>
+              <a:t>معماری سه‌لایه (</a:t>
+            </a:r>
+            <a:r>
+              <a:rPr lang="en-US" b="1" dirty="0"/>
+              <a:t>Three-Tier Architecture)</a:t>
+            </a:r>
+          </a:p>
+          <a:p>
+            <a:pPr algn="r" rtl="1"/>
+            <a:r>
+              <a:rPr lang="fa-IR" b="1" dirty="0"/>
+              <a:t>لایه ۱: کلاینت (</a:t>
+            </a:r>
+            <a:r>
+              <a:rPr lang="en-US" b="1" dirty="0"/>
+              <a:t>Client Layer)</a:t>
+            </a:r>
+            <a:r>
+              <a:rPr lang="en-US" dirty="0"/>
+              <a:t> → </a:t>
+            </a:r>
+            <a:r>
+              <a:rPr lang="fa-IR" dirty="0"/>
+              <a:t>فقط نقش واسط کاربری (</a:t>
+            </a:r>
+            <a:r>
+              <a:rPr lang="en-US" dirty="0"/>
+              <a:t>User Interface) </a:t>
+            </a:r>
+            <a:r>
+              <a:rPr lang="fa-IR" dirty="0"/>
+              <a:t>دارد، هیچ ارتباط مستقیم با پایگاه داده ندارد.</a:t>
+            </a:r>
+          </a:p>
+          <a:p>
+            <a:pPr algn="r" rtl="1"/>
+            <a:r>
+              <a:rPr lang="fa-IR" b="1" dirty="0"/>
+              <a:t>لایه ۲: سرور برنامه (</a:t>
+            </a:r>
+            <a:r>
+              <a:rPr lang="en-US" b="1" dirty="0"/>
+              <a:t>Application Server Layer)</a:t>
+            </a:r>
+            <a:r>
+              <a:rPr lang="en-US" dirty="0"/>
+              <a:t> → </a:t>
+            </a:r>
+            <a:r>
+              <a:rPr lang="fa-IR" dirty="0"/>
+              <a:t>منطق تجاری (</a:t>
+            </a:r>
+            <a:r>
+              <a:rPr lang="en-US" dirty="0"/>
+              <a:t>Business Logic) </a:t>
+            </a:r>
+            <a:r>
+              <a:rPr lang="fa-IR" dirty="0"/>
+              <a:t>را اجرا می‌کند و درخواست‌های کاربر را پردازش می‌کند.</a:t>
+            </a:r>
+          </a:p>
+          <a:p>
+            <a:pPr algn="r" rtl="1"/>
+            <a:r>
+              <a:rPr lang="fa-IR" b="1" dirty="0"/>
+              <a:t>لایه ۳: سرور پایگاه داده (</a:t>
+            </a:r>
+            <a:r>
+              <a:rPr lang="en-US" b="1" dirty="0"/>
+              <a:t>Database Server Layer)</a:t>
+            </a:r>
+            <a:r>
+              <a:rPr lang="en-US" dirty="0"/>
+              <a:t> → </a:t>
+            </a:r>
+            <a:r>
+              <a:rPr lang="fa-IR" dirty="0"/>
+              <a:t>مدیریت داده‌ها و اجرای پرس‌وجوهای </a:t>
+            </a:r>
+            <a:r>
+              <a:rPr lang="en-US" dirty="0"/>
+              <a:t>SQL.</a:t>
+            </a:r>
+          </a:p>
+          <a:p>
+            <a:pPr algn="r" rtl="1"/>
+            <a:br>
+              <a:rPr lang="en-US" dirty="0"/>
+            </a:br>
+            <a:endParaRPr lang="en-US" dirty="0"/>
+          </a:p>
+          <a:p>
+            <a:pPr algn="r" rtl="1"/>
+            <a:r>
+              <a:rPr lang="fa-IR" b="1" dirty="0"/>
+              <a:t>مثال ۱: سامانه خرید اینترنتی</a:t>
+            </a:r>
+          </a:p>
+          <a:p>
+            <a:pPr algn="r" rtl="1"/>
+            <a:r>
+              <a:rPr lang="fa-IR" b="1" dirty="0"/>
+              <a:t>کلاینت (</a:t>
+            </a:r>
+            <a:r>
+              <a:rPr lang="en-US" b="1" dirty="0"/>
+              <a:t>Front-end):</a:t>
+            </a:r>
+            <a:r>
+              <a:rPr lang="en-US" dirty="0"/>
+              <a:t> </a:t>
+            </a:r>
+            <a:r>
+              <a:rPr lang="fa-IR" dirty="0"/>
+              <a:t>مرورگر کاربر یا اپلیکیشن موبایل که فقط فرم سفارش و نمایش محصولات را نشان می‌دهد.</a:t>
+            </a:r>
+          </a:p>
+          <a:p>
+            <a:pPr algn="r" rtl="1"/>
+            <a:r>
+              <a:rPr lang="fa-IR" b="1" dirty="0"/>
+              <a:t>سرور برنامه (</a:t>
+            </a:r>
+            <a:r>
+              <a:rPr lang="en-US" b="1" dirty="0"/>
+              <a:t>Application Server):</a:t>
+            </a:r>
+            <a:r>
+              <a:rPr lang="en-US" dirty="0"/>
+              <a:t> </a:t>
+            </a:r>
+            <a:r>
+              <a:rPr lang="fa-IR" dirty="0"/>
+              <a:t>بخشی مثل </a:t>
+            </a:r>
+            <a:r>
+              <a:rPr lang="en-US" b="1" dirty="0"/>
+              <a:t>Django/Java EE/.NET</a:t>
+            </a:r>
+            <a:r>
+              <a:rPr lang="en-US" dirty="0"/>
+              <a:t> </a:t>
+            </a:r>
+            <a:r>
+              <a:rPr lang="fa-IR" dirty="0"/>
+              <a:t>که قوانین تجاری (مثلاً بررسی موجودی کالا یا محاسبه قیمت) را اجرا می‌کند.</a:t>
+            </a:r>
+          </a:p>
+          <a:p>
+            <a:pPr algn="r" rtl="1"/>
+            <a:r>
+              <a:rPr lang="fa-IR" b="1" dirty="0"/>
+              <a:t>سرور پایگاه داده (</a:t>
+            </a:r>
+            <a:r>
+              <a:rPr lang="en-US" b="1" dirty="0"/>
+              <a:t>Database Server):</a:t>
+            </a:r>
+            <a:r>
+              <a:rPr lang="en-US" dirty="0"/>
+              <a:t> </a:t>
+            </a:r>
+            <a:r>
+              <a:rPr lang="fa-IR" dirty="0"/>
+              <a:t>پایگاه داده (مثل </a:t>
+            </a:r>
+            <a:r>
+              <a:rPr lang="en-US" dirty="0"/>
+              <a:t>PostgreSQL </a:t>
+            </a:r>
+            <a:r>
+              <a:rPr lang="fa-IR" dirty="0"/>
+              <a:t>یا </a:t>
+            </a:r>
+            <a:r>
+              <a:rPr lang="en-US" dirty="0"/>
+              <a:t>Oracle) </a:t>
+            </a:r>
+            <a:r>
+              <a:rPr lang="fa-IR" dirty="0"/>
+              <a:t>که اطلاعات محصولات و سفارش‌ها را نگهداری می‌کند.</a:t>
+            </a:r>
+          </a:p>
+          <a:p>
+            <a:pPr algn="r" rtl="1"/>
+            <a:r>
+              <a:rPr lang="fa-IR" dirty="0"/>
+              <a:t>➡ وقتی کاربر سفارشی ثبت می‌کند، درخواست به سرور برنامه می‌رود؛ سرور برنامه داده‌ها را بررسی کرده و در صورت صحت، با پایگاه داده تعامل می‌کند.</a:t>
+            </a:r>
+          </a:p>
+          <a:p>
+            <a:pPr algn="r" rtl="1"/>
+            <a:br>
+              <a:rPr lang="fa-IR" dirty="0"/>
+            </a:br>
+            <a:endParaRPr lang="fa-IR" dirty="0"/>
+          </a:p>
+          <a:p>
+            <a:pPr algn="r" rtl="1"/>
+            <a:r>
+              <a:rPr lang="fa-IR" b="1" dirty="0"/>
+              <a:t>مثال ۲: سیستم دانشگاهی (ثبت‌نام دروس)</a:t>
+            </a:r>
+          </a:p>
+          <a:p>
+            <a:pPr algn="r" rtl="1"/>
+            <a:r>
+              <a:rPr lang="fa-IR" b="1" dirty="0"/>
+              <a:t>کلاینت:</a:t>
+            </a:r>
+            <a:r>
+              <a:rPr lang="fa-IR" dirty="0"/>
+              <a:t> وب‌سایت یا اپ موبایل دانشجو که فقط فرم انتخاب واحد را نمایش می‌دهد.</a:t>
+            </a:r>
+          </a:p>
+          <a:p>
+            <a:pPr algn="r" rtl="1"/>
+            <a:r>
+              <a:rPr lang="fa-IR" b="1" dirty="0"/>
+              <a:t>سرور برنامه:</a:t>
+            </a:r>
+            <a:r>
+              <a:rPr lang="fa-IR" dirty="0"/>
+              <a:t> نرم‌افزار میانی که قوانین (مثلاً سقف واحد، پیش‌نیاز درس‌ها) را بررسی می‌کند.</a:t>
+            </a:r>
+          </a:p>
+          <a:p>
+            <a:pPr algn="r" rtl="1"/>
+            <a:r>
+              <a:rPr lang="fa-IR" b="1" dirty="0"/>
+              <a:t>سرور پایگاه داده:</a:t>
+            </a:r>
+            <a:r>
+              <a:rPr lang="fa-IR" dirty="0"/>
+              <a:t> بانک اطلاعاتی که لیست دروس، اساتید و ثبت‌نام‌ها را ذخیره کرده است.</a:t>
+            </a:r>
+          </a:p>
+          <a:p>
+            <a:pPr algn="r" rtl="1"/>
+            <a:br>
+              <a:rPr lang="fa-IR" dirty="0"/>
+            </a:br>
+            <a:endParaRPr lang="fa-IR" dirty="0"/>
+          </a:p>
+          <a:p>
+            <a:pPr algn="r" rtl="1"/>
+            <a:r>
+              <a:rPr lang="en-US" dirty="0"/>
+              <a:t>✅ </a:t>
+            </a:r>
+            <a:r>
+              <a:rPr lang="fa-IR" b="1" dirty="0"/>
+              <a:t>تفاوت اصلی با معماری دو‌لایه</a:t>
+            </a:r>
+            <a:r>
+              <a:rPr lang="fa-IR" dirty="0"/>
+              <a:t> این است که در سه‌لایه، کلاینت مستقیماً به پایگاه داده وصل نمی‌شود و همه چیز از طریق سرور برنامه مدیریت می‌شود؛ این باعث امنیت بالاتر، انعطاف‌پذیری و قابلیت مقیاس‌پذیری بهتر می‌شود.</a:t>
+            </a:r>
+          </a:p>
+          <a:p>
+            <a:pPr algn="r" rtl="1"/>
+            <a:endParaRPr lang="en-US" altLang="en-US" dirty="0">
+              <a:latin typeface="Times New Roman" panose="02020603050405020304" pitchFamily="18" charset="0"/>
+            </a:endParaRPr>
+          </a:p>
+        </p:txBody>
+      </p:sp>
+    </p:spTree>
+    <p:extLst>
+      <p:ext uri="{BB962C8B-B14F-4D97-AF65-F5344CB8AC3E}">
+        <p14:creationId xmlns:p14="http://schemas.microsoft.com/office/powerpoint/2010/main" val="4181103288"/>
+      </p:ext>
+    </p:extLst>
+  </p:cSld>
+  <p:clrMapOvr>
+    <a:masterClrMapping/>
+  </p:clrMapOvr>
+</p:notes>
+</file>
+
+<file path=ppt/notesSlides/notesSlide31.xml><?xml version="1.0" encoding="utf-8"?>
+<p:notes xmlns:a="http://schemas.openxmlformats.org/drawingml/2006/main" xmlns:r="http://schemas.openxmlformats.org/officeDocument/2006/relationships" xmlns:p="http://schemas.openxmlformats.org/presentationml/2006/main">
+  <p:cSld>
+    <p:spTree>
+      <p:nvGrpSpPr>
+        <p:cNvPr id="1" name=""/>
+        <p:cNvGrpSpPr/>
+        <p:nvPr/>
+      </p:nvGrpSpPr>
+      <p:grpSpPr>
+        <a:xfrm>
+          <a:off x="0" y="0"/>
+          <a:ext cx="0" cy="0"/>
+          <a:chOff x="0" y="0"/>
+          <a:chExt cx="0" cy="0"/>
+        </a:xfrm>
+      </p:grpSpPr>
+      <p:sp>
+        <p:nvSpPr>
           <p:cNvPr id="60417" name="Rectangle 7"/>
           <p:cNvSpPr txBox="1">
             <a:spLocks noGrp="1" noChangeArrowheads="1"/>
@@ -7991,257 +9168,6 @@
     <p:extLst>
       <p:ext uri="{BB962C8B-B14F-4D97-AF65-F5344CB8AC3E}">
         <p14:creationId xmlns:p14="http://schemas.microsoft.com/office/powerpoint/2010/main" val="2155297862"/>
-      </p:ext>
-    </p:extLst>
-  </p:cSld>
-  <p:clrMapOvr>
-    <a:masterClrMapping/>
-  </p:clrMapOvr>
-</p:notes>
-</file>
-
-<file path=ppt/notesSlides/notesSlide31.xml><?xml version="1.0" encoding="utf-8"?>
-<p:notes xmlns:a="http://schemas.openxmlformats.org/drawingml/2006/main" xmlns:r="http://schemas.openxmlformats.org/officeDocument/2006/relationships" xmlns:p="http://schemas.openxmlformats.org/presentationml/2006/main">
-  <p:cSld>
-    <p:spTree>
-      <p:nvGrpSpPr>
-        <p:cNvPr id="1" name=""/>
-        <p:cNvGrpSpPr/>
-        <p:nvPr/>
-      </p:nvGrpSpPr>
-      <p:grpSpPr>
-        <a:xfrm>
-          <a:off x="0" y="0"/>
-          <a:ext cx="0" cy="0"/>
-          <a:chOff x="0" y="0"/>
-          <a:chExt cx="0" cy="0"/>
-        </a:xfrm>
-      </p:grpSpPr>
-      <p:sp>
-        <p:nvSpPr>
-          <p:cNvPr id="62465" name="Rectangle 7"/>
-          <p:cNvSpPr txBox="1">
-            <a:spLocks noGrp="1" noChangeArrowheads="1"/>
-          </p:cNvSpPr>
-          <p:nvPr/>
-        </p:nvSpPr>
-        <p:spPr bwMode="auto">
-          <a:xfrm>
-            <a:off x="3966315" y="8820783"/>
-            <a:ext cx="3031385" cy="462917"/>
-          </a:xfrm>
-          <a:prstGeom prst="rect">
-            <a:avLst/>
-          </a:prstGeom>
-          <a:noFill/>
-          <a:ln>
-            <a:noFill/>
-          </a:ln>
-          <a:extLst>
-            <a:ext uri="{909E8E84-426E-40DD-AFC4-6F175D3DCCD1}">
-              <a14:hiddenFill xmlns:a14="http://schemas.microsoft.com/office/drawing/2010/main">
-                <a:solidFill>
-                  <a:srgbClr val="FFFFFF"/>
-                </a:solidFill>
-              </a14:hiddenFill>
-            </a:ext>
-            <a:ext uri="{91240B29-F687-4F45-9708-019B960494DF}">
-              <a14:hiddenLine xmlns:a14="http://schemas.microsoft.com/office/drawing/2010/main" w="9525">
-                <a:solidFill>
-                  <a:srgbClr val="000000"/>
-                </a:solidFill>
-                <a:miter lim="800000"/>
-                <a:headEnd/>
-                <a:tailEnd/>
-              </a14:hiddenLine>
-            </a:ext>
-          </a:extLst>
-        </p:spPr>
-        <p:txBody>
-          <a:bodyPr wrap="none" lIns="93022" tIns="46511" rIns="93022" bIns="46511" anchor="b"/>
-          <a:lstStyle>
-            <a:lvl1pPr defTabSz="930275">
-              <a:defRPr sz="1600">
-                <a:solidFill>
-                  <a:schemeClr val="tx1"/>
-                </a:solidFill>
-                <a:latin typeface="Helvetica" panose="020B0604020202020204" pitchFamily="34" charset="0"/>
-                <a:ea typeface="MS PGothic" panose="020B0600070205080204" pitchFamily="34" charset="-128"/>
-              </a:defRPr>
-            </a:lvl1pPr>
-            <a:lvl2pPr marL="742950" indent="-285750" defTabSz="930275">
-              <a:defRPr sz="1600">
-                <a:solidFill>
-                  <a:schemeClr val="tx1"/>
-                </a:solidFill>
-                <a:latin typeface="Helvetica" panose="020B0604020202020204" pitchFamily="34" charset="0"/>
-                <a:ea typeface="MS PGothic" panose="020B0600070205080204" pitchFamily="34" charset="-128"/>
-              </a:defRPr>
-            </a:lvl2pPr>
-            <a:lvl3pPr marL="1143000" indent="-228600" defTabSz="930275">
-              <a:defRPr sz="1600">
-                <a:solidFill>
-                  <a:schemeClr val="tx1"/>
-                </a:solidFill>
-                <a:latin typeface="Helvetica" panose="020B0604020202020204" pitchFamily="34" charset="0"/>
-                <a:ea typeface="MS PGothic" panose="020B0600070205080204" pitchFamily="34" charset="-128"/>
-              </a:defRPr>
-            </a:lvl3pPr>
-            <a:lvl4pPr marL="1600200" indent="-228600" defTabSz="930275">
-              <a:defRPr sz="1600">
-                <a:solidFill>
-                  <a:schemeClr val="tx1"/>
-                </a:solidFill>
-                <a:latin typeface="Helvetica" panose="020B0604020202020204" pitchFamily="34" charset="0"/>
-                <a:ea typeface="MS PGothic" panose="020B0600070205080204" pitchFamily="34" charset="-128"/>
-              </a:defRPr>
-            </a:lvl4pPr>
-            <a:lvl5pPr marL="2057400" indent="-228600" defTabSz="930275">
-              <a:defRPr sz="1600">
-                <a:solidFill>
-                  <a:schemeClr val="tx1"/>
-                </a:solidFill>
-                <a:latin typeface="Helvetica" panose="020B0604020202020204" pitchFamily="34" charset="0"/>
-                <a:ea typeface="MS PGothic" panose="020B0600070205080204" pitchFamily="34" charset="-128"/>
-              </a:defRPr>
-            </a:lvl5pPr>
-            <a:lvl6pPr marL="2514600" indent="-228600" defTabSz="930275" eaLnBrk="0" fontAlgn="base" hangingPunct="0">
-              <a:spcBef>
-                <a:spcPct val="0"/>
-              </a:spcBef>
-              <a:spcAft>
-                <a:spcPct val="0"/>
-              </a:spcAft>
-              <a:defRPr sz="1600">
-                <a:solidFill>
-                  <a:schemeClr val="tx1"/>
-                </a:solidFill>
-                <a:latin typeface="Helvetica" panose="020B0604020202020204" pitchFamily="34" charset="0"/>
-                <a:ea typeface="MS PGothic" panose="020B0600070205080204" pitchFamily="34" charset="-128"/>
-              </a:defRPr>
-            </a:lvl6pPr>
-            <a:lvl7pPr marL="2971800" indent="-228600" defTabSz="930275" eaLnBrk="0" fontAlgn="base" hangingPunct="0">
-              <a:spcBef>
-                <a:spcPct val="0"/>
-              </a:spcBef>
-              <a:spcAft>
-                <a:spcPct val="0"/>
-              </a:spcAft>
-              <a:defRPr sz="1600">
-                <a:solidFill>
-                  <a:schemeClr val="tx1"/>
-                </a:solidFill>
-                <a:latin typeface="Helvetica" panose="020B0604020202020204" pitchFamily="34" charset="0"/>
-                <a:ea typeface="MS PGothic" panose="020B0600070205080204" pitchFamily="34" charset="-128"/>
-              </a:defRPr>
-            </a:lvl7pPr>
-            <a:lvl8pPr marL="3429000" indent="-228600" defTabSz="930275" eaLnBrk="0" fontAlgn="base" hangingPunct="0">
-              <a:spcBef>
-                <a:spcPct val="0"/>
-              </a:spcBef>
-              <a:spcAft>
-                <a:spcPct val="0"/>
-              </a:spcAft>
-              <a:defRPr sz="1600">
-                <a:solidFill>
-                  <a:schemeClr val="tx1"/>
-                </a:solidFill>
-                <a:latin typeface="Helvetica" panose="020B0604020202020204" pitchFamily="34" charset="0"/>
-                <a:ea typeface="MS PGothic" panose="020B0600070205080204" pitchFamily="34" charset="-128"/>
-              </a:defRPr>
-            </a:lvl8pPr>
-            <a:lvl9pPr marL="3886200" indent="-228600" defTabSz="930275" eaLnBrk="0" fontAlgn="base" hangingPunct="0">
-              <a:spcBef>
-                <a:spcPct val="0"/>
-              </a:spcBef>
-              <a:spcAft>
-                <a:spcPct val="0"/>
-              </a:spcAft>
-              <a:defRPr sz="1600">
-                <a:solidFill>
-                  <a:schemeClr val="tx1"/>
-                </a:solidFill>
-                <a:latin typeface="Helvetica" panose="020B0604020202020204" pitchFamily="34" charset="0"/>
-                <a:ea typeface="MS PGothic" panose="020B0600070205080204" pitchFamily="34" charset="-128"/>
-              </a:defRPr>
-            </a:lvl9pPr>
-          </a:lstStyle>
-          <a:p>
-            <a:pPr algn="r"/>
-            <a:fld id="{C2F2B756-9213-4637-9F3D-8CD40917EA0A}" type="slidenum">
-              <a:rPr lang="en-US" altLang="en-US" sz="1200"/>
-              <a:pPr algn="r"/>
-              <a:t>33</a:t>
-            </a:fld>
-            <a:endParaRPr lang="en-US" altLang="en-US" sz="1200" dirty="0"/>
-          </a:p>
-        </p:txBody>
-      </p:sp>
-      <p:sp>
-        <p:nvSpPr>
-          <p:cNvPr id="62466" name="Rectangle 2"/>
-          <p:cNvSpPr>
-            <a:spLocks noGrp="1" noRot="1" noChangeAspect="1" noChangeArrowheads="1" noTextEdit="1"/>
-          </p:cNvSpPr>
-          <p:nvPr>
-            <p:ph type="sldImg"/>
-          </p:nvPr>
-        </p:nvSpPr>
-        <p:spPr>
-          <a:xfrm>
-            <a:off x="1177925" y="696913"/>
-            <a:ext cx="4641850" cy="3481387"/>
-          </a:xfrm>
-          <a:ln/>
-        </p:spPr>
-      </p:sp>
-      <p:sp>
-        <p:nvSpPr>
-          <p:cNvPr id="62467" name="Rectangle 3"/>
-          <p:cNvSpPr>
-            <a:spLocks noGrp="1" noChangeArrowheads="1"/>
-          </p:cNvSpPr>
-          <p:nvPr>
-            <p:ph type="body" idx="1"/>
-          </p:nvPr>
-        </p:nvSpPr>
-        <p:spPr>
-          <a:noFill/>
-          <a:ln/>
-          <a:extLst>
-            <a:ext uri="{909E8E84-426E-40DD-AFC4-6F175D3DCCD1}">
-              <a14:hiddenFill xmlns:a14="http://schemas.microsoft.com/office/drawing/2010/main">
-                <a:solidFill>
-                  <a:srgbClr val="FFFFFF"/>
-                </a:solidFill>
-              </a14:hiddenFill>
-            </a:ext>
-            <a:ext uri="{91240B29-F687-4F45-9708-019B960494DF}">
-              <a14:hiddenLine xmlns:a14="http://schemas.microsoft.com/office/drawing/2010/main" w="9525">
-                <a:solidFill>
-                  <a:srgbClr val="000000"/>
-                </a:solidFill>
-                <a:miter lim="800000"/>
-                <a:headEnd/>
-                <a:tailEnd/>
-              </a14:hiddenLine>
-            </a:ext>
-          </a:extLst>
-        </p:spPr>
-        <p:txBody>
-          <a:bodyPr/>
-          <a:lstStyle/>
-          <a:p>
-            <a:endParaRPr lang="en-US" altLang="en-US">
-              <a:latin typeface="Times New Roman" panose="02020603050405020304" pitchFamily="18" charset="0"/>
-            </a:endParaRPr>
-          </a:p>
-        </p:txBody>
-      </p:sp>
-    </p:spTree>
-    <p:extLst>
-      <p:ext uri="{BB962C8B-B14F-4D97-AF65-F5344CB8AC3E}">
-        <p14:creationId xmlns:p14="http://schemas.microsoft.com/office/powerpoint/2010/main" val="828624808"/>
       </p:ext>
     </p:extLst>
   </p:cSld>
@@ -8422,7 +9348,7 @@
             <a:fld id="{C2F2B756-9213-4637-9F3D-8CD40917EA0A}" type="slidenum">
               <a:rPr lang="en-US" altLang="en-US" sz="1200"/>
               <a:pPr algn="r"/>
-              <a:t>34</a:t>
+              <a:t>33</a:t>
             </a:fld>
             <a:endParaRPr lang="en-US" altLang="en-US" sz="1200" dirty="0"/>
           </a:p>
@@ -8485,6 +9411,819 @@
           <a:p>
             <a:pPr algn="r" rtl="1"/>
             <a:r>
+              <a:rPr lang="en-US" b="1" dirty="0"/>
+              <a:t>🔹 </a:t>
+            </a:r>
+            <a:r>
+              <a:rPr lang="fa-IR" b="1" dirty="0"/>
+              <a:t>۱. انواع کاربران (</a:t>
+            </a:r>
+            <a:r>
+              <a:rPr lang="en-US" b="1" dirty="0"/>
+              <a:t>Users)</a:t>
+            </a:r>
+          </a:p>
+          <a:p>
+            <a:pPr algn="r" rtl="1"/>
+            <a:r>
+              <a:rPr lang="fa-IR" dirty="0"/>
+              <a:t>در بالای نمودار چهار نوع کاربر اصلی وجود دارد:</a:t>
+            </a:r>
+          </a:p>
+          <a:p>
+            <a:pPr algn="r" rtl="1"/>
+            <a:r>
+              <a:rPr lang="fa-IR" b="1" dirty="0"/>
+              <a:t>کاربران ساده (</a:t>
+            </a:r>
+            <a:r>
+              <a:rPr lang="en-US" b="1" dirty="0"/>
+              <a:t>Naive Users)</a:t>
+            </a:r>
+            <a:br>
+              <a:rPr lang="en-US" dirty="0"/>
+            </a:br>
+            <a:r>
+              <a:rPr lang="fa-IR" dirty="0"/>
+              <a:t>مانند کارمندان بانک، فروشندگان، یا کاربران وب که از طریق رابط‌های کاربری (</a:t>
+            </a:r>
+            <a:r>
+              <a:rPr lang="en-US" dirty="0"/>
+              <a:t>Application Interfaces) </a:t>
+            </a:r>
+            <a:r>
+              <a:rPr lang="fa-IR" dirty="0"/>
+              <a:t>با سیستم کار می‌کنند.</a:t>
+            </a:r>
+            <a:br>
+              <a:rPr lang="fa-IR" dirty="0"/>
+            </a:br>
+            <a:r>
+              <a:rPr lang="fa-IR" dirty="0"/>
+              <a:t>این کاربران معمولاً با </a:t>
+            </a:r>
+            <a:r>
+              <a:rPr lang="en-US" dirty="0"/>
+              <a:t>SQL </a:t>
+            </a:r>
+            <a:r>
+              <a:rPr lang="fa-IR" dirty="0"/>
+              <a:t>یا جزئیات فنی پایگاه داده سر و کار ندارند.</a:t>
+            </a:r>
+          </a:p>
+          <a:p>
+            <a:pPr algn="r" rtl="1"/>
+            <a:r>
+              <a:rPr lang="fa-IR" b="1" dirty="0"/>
+              <a:t>برنامه‌نویسان کاربردی (</a:t>
+            </a:r>
+            <a:r>
+              <a:rPr lang="en-US" b="1" dirty="0"/>
+              <a:t>Application Programmers)</a:t>
+            </a:r>
+            <a:br>
+              <a:rPr lang="en-US" dirty="0"/>
+            </a:br>
+            <a:r>
+              <a:rPr lang="fa-IR" dirty="0"/>
+              <a:t>افرادی که برنامه‌هایی می‌نویسند تا کاربران ساده بتوانند از طریق آن‌ها با پایگاه داده تعامل کنند.</a:t>
+            </a:r>
+            <a:br>
+              <a:rPr lang="fa-IR" dirty="0"/>
+            </a:br>
+            <a:r>
+              <a:rPr lang="fa-IR" dirty="0"/>
+              <a:t>آن‌ها از زبان‌های برنامه‌نویسی سطح بالا استفاده می‌کنند و از طریق «برنامه‌های کاربردی (</a:t>
+            </a:r>
+            <a:r>
+              <a:rPr lang="en-US" dirty="0"/>
+              <a:t>Application Programs)» </a:t>
+            </a:r>
+            <a:r>
+              <a:rPr lang="fa-IR" dirty="0"/>
+              <a:t>با پایگاه داده در ارتباط هستند.</a:t>
+            </a:r>
+          </a:p>
+          <a:p>
+            <a:pPr algn="r" rtl="1"/>
+            <a:r>
+              <a:rPr lang="fa-IR" b="1" dirty="0"/>
+              <a:t>کاربران پیشرفته (</a:t>
+            </a:r>
+            <a:r>
+              <a:rPr lang="en-US" b="1" dirty="0"/>
+              <a:t>Sophisticated Users)</a:t>
+            </a:r>
+            <a:br>
+              <a:rPr lang="en-US" dirty="0"/>
+            </a:br>
+            <a:r>
+              <a:rPr lang="fa-IR" dirty="0"/>
+              <a:t>تحلیل‌گران یا محققانی که مستقیماً از «ابزارهای پرس‌وجو (</a:t>
+            </a:r>
+            <a:r>
+              <a:rPr lang="en-US" dirty="0"/>
+              <a:t>Query Tools)» </a:t>
+            </a:r>
+            <a:r>
+              <a:rPr lang="fa-IR" dirty="0"/>
+              <a:t>مانند </a:t>
+            </a:r>
+            <a:r>
+              <a:rPr lang="en-US" dirty="0"/>
+              <a:t>SQL Query Editor </a:t>
+            </a:r>
+            <a:r>
+              <a:rPr lang="fa-IR" dirty="0"/>
+              <a:t>استفاده می‌کنند تا داده‌ها را تحلیل کنند.</a:t>
+            </a:r>
+          </a:p>
+          <a:p>
+            <a:pPr algn="r" rtl="1"/>
+            <a:r>
+              <a:rPr lang="fa-IR" b="1" dirty="0"/>
+              <a:t>مدیران پایگاه داده (</a:t>
+            </a:r>
+            <a:r>
+              <a:rPr lang="en-US" b="1" dirty="0"/>
+              <a:t>Database Administrators)</a:t>
+            </a:r>
+            <a:br>
+              <a:rPr lang="en-US" dirty="0"/>
+            </a:br>
+            <a:r>
+              <a:rPr lang="fa-IR" dirty="0"/>
+              <a:t>مسئول مدیریت و نگهداری کل سیستم پایگاه داده هستند.</a:t>
+            </a:r>
+            <a:br>
+              <a:rPr lang="fa-IR" dirty="0"/>
+            </a:br>
+            <a:r>
+              <a:rPr lang="fa-IR" dirty="0"/>
+              <a:t>آن‌ها از «ابزارهای مدیریتی (</a:t>
+            </a:r>
+            <a:r>
+              <a:rPr lang="en-US" dirty="0"/>
+              <a:t>Administration Tools)» </a:t>
+            </a:r>
+            <a:r>
+              <a:rPr lang="fa-IR" dirty="0"/>
+              <a:t>و دستورات تعریف داده (</a:t>
+            </a:r>
+            <a:r>
+              <a:rPr lang="en-US" dirty="0"/>
+              <a:t>DDL) </a:t>
+            </a:r>
+            <a:r>
+              <a:rPr lang="fa-IR" dirty="0"/>
+              <a:t>برای ساختاردهی و کنترل پایگاه داده استفاده می‌کنند.</a:t>
+            </a:r>
+          </a:p>
+          <a:p>
+            <a:pPr algn="r" rtl="1"/>
+            <a:br>
+              <a:rPr lang="fa-IR" dirty="0"/>
+            </a:br>
+            <a:endParaRPr lang="fa-IR" dirty="0"/>
+          </a:p>
+          <a:p>
+            <a:pPr algn="r" rtl="1"/>
+            <a:r>
+              <a:rPr lang="en-US" b="1" dirty="0"/>
+              <a:t>🔹 </a:t>
+            </a:r>
+            <a:r>
+              <a:rPr lang="fa-IR" b="1" dirty="0"/>
+              <a:t>۲. واسط‌ها و ابزارهای کاربری (</a:t>
+            </a:r>
+            <a:r>
+              <a:rPr lang="en-US" b="1" dirty="0"/>
+              <a:t>Interfaces and Tools)</a:t>
+            </a:r>
+          </a:p>
+          <a:p>
+            <a:pPr algn="r" rtl="1"/>
+            <a:r>
+              <a:rPr lang="fa-IR" dirty="0"/>
+              <a:t>کاربران ساده از </a:t>
+            </a:r>
+            <a:r>
+              <a:rPr lang="fa-IR" b="1" dirty="0"/>
+              <a:t>رابط‌های کاربردی</a:t>
+            </a:r>
+            <a:r>
+              <a:rPr lang="fa-IR" dirty="0"/>
+              <a:t> استفاده می‌کنند.</a:t>
+            </a:r>
+          </a:p>
+          <a:p>
+            <a:pPr algn="r" rtl="1"/>
+            <a:r>
+              <a:rPr lang="fa-IR" dirty="0"/>
+              <a:t>برنامه‌نویسان کاربردی، </a:t>
+            </a:r>
+            <a:r>
+              <a:rPr lang="fa-IR" b="1" dirty="0"/>
+              <a:t>برنامه‌های کاربردی</a:t>
+            </a:r>
+            <a:r>
+              <a:rPr lang="fa-IR" dirty="0"/>
+              <a:t> می‌نویسند.</a:t>
+            </a:r>
+          </a:p>
+          <a:p>
+            <a:pPr algn="r" rtl="1"/>
+            <a:r>
+              <a:rPr lang="fa-IR" dirty="0"/>
+              <a:t>کاربران پیشرفته از </a:t>
+            </a:r>
+            <a:r>
+              <a:rPr lang="fa-IR" b="1" dirty="0"/>
+              <a:t>ابزارهای پرس‌وجو</a:t>
+            </a:r>
+            <a:r>
+              <a:rPr lang="fa-IR" dirty="0"/>
+              <a:t> بهره می‌برند.</a:t>
+            </a:r>
+          </a:p>
+          <a:p>
+            <a:pPr algn="r" rtl="1"/>
+            <a:r>
+              <a:rPr lang="fa-IR" dirty="0"/>
+              <a:t>مدیران از </a:t>
+            </a:r>
+            <a:r>
+              <a:rPr lang="fa-IR" b="1" dirty="0"/>
+              <a:t>ابزارهای مدیریتی</a:t>
+            </a:r>
+            <a:r>
+              <a:rPr lang="fa-IR" dirty="0"/>
+              <a:t> استفاده می‌کنند.</a:t>
+            </a:r>
+          </a:p>
+          <a:p>
+            <a:pPr algn="r" rtl="1"/>
+            <a:br>
+              <a:rPr lang="fa-IR" dirty="0"/>
+            </a:br>
+            <a:endParaRPr lang="fa-IR" dirty="0"/>
+          </a:p>
+          <a:p>
+            <a:pPr algn="r" rtl="1"/>
+            <a:r>
+              <a:rPr lang="en-US" b="1" dirty="0"/>
+              <a:t>🔹 </a:t>
+            </a:r>
+            <a:r>
+              <a:rPr lang="fa-IR" b="1" dirty="0"/>
+              <a:t>۳. اجزای داخلی سیستم (</a:t>
+            </a:r>
+            <a:r>
+              <a:rPr lang="en-US" b="1" dirty="0"/>
+              <a:t>Query Processor Section)</a:t>
+            </a:r>
+          </a:p>
+          <a:p>
+            <a:pPr algn="r" rtl="1"/>
+            <a:r>
+              <a:rPr lang="fa-IR" dirty="0"/>
+              <a:t>درون جعبه‌ی نقطه‌چین در پایین تصویر، بخش‌های پردازشگر پرس‌وجو (</a:t>
+            </a:r>
+            <a:r>
+              <a:rPr lang="en-US" dirty="0"/>
+              <a:t>Query Processor) </a:t>
+            </a:r>
+            <a:r>
+              <a:rPr lang="fa-IR" dirty="0"/>
+              <a:t>قرار دارد که عملیات اصلی پایگاه داده را انجام می‌دهند:</a:t>
+            </a:r>
+          </a:p>
+          <a:p>
+            <a:pPr algn="r" rtl="1"/>
+            <a:r>
+              <a:rPr lang="en-US" b="1" dirty="0"/>
+              <a:t>Compiler and Linker</a:t>
+            </a:r>
+            <a:br>
+              <a:rPr lang="en-US" dirty="0"/>
+            </a:br>
+            <a:r>
+              <a:rPr lang="fa-IR" dirty="0"/>
+              <a:t>برنامه‌های نوشته‌شده توسط برنامه‌نویسان را به </a:t>
+            </a:r>
+            <a:r>
+              <a:rPr lang="fa-IR" b="1" dirty="0"/>
+              <a:t>کد اجرایی (</a:t>
+            </a:r>
+            <a:r>
+              <a:rPr lang="en-US" b="1" dirty="0"/>
+              <a:t>Application Program Object Code)</a:t>
+            </a:r>
+            <a:r>
+              <a:rPr lang="en-US" dirty="0"/>
+              <a:t> </a:t>
+            </a:r>
+            <a:r>
+              <a:rPr lang="fa-IR" dirty="0"/>
+              <a:t>تبدیل می‌کند.</a:t>
+            </a:r>
+          </a:p>
+          <a:p>
+            <a:pPr algn="r" rtl="1"/>
+            <a:r>
+              <a:rPr lang="en-US" b="1" dirty="0"/>
+              <a:t>DML Compiler and Organizer</a:t>
+            </a:r>
+            <a:br>
+              <a:rPr lang="en-US" dirty="0"/>
+            </a:br>
+            <a:r>
+              <a:rPr lang="fa-IR" dirty="0"/>
+              <a:t>پرس‌وجوهای </a:t>
+            </a:r>
+            <a:r>
+              <a:rPr lang="en-US" dirty="0"/>
+              <a:t>DML (</a:t>
+            </a:r>
+            <a:r>
+              <a:rPr lang="fa-IR" dirty="0"/>
+              <a:t>مانند </a:t>
+            </a:r>
+            <a:r>
+              <a:rPr lang="en-US" sz="1200" kern="1200" dirty="0">
+                <a:solidFill>
+                  <a:schemeClr val="tx1"/>
+                </a:solidFill>
+                <a:latin typeface="Times New Roman" charset="0"/>
+                <a:ea typeface="MS PGothic" panose="020B0600070205080204" pitchFamily="34" charset="-128"/>
+                <a:cs typeface="ＭＳ Ｐゴシック" charset="0"/>
+              </a:rPr>
+              <a:t>SELECT</a:t>
+            </a:r>
+            <a:r>
+              <a:rPr lang="en-US" dirty="0"/>
+              <a:t>, </a:t>
+            </a:r>
+            <a:r>
+              <a:rPr lang="en-US" sz="1200" kern="1200" dirty="0">
+                <a:solidFill>
+                  <a:schemeClr val="tx1"/>
+                </a:solidFill>
+                <a:latin typeface="Times New Roman" charset="0"/>
+                <a:ea typeface="MS PGothic" panose="020B0600070205080204" pitchFamily="34" charset="-128"/>
+                <a:cs typeface="ＭＳ Ｐゴシック" charset="0"/>
+              </a:rPr>
+              <a:t>INSERT</a:t>
+            </a:r>
+            <a:r>
+              <a:rPr lang="en-US" dirty="0"/>
+              <a:t>, </a:t>
+            </a:r>
+            <a:r>
+              <a:rPr lang="en-US" sz="1200" kern="1200" dirty="0">
+                <a:solidFill>
+                  <a:schemeClr val="tx1"/>
+                </a:solidFill>
+                <a:latin typeface="Times New Roman" charset="0"/>
+                <a:ea typeface="MS PGothic" panose="020B0600070205080204" pitchFamily="34" charset="-128"/>
+                <a:cs typeface="ＭＳ Ｐゴシック" charset="0"/>
+              </a:rPr>
+              <a:t>UPDATE</a:t>
+            </a:r>
+            <a:r>
+              <a:rPr lang="en-US" dirty="0"/>
+              <a:t>, </a:t>
+            </a:r>
+            <a:r>
+              <a:rPr lang="en-US" sz="1200" kern="1200" dirty="0">
+                <a:solidFill>
+                  <a:schemeClr val="tx1"/>
+                </a:solidFill>
+                <a:latin typeface="Times New Roman" charset="0"/>
+                <a:ea typeface="MS PGothic" panose="020B0600070205080204" pitchFamily="34" charset="-128"/>
+                <a:cs typeface="ＭＳ Ｐゴシック" charset="0"/>
+              </a:rPr>
+              <a:t>DELETE</a:t>
+            </a:r>
+            <a:r>
+              <a:rPr lang="en-US" dirty="0"/>
+              <a:t>) </a:t>
+            </a:r>
+            <a:r>
+              <a:rPr lang="fa-IR" dirty="0"/>
+              <a:t>را تحلیل، بهینه‌سازی و برای اجرا آماده می‌کند.</a:t>
+            </a:r>
+          </a:p>
+          <a:p>
+            <a:pPr algn="r" rtl="1"/>
+            <a:r>
+              <a:rPr lang="en-US" b="1" dirty="0"/>
+              <a:t>DDL Interpreter</a:t>
+            </a:r>
+            <a:br>
+              <a:rPr lang="en-US" dirty="0"/>
+            </a:br>
+            <a:r>
+              <a:rPr lang="fa-IR" dirty="0"/>
+              <a:t>دستورات </a:t>
+            </a:r>
+            <a:r>
+              <a:rPr lang="en-US" dirty="0"/>
+              <a:t>DDL (</a:t>
+            </a:r>
+            <a:r>
+              <a:rPr lang="fa-IR" dirty="0"/>
+              <a:t>مانند </a:t>
+            </a:r>
+            <a:r>
+              <a:rPr lang="en-US" sz="1200" kern="1200" dirty="0">
+                <a:solidFill>
+                  <a:schemeClr val="tx1"/>
+                </a:solidFill>
+                <a:latin typeface="Times New Roman" charset="0"/>
+                <a:ea typeface="MS PGothic" panose="020B0600070205080204" pitchFamily="34" charset="-128"/>
+                <a:cs typeface="ＭＳ Ｐゴシック" charset="0"/>
+              </a:rPr>
+              <a:t>CREATE TABLE</a:t>
+            </a:r>
+            <a:r>
+              <a:rPr lang="en-US" dirty="0"/>
+              <a:t>, </a:t>
+            </a:r>
+            <a:r>
+              <a:rPr lang="en-US" sz="1200" kern="1200" dirty="0">
+                <a:solidFill>
+                  <a:schemeClr val="tx1"/>
+                </a:solidFill>
+                <a:latin typeface="Times New Roman" charset="0"/>
+                <a:ea typeface="MS PGothic" panose="020B0600070205080204" pitchFamily="34" charset="-128"/>
+                <a:cs typeface="ＭＳ Ｐゴシック" charset="0"/>
+              </a:rPr>
+              <a:t>ALTER</a:t>
+            </a:r>
+            <a:r>
+              <a:rPr lang="en-US" dirty="0"/>
+              <a:t>, </a:t>
+            </a:r>
+            <a:r>
+              <a:rPr lang="en-US" sz="1200" kern="1200" dirty="0">
+                <a:solidFill>
+                  <a:schemeClr val="tx1"/>
+                </a:solidFill>
+                <a:latin typeface="Times New Roman" charset="0"/>
+                <a:ea typeface="MS PGothic" panose="020B0600070205080204" pitchFamily="34" charset="-128"/>
+                <a:cs typeface="ＭＳ Ｐゴシック" charset="0"/>
+              </a:rPr>
+              <a:t>DROP</a:t>
+            </a:r>
+            <a:r>
+              <a:rPr lang="en-US" dirty="0"/>
+              <a:t>) </a:t>
+            </a:r>
+            <a:r>
+              <a:rPr lang="fa-IR" dirty="0"/>
+              <a:t>را تفسیر و ساختار پایگاه داده را تغییر می‌دهد.</a:t>
+            </a:r>
+          </a:p>
+          <a:p>
+            <a:pPr algn="r" rtl="1"/>
+            <a:r>
+              <a:rPr lang="en-US" b="1" dirty="0"/>
+              <a:t>Query Evaluation Engine</a:t>
+            </a:r>
+            <a:br>
+              <a:rPr lang="en-US" dirty="0"/>
+            </a:br>
+            <a:r>
+              <a:rPr lang="fa-IR" dirty="0"/>
+              <a:t>موتور اصلی اجرای پرس‌وجوهاست؛ این بخش در نهایت عملیات واقعی روی داده‌ها را انجام می‌دهد (خواندن، درج، حذف و غیره).</a:t>
+            </a:r>
+          </a:p>
+          <a:p>
+            <a:pPr algn="r" rtl="1"/>
+            <a:br>
+              <a:rPr lang="fa-IR" dirty="0"/>
+            </a:br>
+            <a:endParaRPr lang="fa-IR" dirty="0"/>
+          </a:p>
+          <a:p>
+            <a:pPr algn="r" rtl="1"/>
+            <a:r>
+              <a:rPr lang="en-US" b="1" dirty="0"/>
+              <a:t>🔹 </a:t>
+            </a:r>
+            <a:r>
+              <a:rPr lang="fa-IR" b="1" dirty="0"/>
+              <a:t>۴. جریان داده و تعامل بین اجزا</a:t>
+            </a:r>
+          </a:p>
+          <a:p>
+            <a:pPr algn="r" rtl="1"/>
+            <a:r>
+              <a:rPr lang="fa-IR" dirty="0"/>
+              <a:t>کاربران ساده از طریق رابط‌های گرافیکی با برنامه‌ها تعامل دارند.</a:t>
+            </a:r>
+          </a:p>
+          <a:p>
+            <a:pPr algn="r" rtl="1"/>
+            <a:r>
+              <a:rPr lang="fa-IR" dirty="0"/>
+              <a:t>برنامه‌نویسان کدهای کاربردی را می‌نویسند که سپس توسط کامپایلر و لینک‌کننده به کد اجرایی تبدیل می‌شوند.</a:t>
+            </a:r>
+          </a:p>
+          <a:p>
+            <a:pPr algn="r" rtl="1"/>
+            <a:r>
+              <a:rPr lang="fa-IR" dirty="0"/>
+              <a:t>تحلیل‌گران پرس‌وجوهای </a:t>
+            </a:r>
+            <a:r>
+              <a:rPr lang="en-US" dirty="0"/>
+              <a:t>DML </a:t>
+            </a:r>
+            <a:r>
+              <a:rPr lang="fa-IR" dirty="0"/>
+              <a:t>می‌فرستند که به وسیله </a:t>
+            </a:r>
+            <a:r>
+              <a:rPr lang="en-US" dirty="0"/>
+              <a:t>DML Compiler </a:t>
+            </a:r>
+            <a:r>
+              <a:rPr lang="fa-IR" dirty="0"/>
+              <a:t>پردازش شده و در موتور ارزیابی اجرا می‌شوند.</a:t>
+            </a:r>
+          </a:p>
+          <a:p>
+            <a:pPr algn="r" rtl="1"/>
+            <a:r>
+              <a:rPr lang="fa-IR" dirty="0"/>
+              <a:t>مدیر پایگاه داده از </a:t>
+            </a:r>
+            <a:r>
+              <a:rPr lang="en-US" dirty="0"/>
+              <a:t>DDL Interpreter </a:t>
+            </a:r>
+            <a:r>
+              <a:rPr lang="fa-IR" dirty="0"/>
+              <a:t>برای تعریف ساختار جداول، نمایه‌ها و محدودیت‌ها استفاده می‌کند.</a:t>
+            </a:r>
+          </a:p>
+          <a:p>
+            <a:pPr algn="r" rtl="1"/>
+            <a:endParaRPr lang="en-US" altLang="en-US" dirty="0">
+              <a:latin typeface="Times New Roman" panose="02020603050405020304" pitchFamily="18" charset="0"/>
+            </a:endParaRPr>
+          </a:p>
+        </p:txBody>
+      </p:sp>
+    </p:spTree>
+    <p:extLst>
+      <p:ext uri="{BB962C8B-B14F-4D97-AF65-F5344CB8AC3E}">
+        <p14:creationId xmlns:p14="http://schemas.microsoft.com/office/powerpoint/2010/main" val="828624808"/>
+      </p:ext>
+    </p:extLst>
+  </p:cSld>
+  <p:clrMapOvr>
+    <a:masterClrMapping/>
+  </p:clrMapOvr>
+</p:notes>
+</file>
+
+<file path=ppt/notesSlides/notesSlide33.xml><?xml version="1.0" encoding="utf-8"?>
+<p:notes xmlns:a="http://schemas.openxmlformats.org/drawingml/2006/main" xmlns:r="http://schemas.openxmlformats.org/officeDocument/2006/relationships" xmlns:p="http://schemas.openxmlformats.org/presentationml/2006/main">
+  <p:cSld>
+    <p:spTree>
+      <p:nvGrpSpPr>
+        <p:cNvPr id="1" name=""/>
+        <p:cNvGrpSpPr/>
+        <p:nvPr/>
+      </p:nvGrpSpPr>
+      <p:grpSpPr>
+        <a:xfrm>
+          <a:off x="0" y="0"/>
+          <a:ext cx="0" cy="0"/>
+          <a:chOff x="0" y="0"/>
+          <a:chExt cx="0" cy="0"/>
+        </a:xfrm>
+      </p:grpSpPr>
+      <p:sp>
+        <p:nvSpPr>
+          <p:cNvPr id="62465" name="Rectangle 7"/>
+          <p:cNvSpPr txBox="1">
+            <a:spLocks noGrp="1" noChangeArrowheads="1"/>
+          </p:cNvSpPr>
+          <p:nvPr/>
+        </p:nvSpPr>
+        <p:spPr bwMode="auto">
+          <a:xfrm>
+            <a:off x="3966315" y="8820783"/>
+            <a:ext cx="3031385" cy="462917"/>
+          </a:xfrm>
+          <a:prstGeom prst="rect">
+            <a:avLst/>
+          </a:prstGeom>
+          <a:noFill/>
+          <a:ln>
+            <a:noFill/>
+          </a:ln>
+          <a:extLst>
+            <a:ext uri="{909E8E84-426E-40DD-AFC4-6F175D3DCCD1}">
+              <a14:hiddenFill xmlns:a14="http://schemas.microsoft.com/office/drawing/2010/main">
+                <a:solidFill>
+                  <a:srgbClr val="FFFFFF"/>
+                </a:solidFill>
+              </a14:hiddenFill>
+            </a:ext>
+            <a:ext uri="{91240B29-F687-4F45-9708-019B960494DF}">
+              <a14:hiddenLine xmlns:a14="http://schemas.microsoft.com/office/drawing/2010/main" w="9525">
+                <a:solidFill>
+                  <a:srgbClr val="000000"/>
+                </a:solidFill>
+                <a:miter lim="800000"/>
+                <a:headEnd/>
+                <a:tailEnd/>
+              </a14:hiddenLine>
+            </a:ext>
+          </a:extLst>
+        </p:spPr>
+        <p:txBody>
+          <a:bodyPr wrap="none" lIns="93022" tIns="46511" rIns="93022" bIns="46511" anchor="b"/>
+          <a:lstStyle>
+            <a:lvl1pPr defTabSz="930275">
+              <a:defRPr sz="1600">
+                <a:solidFill>
+                  <a:schemeClr val="tx1"/>
+                </a:solidFill>
+                <a:latin typeface="Helvetica" panose="020B0604020202020204" pitchFamily="34" charset="0"/>
+                <a:ea typeface="MS PGothic" panose="020B0600070205080204" pitchFamily="34" charset="-128"/>
+              </a:defRPr>
+            </a:lvl1pPr>
+            <a:lvl2pPr marL="742950" indent="-285750" defTabSz="930275">
+              <a:defRPr sz="1600">
+                <a:solidFill>
+                  <a:schemeClr val="tx1"/>
+                </a:solidFill>
+                <a:latin typeface="Helvetica" panose="020B0604020202020204" pitchFamily="34" charset="0"/>
+                <a:ea typeface="MS PGothic" panose="020B0600070205080204" pitchFamily="34" charset="-128"/>
+              </a:defRPr>
+            </a:lvl2pPr>
+            <a:lvl3pPr marL="1143000" indent="-228600" defTabSz="930275">
+              <a:defRPr sz="1600">
+                <a:solidFill>
+                  <a:schemeClr val="tx1"/>
+                </a:solidFill>
+                <a:latin typeface="Helvetica" panose="020B0604020202020204" pitchFamily="34" charset="0"/>
+                <a:ea typeface="MS PGothic" panose="020B0600070205080204" pitchFamily="34" charset="-128"/>
+              </a:defRPr>
+            </a:lvl3pPr>
+            <a:lvl4pPr marL="1600200" indent="-228600" defTabSz="930275">
+              <a:defRPr sz="1600">
+                <a:solidFill>
+                  <a:schemeClr val="tx1"/>
+                </a:solidFill>
+                <a:latin typeface="Helvetica" panose="020B0604020202020204" pitchFamily="34" charset="0"/>
+                <a:ea typeface="MS PGothic" panose="020B0600070205080204" pitchFamily="34" charset="-128"/>
+              </a:defRPr>
+            </a:lvl4pPr>
+            <a:lvl5pPr marL="2057400" indent="-228600" defTabSz="930275">
+              <a:defRPr sz="1600">
+                <a:solidFill>
+                  <a:schemeClr val="tx1"/>
+                </a:solidFill>
+                <a:latin typeface="Helvetica" panose="020B0604020202020204" pitchFamily="34" charset="0"/>
+                <a:ea typeface="MS PGothic" panose="020B0600070205080204" pitchFamily="34" charset="-128"/>
+              </a:defRPr>
+            </a:lvl5pPr>
+            <a:lvl6pPr marL="2514600" indent="-228600" defTabSz="930275" eaLnBrk="0" fontAlgn="base" hangingPunct="0">
+              <a:spcBef>
+                <a:spcPct val="0"/>
+              </a:spcBef>
+              <a:spcAft>
+                <a:spcPct val="0"/>
+              </a:spcAft>
+              <a:defRPr sz="1600">
+                <a:solidFill>
+                  <a:schemeClr val="tx1"/>
+                </a:solidFill>
+                <a:latin typeface="Helvetica" panose="020B0604020202020204" pitchFamily="34" charset="0"/>
+                <a:ea typeface="MS PGothic" panose="020B0600070205080204" pitchFamily="34" charset="-128"/>
+              </a:defRPr>
+            </a:lvl6pPr>
+            <a:lvl7pPr marL="2971800" indent="-228600" defTabSz="930275" eaLnBrk="0" fontAlgn="base" hangingPunct="0">
+              <a:spcBef>
+                <a:spcPct val="0"/>
+              </a:spcBef>
+              <a:spcAft>
+                <a:spcPct val="0"/>
+              </a:spcAft>
+              <a:defRPr sz="1600">
+                <a:solidFill>
+                  <a:schemeClr val="tx1"/>
+                </a:solidFill>
+                <a:latin typeface="Helvetica" panose="020B0604020202020204" pitchFamily="34" charset="0"/>
+                <a:ea typeface="MS PGothic" panose="020B0600070205080204" pitchFamily="34" charset="-128"/>
+              </a:defRPr>
+            </a:lvl7pPr>
+            <a:lvl8pPr marL="3429000" indent="-228600" defTabSz="930275" eaLnBrk="0" fontAlgn="base" hangingPunct="0">
+              <a:spcBef>
+                <a:spcPct val="0"/>
+              </a:spcBef>
+              <a:spcAft>
+                <a:spcPct val="0"/>
+              </a:spcAft>
+              <a:defRPr sz="1600">
+                <a:solidFill>
+                  <a:schemeClr val="tx1"/>
+                </a:solidFill>
+                <a:latin typeface="Helvetica" panose="020B0604020202020204" pitchFamily="34" charset="0"/>
+                <a:ea typeface="MS PGothic" panose="020B0600070205080204" pitchFamily="34" charset="-128"/>
+              </a:defRPr>
+            </a:lvl8pPr>
+            <a:lvl9pPr marL="3886200" indent="-228600" defTabSz="930275" eaLnBrk="0" fontAlgn="base" hangingPunct="0">
+              <a:spcBef>
+                <a:spcPct val="0"/>
+              </a:spcBef>
+              <a:spcAft>
+                <a:spcPct val="0"/>
+              </a:spcAft>
+              <a:defRPr sz="1600">
+                <a:solidFill>
+                  <a:schemeClr val="tx1"/>
+                </a:solidFill>
+                <a:latin typeface="Helvetica" panose="020B0604020202020204" pitchFamily="34" charset="0"/>
+                <a:ea typeface="MS PGothic" panose="020B0600070205080204" pitchFamily="34" charset="-128"/>
+              </a:defRPr>
+            </a:lvl9pPr>
+          </a:lstStyle>
+          <a:p>
+            <a:pPr algn="r"/>
+            <a:fld id="{C2F2B756-9213-4637-9F3D-8CD40917EA0A}" type="slidenum">
+              <a:rPr lang="en-US" altLang="en-US" sz="1200"/>
+              <a:pPr algn="r"/>
+              <a:t>34</a:t>
+            </a:fld>
+            <a:endParaRPr lang="en-US" altLang="en-US" sz="1200" dirty="0"/>
+          </a:p>
+        </p:txBody>
+      </p:sp>
+      <p:sp>
+        <p:nvSpPr>
+          <p:cNvPr id="62466" name="Rectangle 2"/>
+          <p:cNvSpPr>
+            <a:spLocks noGrp="1" noRot="1" noChangeAspect="1" noChangeArrowheads="1" noTextEdit="1"/>
+          </p:cNvSpPr>
+          <p:nvPr>
+            <p:ph type="sldImg"/>
+          </p:nvPr>
+        </p:nvSpPr>
+        <p:spPr>
+          <a:xfrm>
+            <a:off x="1177925" y="696913"/>
+            <a:ext cx="4641850" cy="3481387"/>
+          </a:xfrm>
+          <a:ln/>
+        </p:spPr>
+      </p:sp>
+      <p:sp>
+        <p:nvSpPr>
+          <p:cNvPr id="62467" name="Rectangle 3"/>
+          <p:cNvSpPr>
+            <a:spLocks noGrp="1" noChangeArrowheads="1"/>
+          </p:cNvSpPr>
+          <p:nvPr>
+            <p:ph type="body" idx="1"/>
+          </p:nvPr>
+        </p:nvSpPr>
+        <p:spPr>
+          <a:noFill/>
+          <a:ln/>
+          <a:extLst>
+            <a:ext uri="{909E8E84-426E-40DD-AFC4-6F175D3DCCD1}">
+              <a14:hiddenFill xmlns:a14="http://schemas.microsoft.com/office/drawing/2010/main">
+                <a:solidFill>
+                  <a:srgbClr val="FFFFFF"/>
+                </a:solidFill>
+              </a14:hiddenFill>
+            </a:ext>
+            <a:ext uri="{91240B29-F687-4F45-9708-019B960494DF}">
+              <a14:hiddenLine xmlns:a14="http://schemas.microsoft.com/office/drawing/2010/main" w="9525">
+                <a:solidFill>
+                  <a:srgbClr val="000000"/>
+                </a:solidFill>
+                <a:miter lim="800000"/>
+                <a:headEnd/>
+                <a:tailEnd/>
+              </a14:hiddenLine>
+            </a:ext>
+          </a:extLst>
+        </p:spPr>
+        <p:txBody>
+          <a:bodyPr/>
+          <a:lstStyle/>
+          <a:p>
+            <a:pPr algn="r" rtl="1"/>
+            <a:r>
               <a:rPr lang="fa-IR" dirty="0"/>
               <a:t>به زبان ساده، این موارد در مدیریت پایگاه‌های داده نقش‌های مختلفی دارند:</a:t>
             </a:r>
@@ -8838,7 +10577,7 @@
 </p:notes>
 </file>
 
-<file path=ppt/notesSlides/notesSlide33.xml><?xml version="1.0" encoding="utf-8"?>
+<file path=ppt/notesSlides/notesSlide34.xml><?xml version="1.0" encoding="utf-8"?>
 <p:notes xmlns:a="http://schemas.openxmlformats.org/drawingml/2006/main" xmlns:r="http://schemas.openxmlformats.org/officeDocument/2006/relationships" xmlns:p="http://schemas.openxmlformats.org/presentationml/2006/main">
   <p:cSld>
     <p:spTree>
@@ -9089,7 +10828,7 @@
 </p:notes>
 </file>
 
-<file path=ppt/notesSlides/notesSlide34.xml><?xml version="1.0" encoding="utf-8"?>
+<file path=ppt/notesSlides/notesSlide35.xml><?xml version="1.0" encoding="utf-8"?>
 <p:notes xmlns:a="http://schemas.openxmlformats.org/drawingml/2006/main" xmlns:r="http://schemas.openxmlformats.org/officeDocument/2006/relationships" xmlns:p="http://schemas.openxmlformats.org/presentationml/2006/main">
   <p:cSld>
     <p:spTree>
@@ -9340,7 +11079,7 @@
 </p:notes>
 </file>
 
-<file path=ppt/notesSlides/notesSlide35.xml><?xml version="1.0" encoding="utf-8"?>
+<file path=ppt/notesSlides/notesSlide36.xml><?xml version="1.0" encoding="utf-8"?>
 <p:notes xmlns:a="http://schemas.openxmlformats.org/drawingml/2006/main" xmlns:r="http://schemas.openxmlformats.org/officeDocument/2006/relationships" xmlns:p="http://schemas.openxmlformats.org/presentationml/2006/main">
   <p:cSld>
     <p:spTree>
@@ -9591,7 +11330,7 @@
 </p:notes>
 </file>
 
-<file path=ppt/notesSlides/notesSlide36.xml><?xml version="1.0" encoding="utf-8"?>
+<file path=ppt/notesSlides/notesSlide37.xml><?xml version="1.0" encoding="utf-8"?>
 <p:notes xmlns:a="http://schemas.openxmlformats.org/drawingml/2006/main" xmlns:r="http://schemas.openxmlformats.org/officeDocument/2006/relationships" xmlns:p="http://schemas.openxmlformats.org/presentationml/2006/main">
   <p:cSld>
     <p:spTree>
@@ -21374,10 +23113,10 @@
           <p:nvPr/>
         </p:nvPicPr>
         <p:blipFill rotWithShape="1">
-          <a:blip r:embed="rId2">
+          <a:blip r:embed="rId3">
             <a:extLst>
               <a:ext uri="{96DAC541-7B7A-43D3-8B79-37D633B846F1}">
-                <asvg:svgBlip xmlns:asvg="http://schemas.microsoft.com/office/drawing/2016/SVG/main" r:embed="rId3"/>
+                <asvg:svgBlip xmlns:asvg="http://schemas.microsoft.com/office/drawing/2016/SVG/main" r:embed="rId4"/>
               </a:ext>
             </a:extLst>
           </a:blip>

--- a/courses/downloads/temp/Database_Lec1.pptx
+++ b/courses/downloads/temp/Database_Lec1.pptx
@@ -7228,7 +7228,311 @@
           <a:bodyPr/>
           <a:lstStyle/>
           <a:p>
-            <a:endParaRPr lang="en-US" altLang="en-US">
+            <a:pPr algn="r" rtl="1"/>
+            <a:r>
+              <a:rPr lang="fa-IR" b="1" dirty="0"/>
+              <a:t>پایگاه‌های داده موازی (</a:t>
+            </a:r>
+            <a:r>
+              <a:rPr lang="en-US" b="1" dirty="0"/>
+              <a:t>Parallel Databases)</a:t>
+            </a:r>
+          </a:p>
+          <a:p>
+            <a:pPr algn="r" rtl="1"/>
+            <a:r>
+              <a:rPr lang="fa-IR" b="1" dirty="0"/>
+              <a:t>ویژگی‌ها:</a:t>
+            </a:r>
+            <a:endParaRPr lang="fa-IR" dirty="0"/>
+          </a:p>
+          <a:p>
+            <a:pPr algn="r" rtl="1"/>
+            <a:r>
+              <a:rPr lang="fa-IR" dirty="0"/>
+              <a:t>برای پردازش سریع‌تر از چندین پردازنده (</a:t>
+            </a:r>
+            <a:r>
+              <a:rPr lang="en-US" dirty="0"/>
+              <a:t>CPU) </a:t>
+            </a:r>
+            <a:r>
+              <a:rPr lang="fa-IR" dirty="0"/>
+              <a:t>یا گره (</a:t>
+            </a:r>
+            <a:r>
+              <a:rPr lang="en-US" dirty="0"/>
+              <a:t>Node) </a:t>
+            </a:r>
+            <a:r>
+              <a:rPr lang="fa-IR" dirty="0"/>
+              <a:t>به‌صورت هم‌زمان استفاده می‌شود.</a:t>
+            </a:r>
+          </a:p>
+          <a:p>
+            <a:pPr algn="r" rtl="1"/>
+            <a:r>
+              <a:rPr lang="fa-IR" dirty="0"/>
+              <a:t>هدف: افزایش کارایی از طریق «پردازش موازی».</a:t>
+            </a:r>
+          </a:p>
+          <a:p>
+            <a:pPr algn="r" rtl="1"/>
+            <a:r>
+              <a:rPr lang="fa-IR" dirty="0"/>
+              <a:t>سه معماری متداول:</a:t>
+            </a:r>
+          </a:p>
+          <a:p>
+            <a:pPr lvl="1" algn="r" rtl="1"/>
+            <a:r>
+              <a:rPr lang="fa-IR" b="1" dirty="0"/>
+              <a:t>حافظه مشترک (</a:t>
+            </a:r>
+            <a:r>
+              <a:rPr lang="en-US" b="1" dirty="0"/>
+              <a:t>Shared Memory)</a:t>
+            </a:r>
+            <a:endParaRPr lang="en-US" dirty="0"/>
+          </a:p>
+          <a:p>
+            <a:pPr lvl="1" algn="r" rtl="1"/>
+            <a:r>
+              <a:rPr lang="fa-IR" b="1" dirty="0"/>
+              <a:t>دیسک مشترک (</a:t>
+            </a:r>
+            <a:r>
+              <a:rPr lang="en-US" b="1" dirty="0"/>
+              <a:t>Shared Disk)</a:t>
+            </a:r>
+            <a:endParaRPr lang="en-US" dirty="0"/>
+          </a:p>
+          <a:p>
+            <a:pPr lvl="1" algn="r" rtl="1"/>
+            <a:r>
+              <a:rPr lang="fa-IR" b="1" dirty="0"/>
+              <a:t>بدون اشتراک (</a:t>
+            </a:r>
+            <a:r>
+              <a:rPr lang="en-US" b="1" dirty="0"/>
+              <a:t>Shared Nothing)</a:t>
+            </a:r>
+            <a:endParaRPr lang="en-US" dirty="0"/>
+          </a:p>
+          <a:p>
+            <a:pPr algn="r" rtl="1"/>
+            <a:r>
+              <a:rPr lang="fa-IR" b="1" dirty="0"/>
+              <a:t>مثال‌ها:</a:t>
+            </a:r>
+            <a:endParaRPr lang="fa-IR" dirty="0"/>
+          </a:p>
+          <a:p>
+            <a:pPr algn="r" rtl="1"/>
+            <a:r>
+              <a:rPr lang="en-US" b="1" dirty="0"/>
+              <a:t>Shared Memory:</a:t>
+            </a:r>
+            <a:r>
+              <a:rPr lang="en-US" dirty="0"/>
+              <a:t> </a:t>
+            </a:r>
+            <a:r>
+              <a:rPr lang="fa-IR" dirty="0"/>
+              <a:t>پایگاه داده </a:t>
+            </a:r>
+            <a:r>
+              <a:rPr lang="en-US" dirty="0"/>
+              <a:t>Oracle Parallel Server </a:t>
+            </a:r>
+            <a:r>
+              <a:rPr lang="fa-IR" dirty="0"/>
+              <a:t>روی یک سرور چند‌هسته‌ای.</a:t>
+            </a:r>
+          </a:p>
+          <a:p>
+            <a:pPr algn="r" rtl="1"/>
+            <a:r>
+              <a:rPr lang="en-US" b="1" dirty="0"/>
+              <a:t>Shared Disk:</a:t>
+            </a:r>
+            <a:r>
+              <a:rPr lang="en-US" dirty="0"/>
+              <a:t> IBM DB2 </a:t>
+            </a:r>
+            <a:r>
+              <a:rPr lang="en-US" dirty="0" err="1"/>
+              <a:t>pureScale</a:t>
+            </a:r>
+            <a:r>
+              <a:rPr lang="en-US" dirty="0"/>
+              <a:t> </a:t>
+            </a:r>
+            <a:r>
+              <a:rPr lang="fa-IR" dirty="0"/>
+              <a:t>که چند سرور مختلف به یک فضای ذخیره‌سازی مشترک دسترسی دارند.</a:t>
+            </a:r>
+          </a:p>
+          <a:p>
+            <a:pPr algn="r" rtl="1"/>
+            <a:r>
+              <a:rPr lang="en-US" b="1" dirty="0"/>
+              <a:t>Shared Nothing:</a:t>
+            </a:r>
+            <a:r>
+              <a:rPr lang="en-US" dirty="0"/>
+              <a:t> Amazon Redshift </a:t>
+            </a:r>
+            <a:r>
+              <a:rPr lang="fa-IR" dirty="0"/>
+              <a:t>یا </a:t>
+            </a:r>
+            <a:r>
+              <a:rPr lang="en-US" dirty="0"/>
+              <a:t>Google </a:t>
+            </a:r>
+            <a:r>
+              <a:rPr lang="en-US" dirty="0" err="1"/>
+              <a:t>BigQuery</a:t>
+            </a:r>
+            <a:r>
+              <a:rPr lang="en-US" dirty="0"/>
+              <a:t> </a:t>
+            </a:r>
+            <a:r>
+              <a:rPr lang="fa-IR" dirty="0"/>
+              <a:t>که هر گره مستقل عمل می‌کند و از طریق شبکه با گره‌های دیگر هماهنگ می‌شود.</a:t>
+            </a:r>
+          </a:p>
+          <a:p>
+            <a:pPr algn="r" rtl="1"/>
+            <a:br>
+              <a:rPr lang="fa-IR" dirty="0"/>
+            </a:br>
+            <a:endParaRPr lang="fa-IR" dirty="0"/>
+          </a:p>
+          <a:p>
+            <a:pPr algn="r" rtl="1"/>
+            <a:r>
+              <a:rPr lang="fa-IR" b="1" dirty="0"/>
+              <a:t>4. پایگاه‌های داده توزیع‌شده (</a:t>
+            </a:r>
+            <a:r>
+              <a:rPr lang="en-US" b="1" dirty="0"/>
+              <a:t>Distributed Databases)</a:t>
+            </a:r>
+          </a:p>
+          <a:p>
+            <a:pPr algn="r" rtl="1"/>
+            <a:r>
+              <a:rPr lang="fa-IR" b="1" dirty="0"/>
+              <a:t>ویژگی‌ها:</a:t>
+            </a:r>
+            <a:endParaRPr lang="fa-IR" dirty="0"/>
+          </a:p>
+          <a:p>
+            <a:pPr algn="r" rtl="1"/>
+            <a:r>
+              <a:rPr lang="fa-IR" dirty="0"/>
+              <a:t>داده‌ها در چند مکان مختلف (از نظر جغرافیایی) ذخیره می‌شوند.</a:t>
+            </a:r>
+          </a:p>
+          <a:p>
+            <a:pPr algn="r" rtl="1"/>
+            <a:r>
+              <a:rPr lang="fa-IR" dirty="0"/>
+              <a:t>هر مکان می‌تواند سرور مستقل داشته باشد.</a:t>
+            </a:r>
+          </a:p>
+          <a:p>
+            <a:pPr algn="r" rtl="1"/>
+            <a:r>
+              <a:rPr lang="fa-IR" dirty="0"/>
+              <a:t>ممکن است تفاوت‌هایی در ساختار داده‌ها یا طرح‌واره وجود داشته باشد (</a:t>
+            </a:r>
+            <a:r>
+              <a:rPr lang="en-US" b="1" dirty="0"/>
+              <a:t>Schema/Data Heterogeneity</a:t>
+            </a:r>
+            <a:r>
+              <a:rPr lang="en-US" dirty="0"/>
+              <a:t>).</a:t>
+            </a:r>
+          </a:p>
+          <a:p>
+            <a:pPr algn="r" rtl="1"/>
+            <a:r>
+              <a:rPr lang="fa-IR" dirty="0"/>
+              <a:t>هدف: دسترسی محلی سریع‌تر، افزونگی (</a:t>
+            </a:r>
+            <a:r>
+              <a:rPr lang="en-US" dirty="0"/>
+              <a:t>Redundancy) </a:t>
+            </a:r>
+            <a:r>
+              <a:rPr lang="fa-IR" dirty="0"/>
+              <a:t>و تحمل خطا (</a:t>
+            </a:r>
+            <a:r>
+              <a:rPr lang="en-US" dirty="0"/>
+              <a:t>Fault Tolerance).</a:t>
+            </a:r>
+          </a:p>
+          <a:p>
+            <a:pPr algn="r" rtl="1"/>
+            <a:r>
+              <a:rPr lang="fa-IR" b="1" dirty="0"/>
+              <a:t>مثال:</a:t>
+            </a:r>
+            <a:br>
+              <a:rPr lang="fa-IR" dirty="0"/>
+            </a:br>
+            <a:r>
+              <a:rPr lang="fa-IR" dirty="0"/>
+              <a:t>سیستم رزرواسیون خطوط هوایی یا فروشگاه‌های آنلاین جهانی مثل </a:t>
+            </a:r>
+            <a:r>
+              <a:rPr lang="en-US" dirty="0"/>
+              <a:t>Amazon.</a:t>
+            </a:r>
+          </a:p>
+          <a:p>
+            <a:pPr algn="r" rtl="1"/>
+            <a:r>
+              <a:rPr lang="fa-IR" dirty="0"/>
+              <a:t>پایگاه داده در مراکز داده (</a:t>
+            </a:r>
+            <a:r>
+              <a:rPr lang="en-US" dirty="0"/>
+              <a:t>Data Center) </a:t>
+            </a:r>
+            <a:r>
+              <a:rPr lang="fa-IR" dirty="0"/>
+              <a:t>مختلف در سراسر جهان پخش شده تا کاربران هر منطقه سریع‌تر به داده‌ها دسترسی داشته باشند.</a:t>
+            </a:r>
+            <a:br>
+              <a:rPr lang="fa-IR" dirty="0"/>
+            </a:br>
+            <a:r>
+              <a:rPr lang="fa-IR" dirty="0"/>
+              <a:t>نمونه فناوری‌ها: </a:t>
+            </a:r>
+            <a:r>
+              <a:rPr lang="en-US" dirty="0"/>
+              <a:t>Google Spanner، </a:t>
+            </a:r>
+            <a:r>
+              <a:rPr lang="en-US" dirty="0" err="1"/>
+              <a:t>CockroachDB</a:t>
+            </a:r>
+            <a:r>
+              <a:rPr lang="en-US" dirty="0"/>
+              <a:t>، Cassandra.</a:t>
+            </a:r>
+          </a:p>
+          <a:p>
+            <a:pPr algn="r" rtl="1"/>
+            <a:endParaRPr lang="en-US" altLang="en-US" dirty="0">
               <a:latin typeface="Times New Roman" panose="02020603050405020304" pitchFamily="18" charset="0"/>
             </a:endParaRPr>
           </a:p>
@@ -7266,229 +7570,504 @@
       </p:grpSpPr>
       <p:sp>
         <p:nvSpPr>
-          <p:cNvPr id="62465" name="Rectangle 7"/>
-          <p:cNvSpPr txBox="1">
-            <a:spLocks noGrp="1" noChangeArrowheads="1"/>
-          </p:cNvSpPr>
-          <p:nvPr/>
-        </p:nvSpPr>
-        <p:spPr bwMode="auto">
-          <a:xfrm>
-            <a:off x="3966315" y="8820783"/>
-            <a:ext cx="3031385" cy="462917"/>
-          </a:xfrm>
-          <a:prstGeom prst="rect">
-            <a:avLst/>
-          </a:prstGeom>
-          <a:noFill/>
-          <a:ln>
-            <a:noFill/>
-          </a:ln>
-          <a:extLst>
-            <a:ext uri="{909E8E84-426E-40DD-AFC4-6F175D3DCCD1}">
-              <a14:hiddenFill xmlns:a14="http://schemas.microsoft.com/office/drawing/2010/main">
-                <a:solidFill>
-                  <a:srgbClr val="FFFFFF"/>
-                </a:solidFill>
-              </a14:hiddenFill>
-            </a:ext>
-            <a:ext uri="{91240B29-F687-4F45-9708-019B960494DF}">
-              <a14:hiddenLine xmlns:a14="http://schemas.microsoft.com/office/drawing/2010/main" w="9525">
-                <a:solidFill>
-                  <a:srgbClr val="000000"/>
-                </a:solidFill>
-                <a:miter lim="800000"/>
-                <a:headEnd/>
-                <a:tailEnd/>
-              </a14:hiddenLine>
-            </a:ext>
-          </a:extLst>
-        </p:spPr>
-        <p:txBody>
-          <a:bodyPr wrap="none" lIns="93022" tIns="46511" rIns="93022" bIns="46511" anchor="b"/>
-          <a:lstStyle>
-            <a:lvl1pPr defTabSz="930275">
-              <a:defRPr sz="1600">
-                <a:solidFill>
-                  <a:schemeClr val="tx1"/>
-                </a:solidFill>
-                <a:latin typeface="Helvetica" panose="020B0604020202020204" pitchFamily="34" charset="0"/>
-                <a:ea typeface="MS PGothic" panose="020B0600070205080204" pitchFamily="34" charset="-128"/>
-              </a:defRPr>
-            </a:lvl1pPr>
-            <a:lvl2pPr marL="742950" indent="-285750" defTabSz="930275">
-              <a:defRPr sz="1600">
-                <a:solidFill>
-                  <a:schemeClr val="tx1"/>
-                </a:solidFill>
-                <a:latin typeface="Helvetica" panose="020B0604020202020204" pitchFamily="34" charset="0"/>
-                <a:ea typeface="MS PGothic" panose="020B0600070205080204" pitchFamily="34" charset="-128"/>
-              </a:defRPr>
-            </a:lvl2pPr>
-            <a:lvl3pPr marL="1143000" indent="-228600" defTabSz="930275">
-              <a:defRPr sz="1600">
-                <a:solidFill>
-                  <a:schemeClr val="tx1"/>
-                </a:solidFill>
-                <a:latin typeface="Helvetica" panose="020B0604020202020204" pitchFamily="34" charset="0"/>
-                <a:ea typeface="MS PGothic" panose="020B0600070205080204" pitchFamily="34" charset="-128"/>
-              </a:defRPr>
-            </a:lvl3pPr>
-            <a:lvl4pPr marL="1600200" indent="-228600" defTabSz="930275">
-              <a:defRPr sz="1600">
-                <a:solidFill>
-                  <a:schemeClr val="tx1"/>
-                </a:solidFill>
-                <a:latin typeface="Helvetica" panose="020B0604020202020204" pitchFamily="34" charset="0"/>
-                <a:ea typeface="MS PGothic" panose="020B0600070205080204" pitchFamily="34" charset="-128"/>
-              </a:defRPr>
-            </a:lvl4pPr>
-            <a:lvl5pPr marL="2057400" indent="-228600" defTabSz="930275">
-              <a:defRPr sz="1600">
-                <a:solidFill>
-                  <a:schemeClr val="tx1"/>
-                </a:solidFill>
-                <a:latin typeface="Helvetica" panose="020B0604020202020204" pitchFamily="34" charset="0"/>
-                <a:ea typeface="MS PGothic" panose="020B0600070205080204" pitchFamily="34" charset="-128"/>
-              </a:defRPr>
-            </a:lvl5pPr>
-            <a:lvl6pPr marL="2514600" indent="-228600" defTabSz="930275" eaLnBrk="0" fontAlgn="base" hangingPunct="0">
-              <a:spcBef>
-                <a:spcPct val="0"/>
-              </a:spcBef>
-              <a:spcAft>
-                <a:spcPct val="0"/>
-              </a:spcAft>
-              <a:defRPr sz="1600">
-                <a:solidFill>
-                  <a:schemeClr val="tx1"/>
-                </a:solidFill>
-                <a:latin typeface="Helvetica" panose="020B0604020202020204" pitchFamily="34" charset="0"/>
-                <a:ea typeface="MS PGothic" panose="020B0600070205080204" pitchFamily="34" charset="-128"/>
-              </a:defRPr>
-            </a:lvl6pPr>
-            <a:lvl7pPr marL="2971800" indent="-228600" defTabSz="930275" eaLnBrk="0" fontAlgn="base" hangingPunct="0">
-              <a:spcBef>
-                <a:spcPct val="0"/>
-              </a:spcBef>
-              <a:spcAft>
-                <a:spcPct val="0"/>
-              </a:spcAft>
-              <a:defRPr sz="1600">
-                <a:solidFill>
-                  <a:schemeClr val="tx1"/>
-                </a:solidFill>
-                <a:latin typeface="Helvetica" panose="020B0604020202020204" pitchFamily="34" charset="0"/>
-                <a:ea typeface="MS PGothic" panose="020B0600070205080204" pitchFamily="34" charset="-128"/>
-              </a:defRPr>
-            </a:lvl7pPr>
-            <a:lvl8pPr marL="3429000" indent="-228600" defTabSz="930275" eaLnBrk="0" fontAlgn="base" hangingPunct="0">
-              <a:spcBef>
-                <a:spcPct val="0"/>
-              </a:spcBef>
-              <a:spcAft>
-                <a:spcPct val="0"/>
-              </a:spcAft>
-              <a:defRPr sz="1600">
-                <a:solidFill>
-                  <a:schemeClr val="tx1"/>
-                </a:solidFill>
-                <a:latin typeface="Helvetica" panose="020B0604020202020204" pitchFamily="34" charset="0"/>
-                <a:ea typeface="MS PGothic" panose="020B0600070205080204" pitchFamily="34" charset="-128"/>
-              </a:defRPr>
-            </a:lvl8pPr>
-            <a:lvl9pPr marL="3886200" indent="-228600" defTabSz="930275" eaLnBrk="0" fontAlgn="base" hangingPunct="0">
-              <a:spcBef>
-                <a:spcPct val="0"/>
-              </a:spcBef>
-              <a:spcAft>
-                <a:spcPct val="0"/>
-              </a:spcAft>
-              <a:defRPr sz="1600">
-                <a:solidFill>
-                  <a:schemeClr val="tx1"/>
-                </a:solidFill>
-                <a:latin typeface="Helvetica" panose="020B0604020202020204" pitchFamily="34" charset="0"/>
-                <a:ea typeface="MS PGothic" panose="020B0600070205080204" pitchFamily="34" charset="-128"/>
-              </a:defRPr>
-            </a:lvl9pPr>
-          </a:lstStyle>
-          <a:p>
-            <a:pPr algn="r"/>
-            <a:fld id="{C2F2B756-9213-4637-9F3D-8CD40917EA0A}" type="slidenum">
-              <a:rPr lang="en-US" altLang="en-US" sz="1200"/>
-              <a:pPr algn="r"/>
-              <a:t>31</a:t>
-            </a:fld>
-            <a:endParaRPr lang="en-US" altLang="en-US" sz="1200" dirty="0"/>
-          </a:p>
-        </p:txBody>
-      </p:sp>
-      <p:sp>
-        <p:nvSpPr>
-          <p:cNvPr id="62466" name="Rectangle 2"/>
+          <p:cNvPr id="2" name="Slide Image Placeholder 1"/>
           <p:cNvSpPr>
-            <a:spLocks noGrp="1" noRot="1" noChangeAspect="1" noChangeArrowheads="1" noTextEdit="1"/>
+            <a:spLocks noGrp="1" noRot="1" noChangeAspect="1"/>
           </p:cNvSpPr>
           <p:nvPr>
             <p:ph type="sldImg"/>
           </p:nvPr>
         </p:nvSpPr>
-        <p:spPr>
-          <a:xfrm>
-            <a:off x="1177925" y="696913"/>
-            <a:ext cx="4641850" cy="3481387"/>
-          </a:xfrm>
-          <a:ln/>
-        </p:spPr>
+        <p:spPr/>
       </p:sp>
       <p:sp>
         <p:nvSpPr>
-          <p:cNvPr id="62467" name="Rectangle 3"/>
+          <p:cNvPr id="3" name="Notes Placeholder 2"/>
           <p:cNvSpPr>
-            <a:spLocks noGrp="1" noChangeArrowheads="1"/>
+            <a:spLocks noGrp="1"/>
           </p:cNvSpPr>
           <p:nvPr>
             <p:ph type="body" idx="1"/>
           </p:nvPr>
         </p:nvSpPr>
-        <p:spPr>
-          <a:noFill/>
-          <a:ln/>
-          <a:extLst>
-            <a:ext uri="{909E8E84-426E-40DD-AFC4-6F175D3DCCD1}">
-              <a14:hiddenFill xmlns:a14="http://schemas.microsoft.com/office/drawing/2010/main">
-                <a:solidFill>
-                  <a:srgbClr val="FFFFFF"/>
-                </a:solidFill>
-              </a14:hiddenFill>
-            </a:ext>
-            <a:ext uri="{91240B29-F687-4F45-9708-019B960494DF}">
-              <a14:hiddenLine xmlns:a14="http://schemas.microsoft.com/office/drawing/2010/main" w="9525">
-                <a:solidFill>
-                  <a:srgbClr val="000000"/>
-                </a:solidFill>
-                <a:miter lim="800000"/>
-                <a:headEnd/>
-                <a:tailEnd/>
-              </a14:hiddenLine>
-            </a:ext>
-          </a:extLst>
-        </p:spPr>
+        <p:spPr/>
         <p:txBody>
           <a:bodyPr/>
           <a:lstStyle/>
           <a:p>
-            <a:endParaRPr lang="en-US" altLang="en-US">
-              <a:latin typeface="Times New Roman" panose="02020603050405020304" pitchFamily="18" charset="0"/>
-            </a:endParaRPr>
+            <a:pPr algn="r" rtl="1"/>
+            <a:r>
+              <a:rPr lang="en-US" b="1" i="0" dirty="0"/>
+              <a:t>🧩 </a:t>
+            </a:r>
+            <a:r>
+              <a:rPr lang="fa-IR" b="1" i="0" dirty="0"/>
+              <a:t>معماری سیستم مدیریت پایگاه داده</a:t>
+            </a:r>
+          </a:p>
+          <a:p>
+            <a:pPr algn="r" rtl="1"/>
+            <a:r>
+              <a:rPr lang="fa-IR" i="0" dirty="0"/>
+              <a:t>سیستم </a:t>
+            </a:r>
+            <a:r>
+              <a:rPr lang="en-US" i="0" dirty="0"/>
+              <a:t>DBMS </a:t>
+            </a:r>
+            <a:r>
+              <a:rPr lang="fa-IR" i="0" dirty="0"/>
+              <a:t>از سه بخش اصلی تشکیل شده است:</a:t>
+            </a:r>
+          </a:p>
+          <a:p>
+            <a:pPr algn="r" rtl="1"/>
+            <a:br>
+              <a:rPr lang="fa-IR" i="0" dirty="0"/>
+            </a:br>
+            <a:endParaRPr lang="fa-IR" i="0" dirty="0"/>
+          </a:p>
+          <a:p>
+            <a:pPr algn="r" rtl="1"/>
+            <a:r>
+              <a:rPr lang="fa-IR" b="1" i="0" dirty="0"/>
+              <a:t>1. پردازشگر پرس‌وجو (</a:t>
+            </a:r>
+            <a:r>
+              <a:rPr lang="en-US" b="1" i="0" dirty="0"/>
+              <a:t>Query Processor)</a:t>
+            </a:r>
+          </a:p>
+          <a:p>
+            <a:pPr algn="r" rtl="1"/>
+            <a:r>
+              <a:rPr lang="fa-IR" i="0" dirty="0"/>
+              <a:t>وظیفه: تفسیر و اجرای دستورات </a:t>
+            </a:r>
+            <a:r>
+              <a:rPr lang="en-US" i="0" dirty="0"/>
+              <a:t>SQL.</a:t>
+            </a:r>
+          </a:p>
+          <a:p>
+            <a:pPr algn="r" rtl="1"/>
+            <a:r>
+              <a:rPr lang="fa-IR" i="0" dirty="0"/>
+              <a:t>اجزا:</a:t>
+            </a:r>
+          </a:p>
+          <a:p>
+            <a:pPr algn="r" rtl="1"/>
+            <a:r>
+              <a:rPr lang="en-US" b="1" i="0" dirty="0"/>
+              <a:t>DDL Interpreter:</a:t>
+            </a:r>
+            <a:r>
+              <a:rPr lang="en-US" i="0" dirty="0"/>
+              <a:t> </a:t>
+            </a:r>
+            <a:r>
+              <a:rPr lang="fa-IR" i="0" dirty="0"/>
+              <a:t>اجرای دستورات ساختار داده مثل </a:t>
+            </a:r>
+            <a:r>
+              <a:rPr lang="en-US" sz="1200" i="0" kern="1200" dirty="0">
+                <a:solidFill>
+                  <a:schemeClr val="tx1"/>
+                </a:solidFill>
+                <a:latin typeface="Times New Roman" charset="0"/>
+                <a:ea typeface="MS PGothic" panose="020B0600070205080204" pitchFamily="34" charset="-128"/>
+                <a:cs typeface="ＭＳ Ｐゴシック" charset="0"/>
+              </a:rPr>
+              <a:t>CREATE TABLE</a:t>
+            </a:r>
+            <a:r>
+              <a:rPr lang="en-US" i="0" dirty="0"/>
+              <a:t>.</a:t>
+            </a:r>
+          </a:p>
+          <a:p>
+            <a:pPr algn="r" rtl="1"/>
+            <a:r>
+              <a:rPr lang="en-US" b="1" i="0" dirty="0"/>
+              <a:t>DML Compiler:</a:t>
+            </a:r>
+            <a:r>
+              <a:rPr lang="en-US" i="0" dirty="0"/>
+              <a:t> </a:t>
+            </a:r>
+            <a:r>
+              <a:rPr lang="fa-IR" i="0" dirty="0"/>
+              <a:t>ترجمه دستورات </a:t>
+            </a:r>
+            <a:r>
+              <a:rPr lang="en-US" sz="1200" i="0" kern="1200" dirty="0">
+                <a:solidFill>
+                  <a:schemeClr val="tx1"/>
+                </a:solidFill>
+                <a:latin typeface="Times New Roman" charset="0"/>
+                <a:ea typeface="MS PGothic" panose="020B0600070205080204" pitchFamily="34" charset="-128"/>
+                <a:cs typeface="ＭＳ Ｐゴシック" charset="0"/>
+              </a:rPr>
+              <a:t>SELECT</a:t>
+            </a:r>
+            <a:r>
+              <a:rPr lang="en-US" i="0" dirty="0"/>
+              <a:t>, </a:t>
+            </a:r>
+            <a:r>
+              <a:rPr lang="en-US" sz="1200" i="0" kern="1200" dirty="0">
+                <a:solidFill>
+                  <a:schemeClr val="tx1"/>
+                </a:solidFill>
+                <a:latin typeface="Times New Roman" charset="0"/>
+                <a:ea typeface="MS PGothic" panose="020B0600070205080204" pitchFamily="34" charset="-128"/>
+                <a:cs typeface="ＭＳ Ｐゴシック" charset="0"/>
+              </a:rPr>
+              <a:t>INSERT</a:t>
+            </a:r>
+            <a:r>
+              <a:rPr lang="en-US" i="0" dirty="0"/>
+              <a:t>, </a:t>
+            </a:r>
+            <a:r>
+              <a:rPr lang="en-US" sz="1200" i="0" kern="1200" dirty="0">
+                <a:solidFill>
+                  <a:schemeClr val="tx1"/>
+                </a:solidFill>
+                <a:latin typeface="Times New Roman" charset="0"/>
+                <a:ea typeface="MS PGothic" panose="020B0600070205080204" pitchFamily="34" charset="-128"/>
+                <a:cs typeface="ＭＳ Ｐゴシック" charset="0"/>
+              </a:rPr>
+              <a:t>UPDATE</a:t>
+            </a:r>
+            <a:r>
+              <a:rPr lang="en-US" i="0" dirty="0"/>
+              <a:t>, </a:t>
+            </a:r>
+            <a:r>
+              <a:rPr lang="en-US" sz="1200" i="0" kern="1200" dirty="0">
+                <a:solidFill>
+                  <a:schemeClr val="tx1"/>
+                </a:solidFill>
+                <a:latin typeface="Times New Roman" charset="0"/>
+                <a:ea typeface="MS PGothic" panose="020B0600070205080204" pitchFamily="34" charset="-128"/>
+                <a:cs typeface="ＭＳ Ｐゴシック" charset="0"/>
+              </a:rPr>
+              <a:t>DELETE</a:t>
+            </a:r>
+            <a:r>
+              <a:rPr lang="en-US" i="0" dirty="0"/>
+              <a:t> </a:t>
+            </a:r>
+            <a:r>
+              <a:rPr lang="fa-IR" i="0" dirty="0"/>
+              <a:t>به طرح اجرایی بهینه.</a:t>
+            </a:r>
+          </a:p>
+          <a:p>
+            <a:pPr algn="r" rtl="1"/>
+            <a:r>
+              <a:rPr lang="en-US" b="1" i="0" dirty="0"/>
+              <a:t>Query Evaluation Engine:</a:t>
+            </a:r>
+            <a:r>
+              <a:rPr lang="en-US" i="0" dirty="0"/>
+              <a:t> </a:t>
+            </a:r>
+            <a:r>
+              <a:rPr lang="fa-IR" i="0" dirty="0"/>
+              <a:t>اجرای طرح و برگرداندن نتیجه.</a:t>
+            </a:r>
+            <a:br>
+              <a:rPr lang="fa-IR" i="0" dirty="0"/>
+            </a:br>
+            <a:r>
+              <a:rPr lang="en-US" i="0" dirty="0"/>
+              <a:t>📘 </a:t>
+            </a:r>
+            <a:r>
+              <a:rPr lang="fa-IR" i="0" dirty="0"/>
+              <a:t>مثال: اجرای دستور </a:t>
+            </a:r>
+            <a:r>
+              <a:rPr lang="en-US" sz="1200" i="0" kern="1200" dirty="0">
+                <a:solidFill>
+                  <a:schemeClr val="tx1"/>
+                </a:solidFill>
+                <a:latin typeface="Times New Roman" charset="0"/>
+                <a:ea typeface="MS PGothic" panose="020B0600070205080204" pitchFamily="34" charset="-128"/>
+                <a:cs typeface="ＭＳ Ｐゴシック" charset="0"/>
+              </a:rPr>
+              <a:t>SELECT name FROM Student WHERE GPA &gt; 3.5;</a:t>
+            </a:r>
+            <a:endParaRPr lang="en-US" i="0" dirty="0"/>
+          </a:p>
+          <a:p>
+            <a:pPr algn="r" rtl="1"/>
+            <a:br>
+              <a:rPr lang="en-US" i="0" dirty="0"/>
+            </a:br>
+            <a:endParaRPr lang="en-US" i="0" dirty="0"/>
+          </a:p>
+          <a:p>
+            <a:pPr algn="r" rtl="1"/>
+            <a:r>
+              <a:rPr lang="en-US" b="1" i="0" dirty="0"/>
+              <a:t>2. </a:t>
+            </a:r>
+            <a:r>
+              <a:rPr lang="fa-IR" b="1" i="0" dirty="0"/>
+              <a:t>مدیر ذخیره‌سازی (</a:t>
+            </a:r>
+            <a:r>
+              <a:rPr lang="en-US" b="1" i="0" dirty="0"/>
+              <a:t>Storage Manager)</a:t>
+            </a:r>
+          </a:p>
+          <a:p>
+            <a:pPr algn="r" rtl="1"/>
+            <a:r>
+              <a:rPr lang="fa-IR" i="0" dirty="0"/>
+              <a:t>وظیفه: مدیریت دسترسی ایمن، کنترل تراکنش‌ها و ارتباط با دیسک.</a:t>
+            </a:r>
+          </a:p>
+          <a:p>
+            <a:pPr algn="r" rtl="1"/>
+            <a:r>
+              <a:rPr lang="fa-IR" i="0" dirty="0"/>
+              <a:t>اجزا:</a:t>
+            </a:r>
+          </a:p>
+          <a:p>
+            <a:pPr algn="r" rtl="1"/>
+            <a:r>
+              <a:rPr lang="en-US" b="1" i="0" dirty="0"/>
+              <a:t>Authorization &amp; Integrity Manager:</a:t>
+            </a:r>
+            <a:r>
+              <a:rPr lang="en-US" i="0" dirty="0"/>
+              <a:t> </a:t>
+            </a:r>
+            <a:r>
+              <a:rPr lang="fa-IR" i="0" dirty="0"/>
+              <a:t>بررسی مجوزها و قیود.</a:t>
+            </a:r>
+          </a:p>
+          <a:p>
+            <a:pPr algn="r" rtl="1"/>
+            <a:r>
+              <a:rPr lang="en-US" b="1" i="0" dirty="0"/>
+              <a:t>Transaction Manager:</a:t>
+            </a:r>
+            <a:r>
+              <a:rPr lang="en-US" i="0" dirty="0"/>
+              <a:t> </a:t>
+            </a:r>
+            <a:r>
+              <a:rPr lang="fa-IR" i="0" dirty="0"/>
+              <a:t>حفظ ویژگی‌های </a:t>
+            </a:r>
+            <a:r>
+              <a:rPr lang="en-US" i="0" dirty="0"/>
+              <a:t>ACID </a:t>
+            </a:r>
+            <a:r>
+              <a:rPr lang="fa-IR" i="0" dirty="0"/>
+              <a:t>در تراکنش‌ها.</a:t>
+            </a:r>
+          </a:p>
+          <a:p>
+            <a:pPr algn="r" rtl="1"/>
+            <a:r>
+              <a:rPr lang="en-US" b="1" i="0" dirty="0"/>
+              <a:t>File Manager:</a:t>
+            </a:r>
+            <a:r>
+              <a:rPr lang="en-US" i="0" dirty="0"/>
+              <a:t> </a:t>
+            </a:r>
+            <a:r>
+              <a:rPr lang="fa-IR" i="0" dirty="0"/>
+              <a:t>سازماندهی فایل‌های داده روی دیسک.</a:t>
+            </a:r>
+          </a:p>
+          <a:p>
+            <a:pPr algn="r" rtl="1"/>
+            <a:r>
+              <a:rPr lang="en-US" b="1" i="0" dirty="0"/>
+              <a:t>Buffer Manager:</a:t>
+            </a:r>
+            <a:r>
+              <a:rPr lang="en-US" i="0" dirty="0"/>
+              <a:t> </a:t>
+            </a:r>
+            <a:r>
+              <a:rPr lang="fa-IR" i="0" dirty="0"/>
+              <a:t>نگهداری داده‌های پرکاربرد در حافظه برای افزایش سرعت.</a:t>
+            </a:r>
+          </a:p>
+          <a:p>
+            <a:pPr algn="r" rtl="1"/>
+            <a:r>
+              <a:rPr lang="en-US" i="0" dirty="0"/>
+              <a:t>📘 </a:t>
+            </a:r>
+            <a:r>
+              <a:rPr lang="fa-IR" i="0" dirty="0"/>
+              <a:t>مثال: اگر انتقال پول بین دو حساب نیمه‌کاره بماند، مدیر تراکنش مانع از ثبت ناقص می‌شود.</a:t>
+            </a:r>
+          </a:p>
+          <a:p>
+            <a:pPr algn="r" rtl="1"/>
+            <a:br>
+              <a:rPr lang="fa-IR" i="0" dirty="0"/>
+            </a:br>
+            <a:endParaRPr lang="fa-IR" i="0" dirty="0"/>
+          </a:p>
+          <a:p>
+            <a:pPr algn="r" rtl="1"/>
+            <a:r>
+              <a:rPr lang="fa-IR" b="1" i="0" dirty="0"/>
+              <a:t>3. ذخیره‌سازی دیسک (</a:t>
+            </a:r>
+            <a:r>
+              <a:rPr lang="en-US" b="1" i="0" dirty="0"/>
+              <a:t>Disk Storage)</a:t>
+            </a:r>
+          </a:p>
+          <a:p>
+            <a:pPr algn="r" rtl="1"/>
+            <a:r>
+              <a:rPr lang="fa-IR" i="0" dirty="0"/>
+              <a:t>حاوی داده‌های واقعی و اطلاعات پشتیبان.</a:t>
+            </a:r>
+          </a:p>
+          <a:p>
+            <a:pPr algn="r" rtl="1"/>
+            <a:r>
+              <a:rPr lang="fa-IR" i="0" dirty="0"/>
+              <a:t>اجزا:</a:t>
+            </a:r>
+          </a:p>
+          <a:p>
+            <a:pPr algn="r" rtl="1"/>
+            <a:r>
+              <a:rPr lang="en-US" b="1" i="0" dirty="0"/>
+              <a:t>Data:</a:t>
+            </a:r>
+            <a:r>
+              <a:rPr lang="en-US" i="0" dirty="0"/>
+              <a:t> </a:t>
+            </a:r>
+            <a:r>
+              <a:rPr lang="fa-IR" i="0" dirty="0"/>
+              <a:t>داده‌های اصلی.</a:t>
+            </a:r>
+          </a:p>
+          <a:p>
+            <a:pPr algn="r" rtl="1"/>
+            <a:r>
+              <a:rPr lang="en-US" b="1" i="0" dirty="0"/>
+              <a:t>Indices:</a:t>
+            </a:r>
+            <a:r>
+              <a:rPr lang="en-US" i="0" dirty="0"/>
+              <a:t> </a:t>
+            </a:r>
+            <a:r>
+              <a:rPr lang="fa-IR" i="0" dirty="0"/>
+              <a:t>شاخص‌ها برای جست‌وجوی سریع‌تر.</a:t>
+            </a:r>
+          </a:p>
+          <a:p>
+            <a:pPr algn="r" rtl="1"/>
+            <a:r>
+              <a:rPr lang="en-US" b="1" i="0" dirty="0"/>
+              <a:t>Data Dictionary:</a:t>
+            </a:r>
+            <a:r>
+              <a:rPr lang="en-US" i="0" dirty="0"/>
+              <a:t> </a:t>
+            </a:r>
+            <a:r>
+              <a:rPr lang="fa-IR" i="0" dirty="0"/>
+              <a:t>اطلاعات درباره‌ی جداول و ساختار پایگاه داده.</a:t>
+            </a:r>
+          </a:p>
+          <a:p>
+            <a:pPr algn="r" rtl="1"/>
+            <a:r>
+              <a:rPr lang="en-US" b="1" i="0" dirty="0"/>
+              <a:t>Statistical Data:</a:t>
+            </a:r>
+            <a:r>
+              <a:rPr lang="en-US" i="0" dirty="0"/>
+              <a:t> </a:t>
+            </a:r>
+            <a:r>
+              <a:rPr lang="fa-IR" i="0" dirty="0"/>
+              <a:t>آمار برای بهینه‌سازی پرس‌وجو.</a:t>
+            </a:r>
+          </a:p>
+          <a:p>
+            <a:pPr algn="r" rtl="1"/>
+            <a:r>
+              <a:rPr lang="en-US" i="0" dirty="0"/>
+              <a:t>📘 </a:t>
+            </a:r>
+            <a:r>
+              <a:rPr lang="fa-IR" i="0" dirty="0"/>
+              <a:t>مثال: شاخص روی ستون </a:t>
+            </a:r>
+            <a:r>
+              <a:rPr lang="en-US" i="0" dirty="0"/>
+              <a:t>GPA </a:t>
+            </a:r>
+            <a:r>
+              <a:rPr lang="fa-IR" i="0" dirty="0"/>
+              <a:t>باعث سریع‌تر شدن جست‌وجوی دانشجویان ممتاز می‌شود.</a:t>
+            </a:r>
+          </a:p>
+          <a:p>
+            <a:pPr algn="r" rtl="1"/>
+            <a:endParaRPr lang="en-US" i="0" dirty="0"/>
+          </a:p>
+        </p:txBody>
+      </p:sp>
+      <p:sp>
+        <p:nvSpPr>
+          <p:cNvPr id="4" name="Slide Number Placeholder 3"/>
+          <p:cNvSpPr>
+            <a:spLocks noGrp="1"/>
+          </p:cNvSpPr>
+          <p:nvPr>
+            <p:ph type="sldNum" sz="quarter" idx="5"/>
+          </p:nvPr>
+        </p:nvSpPr>
+        <p:spPr/>
+        <p:txBody>
+          <a:bodyPr/>
+          <a:lstStyle/>
+          <a:p>
+            <a:pPr>
+              <a:defRPr/>
+            </a:pPr>
+            <a:fld id="{AE66C03C-4B0E-4149-8287-A3B340EB818D}" type="slidenum">
+              <a:rPr lang="en-US" altLang="en-US" smtClean="0"/>
+              <a:pPr>
+                <a:defRPr/>
+              </a:pPr>
+              <a:t>30</a:t>
+            </a:fld>
+            <a:endParaRPr lang="en-US" altLang="en-US"/>
           </a:p>
         </p:txBody>
       </p:sp>
     </p:spTree>
     <p:extLst>
       <p:ext uri="{BB962C8B-B14F-4D97-AF65-F5344CB8AC3E}">
-        <p14:creationId xmlns:p14="http://schemas.microsoft.com/office/powerpoint/2010/main" val="4181103288"/>
+        <p14:creationId xmlns:p14="http://schemas.microsoft.com/office/powerpoint/2010/main" val="2247752917"/>
       </p:ext>
     </p:extLst>
   </p:cSld>
@@ -7768,6 +8347,257 @@
       </p:grpSpPr>
       <p:sp>
         <p:nvSpPr>
+          <p:cNvPr id="62465" name="Rectangle 7"/>
+          <p:cNvSpPr txBox="1">
+            <a:spLocks noGrp="1" noChangeArrowheads="1"/>
+          </p:cNvSpPr>
+          <p:nvPr/>
+        </p:nvSpPr>
+        <p:spPr bwMode="auto">
+          <a:xfrm>
+            <a:off x="3966315" y="8820783"/>
+            <a:ext cx="3031385" cy="462917"/>
+          </a:xfrm>
+          <a:prstGeom prst="rect">
+            <a:avLst/>
+          </a:prstGeom>
+          <a:noFill/>
+          <a:ln>
+            <a:noFill/>
+          </a:ln>
+          <a:extLst>
+            <a:ext uri="{909E8E84-426E-40DD-AFC4-6F175D3DCCD1}">
+              <a14:hiddenFill xmlns:a14="http://schemas.microsoft.com/office/drawing/2010/main">
+                <a:solidFill>
+                  <a:srgbClr val="FFFFFF"/>
+                </a:solidFill>
+              </a14:hiddenFill>
+            </a:ext>
+            <a:ext uri="{91240B29-F687-4F45-9708-019B960494DF}">
+              <a14:hiddenLine xmlns:a14="http://schemas.microsoft.com/office/drawing/2010/main" w="9525">
+                <a:solidFill>
+                  <a:srgbClr val="000000"/>
+                </a:solidFill>
+                <a:miter lim="800000"/>
+                <a:headEnd/>
+                <a:tailEnd/>
+              </a14:hiddenLine>
+            </a:ext>
+          </a:extLst>
+        </p:spPr>
+        <p:txBody>
+          <a:bodyPr wrap="none" lIns="93022" tIns="46511" rIns="93022" bIns="46511" anchor="b"/>
+          <a:lstStyle>
+            <a:lvl1pPr defTabSz="930275">
+              <a:defRPr sz="1600">
+                <a:solidFill>
+                  <a:schemeClr val="tx1"/>
+                </a:solidFill>
+                <a:latin typeface="Helvetica" panose="020B0604020202020204" pitchFamily="34" charset="0"/>
+                <a:ea typeface="MS PGothic" panose="020B0600070205080204" pitchFamily="34" charset="-128"/>
+              </a:defRPr>
+            </a:lvl1pPr>
+            <a:lvl2pPr marL="742950" indent="-285750" defTabSz="930275">
+              <a:defRPr sz="1600">
+                <a:solidFill>
+                  <a:schemeClr val="tx1"/>
+                </a:solidFill>
+                <a:latin typeface="Helvetica" panose="020B0604020202020204" pitchFamily="34" charset="0"/>
+                <a:ea typeface="MS PGothic" panose="020B0600070205080204" pitchFamily="34" charset="-128"/>
+              </a:defRPr>
+            </a:lvl2pPr>
+            <a:lvl3pPr marL="1143000" indent="-228600" defTabSz="930275">
+              <a:defRPr sz="1600">
+                <a:solidFill>
+                  <a:schemeClr val="tx1"/>
+                </a:solidFill>
+                <a:latin typeface="Helvetica" panose="020B0604020202020204" pitchFamily="34" charset="0"/>
+                <a:ea typeface="MS PGothic" panose="020B0600070205080204" pitchFamily="34" charset="-128"/>
+              </a:defRPr>
+            </a:lvl3pPr>
+            <a:lvl4pPr marL="1600200" indent="-228600" defTabSz="930275">
+              <a:defRPr sz="1600">
+                <a:solidFill>
+                  <a:schemeClr val="tx1"/>
+                </a:solidFill>
+                <a:latin typeface="Helvetica" panose="020B0604020202020204" pitchFamily="34" charset="0"/>
+                <a:ea typeface="MS PGothic" panose="020B0600070205080204" pitchFamily="34" charset="-128"/>
+              </a:defRPr>
+            </a:lvl4pPr>
+            <a:lvl5pPr marL="2057400" indent="-228600" defTabSz="930275">
+              <a:defRPr sz="1600">
+                <a:solidFill>
+                  <a:schemeClr val="tx1"/>
+                </a:solidFill>
+                <a:latin typeface="Helvetica" panose="020B0604020202020204" pitchFamily="34" charset="0"/>
+                <a:ea typeface="MS PGothic" panose="020B0600070205080204" pitchFamily="34" charset="-128"/>
+              </a:defRPr>
+            </a:lvl5pPr>
+            <a:lvl6pPr marL="2514600" indent="-228600" defTabSz="930275" eaLnBrk="0" fontAlgn="base" hangingPunct="0">
+              <a:spcBef>
+                <a:spcPct val="0"/>
+              </a:spcBef>
+              <a:spcAft>
+                <a:spcPct val="0"/>
+              </a:spcAft>
+              <a:defRPr sz="1600">
+                <a:solidFill>
+                  <a:schemeClr val="tx1"/>
+                </a:solidFill>
+                <a:latin typeface="Helvetica" panose="020B0604020202020204" pitchFamily="34" charset="0"/>
+                <a:ea typeface="MS PGothic" panose="020B0600070205080204" pitchFamily="34" charset="-128"/>
+              </a:defRPr>
+            </a:lvl6pPr>
+            <a:lvl7pPr marL="2971800" indent="-228600" defTabSz="930275" eaLnBrk="0" fontAlgn="base" hangingPunct="0">
+              <a:spcBef>
+                <a:spcPct val="0"/>
+              </a:spcBef>
+              <a:spcAft>
+                <a:spcPct val="0"/>
+              </a:spcAft>
+              <a:defRPr sz="1600">
+                <a:solidFill>
+                  <a:schemeClr val="tx1"/>
+                </a:solidFill>
+                <a:latin typeface="Helvetica" panose="020B0604020202020204" pitchFamily="34" charset="0"/>
+                <a:ea typeface="MS PGothic" panose="020B0600070205080204" pitchFamily="34" charset="-128"/>
+              </a:defRPr>
+            </a:lvl7pPr>
+            <a:lvl8pPr marL="3429000" indent="-228600" defTabSz="930275" eaLnBrk="0" fontAlgn="base" hangingPunct="0">
+              <a:spcBef>
+                <a:spcPct val="0"/>
+              </a:spcBef>
+              <a:spcAft>
+                <a:spcPct val="0"/>
+              </a:spcAft>
+              <a:defRPr sz="1600">
+                <a:solidFill>
+                  <a:schemeClr val="tx1"/>
+                </a:solidFill>
+                <a:latin typeface="Helvetica" panose="020B0604020202020204" pitchFamily="34" charset="0"/>
+                <a:ea typeface="MS PGothic" panose="020B0600070205080204" pitchFamily="34" charset="-128"/>
+              </a:defRPr>
+            </a:lvl8pPr>
+            <a:lvl9pPr marL="3886200" indent="-228600" defTabSz="930275" eaLnBrk="0" fontAlgn="base" hangingPunct="0">
+              <a:spcBef>
+                <a:spcPct val="0"/>
+              </a:spcBef>
+              <a:spcAft>
+                <a:spcPct val="0"/>
+              </a:spcAft>
+              <a:defRPr sz="1600">
+                <a:solidFill>
+                  <a:schemeClr val="tx1"/>
+                </a:solidFill>
+                <a:latin typeface="Helvetica" panose="020B0604020202020204" pitchFamily="34" charset="0"/>
+                <a:ea typeface="MS PGothic" panose="020B0600070205080204" pitchFamily="34" charset="-128"/>
+              </a:defRPr>
+            </a:lvl9pPr>
+          </a:lstStyle>
+          <a:p>
+            <a:pPr algn="r"/>
+            <a:fld id="{C2F2B756-9213-4637-9F3D-8CD40917EA0A}" type="slidenum">
+              <a:rPr lang="en-US" altLang="en-US" sz="1200"/>
+              <a:pPr algn="r"/>
+              <a:t>31</a:t>
+            </a:fld>
+            <a:endParaRPr lang="en-US" altLang="en-US" sz="1200" dirty="0"/>
+          </a:p>
+        </p:txBody>
+      </p:sp>
+      <p:sp>
+        <p:nvSpPr>
+          <p:cNvPr id="62466" name="Rectangle 2"/>
+          <p:cNvSpPr>
+            <a:spLocks noGrp="1" noRot="1" noChangeAspect="1" noChangeArrowheads="1" noTextEdit="1"/>
+          </p:cNvSpPr>
+          <p:nvPr>
+            <p:ph type="sldImg"/>
+          </p:nvPr>
+        </p:nvSpPr>
+        <p:spPr>
+          <a:xfrm>
+            <a:off x="1177925" y="696913"/>
+            <a:ext cx="4641850" cy="3481387"/>
+          </a:xfrm>
+          <a:ln/>
+        </p:spPr>
+      </p:sp>
+      <p:sp>
+        <p:nvSpPr>
+          <p:cNvPr id="62467" name="Rectangle 3"/>
+          <p:cNvSpPr>
+            <a:spLocks noGrp="1" noChangeArrowheads="1"/>
+          </p:cNvSpPr>
+          <p:nvPr>
+            <p:ph type="body" idx="1"/>
+          </p:nvPr>
+        </p:nvSpPr>
+        <p:spPr>
+          <a:noFill/>
+          <a:ln/>
+          <a:extLst>
+            <a:ext uri="{909E8E84-426E-40DD-AFC4-6F175D3DCCD1}">
+              <a14:hiddenFill xmlns:a14="http://schemas.microsoft.com/office/drawing/2010/main">
+                <a:solidFill>
+                  <a:srgbClr val="FFFFFF"/>
+                </a:solidFill>
+              </a14:hiddenFill>
+            </a:ext>
+            <a:ext uri="{91240B29-F687-4F45-9708-019B960494DF}">
+              <a14:hiddenLine xmlns:a14="http://schemas.microsoft.com/office/drawing/2010/main" w="9525">
+                <a:solidFill>
+                  <a:srgbClr val="000000"/>
+                </a:solidFill>
+                <a:miter lim="800000"/>
+                <a:headEnd/>
+                <a:tailEnd/>
+              </a14:hiddenLine>
+            </a:ext>
+          </a:extLst>
+        </p:spPr>
+        <p:txBody>
+          <a:bodyPr/>
+          <a:lstStyle/>
+          <a:p>
+            <a:endParaRPr lang="en-US" altLang="en-US">
+              <a:latin typeface="Times New Roman" panose="02020603050405020304" pitchFamily="18" charset="0"/>
+            </a:endParaRPr>
+          </a:p>
+        </p:txBody>
+      </p:sp>
+    </p:spTree>
+    <p:extLst>
+      <p:ext uri="{BB962C8B-B14F-4D97-AF65-F5344CB8AC3E}">
+        <p14:creationId xmlns:p14="http://schemas.microsoft.com/office/powerpoint/2010/main" val="4181103288"/>
+      </p:ext>
+    </p:extLst>
+  </p:cSld>
+  <p:clrMapOvr>
+    <a:masterClrMapping/>
+  </p:clrMapOvr>
+</p:notes>
+</file>
+
+<file path=ppt/notesSlides/notesSlide31.xml><?xml version="1.0" encoding="utf-8"?>
+<p:notes xmlns:a="http://schemas.openxmlformats.org/drawingml/2006/main" xmlns:r="http://schemas.openxmlformats.org/officeDocument/2006/relationships" xmlns:p="http://schemas.openxmlformats.org/presentationml/2006/main">
+  <p:cSld>
+    <p:spTree>
+      <p:nvGrpSpPr>
+        <p:cNvPr id="1" name=""/>
+        <p:cNvGrpSpPr/>
+        <p:nvPr/>
+      </p:nvGrpSpPr>
+      <p:grpSpPr>
+        <a:xfrm>
+          <a:off x="0" y="0"/>
+          <a:ext cx="0" cy="0"/>
+          <a:chOff x="0" y="0"/>
+          <a:chExt cx="0" cy="0"/>
+        </a:xfrm>
+      </p:grpSpPr>
+      <p:sp>
+        <p:nvSpPr>
           <p:cNvPr id="60417" name="Rectangle 7"/>
           <p:cNvSpPr txBox="1">
             <a:spLocks noGrp="1" noChangeArrowheads="1"/>
@@ -7991,257 +8821,6 @@
     <p:extLst>
       <p:ext uri="{BB962C8B-B14F-4D97-AF65-F5344CB8AC3E}">
         <p14:creationId xmlns:p14="http://schemas.microsoft.com/office/powerpoint/2010/main" val="2155297862"/>
-      </p:ext>
-    </p:extLst>
-  </p:cSld>
-  <p:clrMapOvr>
-    <a:masterClrMapping/>
-  </p:clrMapOvr>
-</p:notes>
-</file>
-
-<file path=ppt/notesSlides/notesSlide31.xml><?xml version="1.0" encoding="utf-8"?>
-<p:notes xmlns:a="http://schemas.openxmlformats.org/drawingml/2006/main" xmlns:r="http://schemas.openxmlformats.org/officeDocument/2006/relationships" xmlns:p="http://schemas.openxmlformats.org/presentationml/2006/main">
-  <p:cSld>
-    <p:spTree>
-      <p:nvGrpSpPr>
-        <p:cNvPr id="1" name=""/>
-        <p:cNvGrpSpPr/>
-        <p:nvPr/>
-      </p:nvGrpSpPr>
-      <p:grpSpPr>
-        <a:xfrm>
-          <a:off x="0" y="0"/>
-          <a:ext cx="0" cy="0"/>
-          <a:chOff x="0" y="0"/>
-          <a:chExt cx="0" cy="0"/>
-        </a:xfrm>
-      </p:grpSpPr>
-      <p:sp>
-        <p:nvSpPr>
-          <p:cNvPr id="62465" name="Rectangle 7"/>
-          <p:cNvSpPr txBox="1">
-            <a:spLocks noGrp="1" noChangeArrowheads="1"/>
-          </p:cNvSpPr>
-          <p:nvPr/>
-        </p:nvSpPr>
-        <p:spPr bwMode="auto">
-          <a:xfrm>
-            <a:off x="3966315" y="8820783"/>
-            <a:ext cx="3031385" cy="462917"/>
-          </a:xfrm>
-          <a:prstGeom prst="rect">
-            <a:avLst/>
-          </a:prstGeom>
-          <a:noFill/>
-          <a:ln>
-            <a:noFill/>
-          </a:ln>
-          <a:extLst>
-            <a:ext uri="{909E8E84-426E-40DD-AFC4-6F175D3DCCD1}">
-              <a14:hiddenFill xmlns:a14="http://schemas.microsoft.com/office/drawing/2010/main">
-                <a:solidFill>
-                  <a:srgbClr val="FFFFFF"/>
-                </a:solidFill>
-              </a14:hiddenFill>
-            </a:ext>
-            <a:ext uri="{91240B29-F687-4F45-9708-019B960494DF}">
-              <a14:hiddenLine xmlns:a14="http://schemas.microsoft.com/office/drawing/2010/main" w="9525">
-                <a:solidFill>
-                  <a:srgbClr val="000000"/>
-                </a:solidFill>
-                <a:miter lim="800000"/>
-                <a:headEnd/>
-                <a:tailEnd/>
-              </a14:hiddenLine>
-            </a:ext>
-          </a:extLst>
-        </p:spPr>
-        <p:txBody>
-          <a:bodyPr wrap="none" lIns="93022" tIns="46511" rIns="93022" bIns="46511" anchor="b"/>
-          <a:lstStyle>
-            <a:lvl1pPr defTabSz="930275">
-              <a:defRPr sz="1600">
-                <a:solidFill>
-                  <a:schemeClr val="tx1"/>
-                </a:solidFill>
-                <a:latin typeface="Helvetica" panose="020B0604020202020204" pitchFamily="34" charset="0"/>
-                <a:ea typeface="MS PGothic" panose="020B0600070205080204" pitchFamily="34" charset="-128"/>
-              </a:defRPr>
-            </a:lvl1pPr>
-            <a:lvl2pPr marL="742950" indent="-285750" defTabSz="930275">
-              <a:defRPr sz="1600">
-                <a:solidFill>
-                  <a:schemeClr val="tx1"/>
-                </a:solidFill>
-                <a:latin typeface="Helvetica" panose="020B0604020202020204" pitchFamily="34" charset="0"/>
-                <a:ea typeface="MS PGothic" panose="020B0600070205080204" pitchFamily="34" charset="-128"/>
-              </a:defRPr>
-            </a:lvl2pPr>
-            <a:lvl3pPr marL="1143000" indent="-228600" defTabSz="930275">
-              <a:defRPr sz="1600">
-                <a:solidFill>
-                  <a:schemeClr val="tx1"/>
-                </a:solidFill>
-                <a:latin typeface="Helvetica" panose="020B0604020202020204" pitchFamily="34" charset="0"/>
-                <a:ea typeface="MS PGothic" panose="020B0600070205080204" pitchFamily="34" charset="-128"/>
-              </a:defRPr>
-            </a:lvl3pPr>
-            <a:lvl4pPr marL="1600200" indent="-228600" defTabSz="930275">
-              <a:defRPr sz="1600">
-                <a:solidFill>
-                  <a:schemeClr val="tx1"/>
-                </a:solidFill>
-                <a:latin typeface="Helvetica" panose="020B0604020202020204" pitchFamily="34" charset="0"/>
-                <a:ea typeface="MS PGothic" panose="020B0600070205080204" pitchFamily="34" charset="-128"/>
-              </a:defRPr>
-            </a:lvl4pPr>
-            <a:lvl5pPr marL="2057400" indent="-228600" defTabSz="930275">
-              <a:defRPr sz="1600">
-                <a:solidFill>
-                  <a:schemeClr val="tx1"/>
-                </a:solidFill>
-                <a:latin typeface="Helvetica" panose="020B0604020202020204" pitchFamily="34" charset="0"/>
-                <a:ea typeface="MS PGothic" panose="020B0600070205080204" pitchFamily="34" charset="-128"/>
-              </a:defRPr>
-            </a:lvl5pPr>
-            <a:lvl6pPr marL="2514600" indent="-228600" defTabSz="930275" eaLnBrk="0" fontAlgn="base" hangingPunct="0">
-              <a:spcBef>
-                <a:spcPct val="0"/>
-              </a:spcBef>
-              <a:spcAft>
-                <a:spcPct val="0"/>
-              </a:spcAft>
-              <a:defRPr sz="1600">
-                <a:solidFill>
-                  <a:schemeClr val="tx1"/>
-                </a:solidFill>
-                <a:latin typeface="Helvetica" panose="020B0604020202020204" pitchFamily="34" charset="0"/>
-                <a:ea typeface="MS PGothic" panose="020B0600070205080204" pitchFamily="34" charset="-128"/>
-              </a:defRPr>
-            </a:lvl6pPr>
-            <a:lvl7pPr marL="2971800" indent="-228600" defTabSz="930275" eaLnBrk="0" fontAlgn="base" hangingPunct="0">
-              <a:spcBef>
-                <a:spcPct val="0"/>
-              </a:spcBef>
-              <a:spcAft>
-                <a:spcPct val="0"/>
-              </a:spcAft>
-              <a:defRPr sz="1600">
-                <a:solidFill>
-                  <a:schemeClr val="tx1"/>
-                </a:solidFill>
-                <a:latin typeface="Helvetica" panose="020B0604020202020204" pitchFamily="34" charset="0"/>
-                <a:ea typeface="MS PGothic" panose="020B0600070205080204" pitchFamily="34" charset="-128"/>
-              </a:defRPr>
-            </a:lvl7pPr>
-            <a:lvl8pPr marL="3429000" indent="-228600" defTabSz="930275" eaLnBrk="0" fontAlgn="base" hangingPunct="0">
-              <a:spcBef>
-                <a:spcPct val="0"/>
-              </a:spcBef>
-              <a:spcAft>
-                <a:spcPct val="0"/>
-              </a:spcAft>
-              <a:defRPr sz="1600">
-                <a:solidFill>
-                  <a:schemeClr val="tx1"/>
-                </a:solidFill>
-                <a:latin typeface="Helvetica" panose="020B0604020202020204" pitchFamily="34" charset="0"/>
-                <a:ea typeface="MS PGothic" panose="020B0600070205080204" pitchFamily="34" charset="-128"/>
-              </a:defRPr>
-            </a:lvl8pPr>
-            <a:lvl9pPr marL="3886200" indent="-228600" defTabSz="930275" eaLnBrk="0" fontAlgn="base" hangingPunct="0">
-              <a:spcBef>
-                <a:spcPct val="0"/>
-              </a:spcBef>
-              <a:spcAft>
-                <a:spcPct val="0"/>
-              </a:spcAft>
-              <a:defRPr sz="1600">
-                <a:solidFill>
-                  <a:schemeClr val="tx1"/>
-                </a:solidFill>
-                <a:latin typeface="Helvetica" panose="020B0604020202020204" pitchFamily="34" charset="0"/>
-                <a:ea typeface="MS PGothic" panose="020B0600070205080204" pitchFamily="34" charset="-128"/>
-              </a:defRPr>
-            </a:lvl9pPr>
-          </a:lstStyle>
-          <a:p>
-            <a:pPr algn="r"/>
-            <a:fld id="{C2F2B756-9213-4637-9F3D-8CD40917EA0A}" type="slidenum">
-              <a:rPr lang="en-US" altLang="en-US" sz="1200"/>
-              <a:pPr algn="r"/>
-              <a:t>33</a:t>
-            </a:fld>
-            <a:endParaRPr lang="en-US" altLang="en-US" sz="1200" dirty="0"/>
-          </a:p>
-        </p:txBody>
-      </p:sp>
-      <p:sp>
-        <p:nvSpPr>
-          <p:cNvPr id="62466" name="Rectangle 2"/>
-          <p:cNvSpPr>
-            <a:spLocks noGrp="1" noRot="1" noChangeAspect="1" noChangeArrowheads="1" noTextEdit="1"/>
-          </p:cNvSpPr>
-          <p:nvPr>
-            <p:ph type="sldImg"/>
-          </p:nvPr>
-        </p:nvSpPr>
-        <p:spPr>
-          <a:xfrm>
-            <a:off x="1177925" y="696913"/>
-            <a:ext cx="4641850" cy="3481387"/>
-          </a:xfrm>
-          <a:ln/>
-        </p:spPr>
-      </p:sp>
-      <p:sp>
-        <p:nvSpPr>
-          <p:cNvPr id="62467" name="Rectangle 3"/>
-          <p:cNvSpPr>
-            <a:spLocks noGrp="1" noChangeArrowheads="1"/>
-          </p:cNvSpPr>
-          <p:nvPr>
-            <p:ph type="body" idx="1"/>
-          </p:nvPr>
-        </p:nvSpPr>
-        <p:spPr>
-          <a:noFill/>
-          <a:ln/>
-          <a:extLst>
-            <a:ext uri="{909E8E84-426E-40DD-AFC4-6F175D3DCCD1}">
-              <a14:hiddenFill xmlns:a14="http://schemas.microsoft.com/office/drawing/2010/main">
-                <a:solidFill>
-                  <a:srgbClr val="FFFFFF"/>
-                </a:solidFill>
-              </a14:hiddenFill>
-            </a:ext>
-            <a:ext uri="{91240B29-F687-4F45-9708-019B960494DF}">
-              <a14:hiddenLine xmlns:a14="http://schemas.microsoft.com/office/drawing/2010/main" w="9525">
-                <a:solidFill>
-                  <a:srgbClr val="000000"/>
-                </a:solidFill>
-                <a:miter lim="800000"/>
-                <a:headEnd/>
-                <a:tailEnd/>
-              </a14:hiddenLine>
-            </a:ext>
-          </a:extLst>
-        </p:spPr>
-        <p:txBody>
-          <a:bodyPr/>
-          <a:lstStyle/>
-          <a:p>
-            <a:endParaRPr lang="en-US" altLang="en-US">
-              <a:latin typeface="Times New Roman" panose="02020603050405020304" pitchFamily="18" charset="0"/>
-            </a:endParaRPr>
-          </a:p>
-        </p:txBody>
-      </p:sp>
-    </p:spTree>
-    <p:extLst>
-      <p:ext uri="{BB962C8B-B14F-4D97-AF65-F5344CB8AC3E}">
-        <p14:creationId xmlns:p14="http://schemas.microsoft.com/office/powerpoint/2010/main" val="828624808"/>
       </p:ext>
     </p:extLst>
   </p:cSld>
@@ -8422,7 +9001,7 @@
             <a:fld id="{C2F2B756-9213-4637-9F3D-8CD40917EA0A}" type="slidenum">
               <a:rPr lang="en-US" altLang="en-US" sz="1200"/>
               <a:pPr algn="r"/>
-              <a:t>34</a:t>
+              <a:t>33</a:t>
             </a:fld>
             <a:endParaRPr lang="en-US" altLang="en-US" sz="1200" dirty="0"/>
           </a:p>
@@ -8483,6 +9062,257 @@
           <a:bodyPr/>
           <a:lstStyle/>
           <a:p>
+            <a:endParaRPr lang="en-US" altLang="en-US">
+              <a:latin typeface="Times New Roman" panose="02020603050405020304" pitchFamily="18" charset="0"/>
+            </a:endParaRPr>
+          </a:p>
+        </p:txBody>
+      </p:sp>
+    </p:spTree>
+    <p:extLst>
+      <p:ext uri="{BB962C8B-B14F-4D97-AF65-F5344CB8AC3E}">
+        <p14:creationId xmlns:p14="http://schemas.microsoft.com/office/powerpoint/2010/main" val="828624808"/>
+      </p:ext>
+    </p:extLst>
+  </p:cSld>
+  <p:clrMapOvr>
+    <a:masterClrMapping/>
+  </p:clrMapOvr>
+</p:notes>
+</file>
+
+<file path=ppt/notesSlides/notesSlide33.xml><?xml version="1.0" encoding="utf-8"?>
+<p:notes xmlns:a="http://schemas.openxmlformats.org/drawingml/2006/main" xmlns:r="http://schemas.openxmlformats.org/officeDocument/2006/relationships" xmlns:p="http://schemas.openxmlformats.org/presentationml/2006/main">
+  <p:cSld>
+    <p:spTree>
+      <p:nvGrpSpPr>
+        <p:cNvPr id="1" name=""/>
+        <p:cNvGrpSpPr/>
+        <p:nvPr/>
+      </p:nvGrpSpPr>
+      <p:grpSpPr>
+        <a:xfrm>
+          <a:off x="0" y="0"/>
+          <a:ext cx="0" cy="0"/>
+          <a:chOff x="0" y="0"/>
+          <a:chExt cx="0" cy="0"/>
+        </a:xfrm>
+      </p:grpSpPr>
+      <p:sp>
+        <p:nvSpPr>
+          <p:cNvPr id="62465" name="Rectangle 7"/>
+          <p:cNvSpPr txBox="1">
+            <a:spLocks noGrp="1" noChangeArrowheads="1"/>
+          </p:cNvSpPr>
+          <p:nvPr/>
+        </p:nvSpPr>
+        <p:spPr bwMode="auto">
+          <a:xfrm>
+            <a:off x="3966315" y="8820783"/>
+            <a:ext cx="3031385" cy="462917"/>
+          </a:xfrm>
+          <a:prstGeom prst="rect">
+            <a:avLst/>
+          </a:prstGeom>
+          <a:noFill/>
+          <a:ln>
+            <a:noFill/>
+          </a:ln>
+          <a:extLst>
+            <a:ext uri="{909E8E84-426E-40DD-AFC4-6F175D3DCCD1}">
+              <a14:hiddenFill xmlns:a14="http://schemas.microsoft.com/office/drawing/2010/main">
+                <a:solidFill>
+                  <a:srgbClr val="FFFFFF"/>
+                </a:solidFill>
+              </a14:hiddenFill>
+            </a:ext>
+            <a:ext uri="{91240B29-F687-4F45-9708-019B960494DF}">
+              <a14:hiddenLine xmlns:a14="http://schemas.microsoft.com/office/drawing/2010/main" w="9525">
+                <a:solidFill>
+                  <a:srgbClr val="000000"/>
+                </a:solidFill>
+                <a:miter lim="800000"/>
+                <a:headEnd/>
+                <a:tailEnd/>
+              </a14:hiddenLine>
+            </a:ext>
+          </a:extLst>
+        </p:spPr>
+        <p:txBody>
+          <a:bodyPr wrap="none" lIns="93022" tIns="46511" rIns="93022" bIns="46511" anchor="b"/>
+          <a:lstStyle>
+            <a:lvl1pPr defTabSz="930275">
+              <a:defRPr sz="1600">
+                <a:solidFill>
+                  <a:schemeClr val="tx1"/>
+                </a:solidFill>
+                <a:latin typeface="Helvetica" panose="020B0604020202020204" pitchFamily="34" charset="0"/>
+                <a:ea typeface="MS PGothic" panose="020B0600070205080204" pitchFamily="34" charset="-128"/>
+              </a:defRPr>
+            </a:lvl1pPr>
+            <a:lvl2pPr marL="742950" indent="-285750" defTabSz="930275">
+              <a:defRPr sz="1600">
+                <a:solidFill>
+                  <a:schemeClr val="tx1"/>
+                </a:solidFill>
+                <a:latin typeface="Helvetica" panose="020B0604020202020204" pitchFamily="34" charset="0"/>
+                <a:ea typeface="MS PGothic" panose="020B0600070205080204" pitchFamily="34" charset="-128"/>
+              </a:defRPr>
+            </a:lvl2pPr>
+            <a:lvl3pPr marL="1143000" indent="-228600" defTabSz="930275">
+              <a:defRPr sz="1600">
+                <a:solidFill>
+                  <a:schemeClr val="tx1"/>
+                </a:solidFill>
+                <a:latin typeface="Helvetica" panose="020B0604020202020204" pitchFamily="34" charset="0"/>
+                <a:ea typeface="MS PGothic" panose="020B0600070205080204" pitchFamily="34" charset="-128"/>
+              </a:defRPr>
+            </a:lvl3pPr>
+            <a:lvl4pPr marL="1600200" indent="-228600" defTabSz="930275">
+              <a:defRPr sz="1600">
+                <a:solidFill>
+                  <a:schemeClr val="tx1"/>
+                </a:solidFill>
+                <a:latin typeface="Helvetica" panose="020B0604020202020204" pitchFamily="34" charset="0"/>
+                <a:ea typeface="MS PGothic" panose="020B0600070205080204" pitchFamily="34" charset="-128"/>
+              </a:defRPr>
+            </a:lvl4pPr>
+            <a:lvl5pPr marL="2057400" indent="-228600" defTabSz="930275">
+              <a:defRPr sz="1600">
+                <a:solidFill>
+                  <a:schemeClr val="tx1"/>
+                </a:solidFill>
+                <a:latin typeface="Helvetica" panose="020B0604020202020204" pitchFamily="34" charset="0"/>
+                <a:ea typeface="MS PGothic" panose="020B0600070205080204" pitchFamily="34" charset="-128"/>
+              </a:defRPr>
+            </a:lvl5pPr>
+            <a:lvl6pPr marL="2514600" indent="-228600" defTabSz="930275" eaLnBrk="0" fontAlgn="base" hangingPunct="0">
+              <a:spcBef>
+                <a:spcPct val="0"/>
+              </a:spcBef>
+              <a:spcAft>
+                <a:spcPct val="0"/>
+              </a:spcAft>
+              <a:defRPr sz="1600">
+                <a:solidFill>
+                  <a:schemeClr val="tx1"/>
+                </a:solidFill>
+                <a:latin typeface="Helvetica" panose="020B0604020202020204" pitchFamily="34" charset="0"/>
+                <a:ea typeface="MS PGothic" panose="020B0600070205080204" pitchFamily="34" charset="-128"/>
+              </a:defRPr>
+            </a:lvl6pPr>
+            <a:lvl7pPr marL="2971800" indent="-228600" defTabSz="930275" eaLnBrk="0" fontAlgn="base" hangingPunct="0">
+              <a:spcBef>
+                <a:spcPct val="0"/>
+              </a:spcBef>
+              <a:spcAft>
+                <a:spcPct val="0"/>
+              </a:spcAft>
+              <a:defRPr sz="1600">
+                <a:solidFill>
+                  <a:schemeClr val="tx1"/>
+                </a:solidFill>
+                <a:latin typeface="Helvetica" panose="020B0604020202020204" pitchFamily="34" charset="0"/>
+                <a:ea typeface="MS PGothic" panose="020B0600070205080204" pitchFamily="34" charset="-128"/>
+              </a:defRPr>
+            </a:lvl7pPr>
+            <a:lvl8pPr marL="3429000" indent="-228600" defTabSz="930275" eaLnBrk="0" fontAlgn="base" hangingPunct="0">
+              <a:spcBef>
+                <a:spcPct val="0"/>
+              </a:spcBef>
+              <a:spcAft>
+                <a:spcPct val="0"/>
+              </a:spcAft>
+              <a:defRPr sz="1600">
+                <a:solidFill>
+                  <a:schemeClr val="tx1"/>
+                </a:solidFill>
+                <a:latin typeface="Helvetica" panose="020B0604020202020204" pitchFamily="34" charset="0"/>
+                <a:ea typeface="MS PGothic" panose="020B0600070205080204" pitchFamily="34" charset="-128"/>
+              </a:defRPr>
+            </a:lvl8pPr>
+            <a:lvl9pPr marL="3886200" indent="-228600" defTabSz="930275" eaLnBrk="0" fontAlgn="base" hangingPunct="0">
+              <a:spcBef>
+                <a:spcPct val="0"/>
+              </a:spcBef>
+              <a:spcAft>
+                <a:spcPct val="0"/>
+              </a:spcAft>
+              <a:defRPr sz="1600">
+                <a:solidFill>
+                  <a:schemeClr val="tx1"/>
+                </a:solidFill>
+                <a:latin typeface="Helvetica" panose="020B0604020202020204" pitchFamily="34" charset="0"/>
+                <a:ea typeface="MS PGothic" panose="020B0600070205080204" pitchFamily="34" charset="-128"/>
+              </a:defRPr>
+            </a:lvl9pPr>
+          </a:lstStyle>
+          <a:p>
+            <a:pPr algn="r"/>
+            <a:fld id="{C2F2B756-9213-4637-9F3D-8CD40917EA0A}" type="slidenum">
+              <a:rPr lang="en-US" altLang="en-US" sz="1200"/>
+              <a:pPr algn="r"/>
+              <a:t>34</a:t>
+            </a:fld>
+            <a:endParaRPr lang="en-US" altLang="en-US" sz="1200" dirty="0"/>
+          </a:p>
+        </p:txBody>
+      </p:sp>
+      <p:sp>
+        <p:nvSpPr>
+          <p:cNvPr id="62466" name="Rectangle 2"/>
+          <p:cNvSpPr>
+            <a:spLocks noGrp="1" noRot="1" noChangeAspect="1" noChangeArrowheads="1" noTextEdit="1"/>
+          </p:cNvSpPr>
+          <p:nvPr>
+            <p:ph type="sldImg"/>
+          </p:nvPr>
+        </p:nvSpPr>
+        <p:spPr>
+          <a:xfrm>
+            <a:off x="1177925" y="696913"/>
+            <a:ext cx="4641850" cy="3481387"/>
+          </a:xfrm>
+          <a:ln/>
+        </p:spPr>
+      </p:sp>
+      <p:sp>
+        <p:nvSpPr>
+          <p:cNvPr id="62467" name="Rectangle 3"/>
+          <p:cNvSpPr>
+            <a:spLocks noGrp="1" noChangeArrowheads="1"/>
+          </p:cNvSpPr>
+          <p:nvPr>
+            <p:ph type="body" idx="1"/>
+          </p:nvPr>
+        </p:nvSpPr>
+        <p:spPr>
+          <a:noFill/>
+          <a:ln/>
+          <a:extLst>
+            <a:ext uri="{909E8E84-426E-40DD-AFC4-6F175D3DCCD1}">
+              <a14:hiddenFill xmlns:a14="http://schemas.microsoft.com/office/drawing/2010/main">
+                <a:solidFill>
+                  <a:srgbClr val="FFFFFF"/>
+                </a:solidFill>
+              </a14:hiddenFill>
+            </a:ext>
+            <a:ext uri="{91240B29-F687-4F45-9708-019B960494DF}">
+              <a14:hiddenLine xmlns:a14="http://schemas.microsoft.com/office/drawing/2010/main" w="9525">
+                <a:solidFill>
+                  <a:srgbClr val="000000"/>
+                </a:solidFill>
+                <a:miter lim="800000"/>
+                <a:headEnd/>
+                <a:tailEnd/>
+              </a14:hiddenLine>
+            </a:ext>
+          </a:extLst>
+        </p:spPr>
+        <p:txBody>
+          <a:bodyPr/>
+          <a:lstStyle/>
+          <a:p>
             <a:pPr algn="r" rtl="1"/>
             <a:r>
               <a:rPr lang="fa-IR" dirty="0"/>
@@ -8900,7 +9730,7 @@
 </p:notes>
 </file>
 
-<file path=ppt/notesSlides/notesSlide33.xml><?xml version="1.0" encoding="utf-8"?>
+<file path=ppt/notesSlides/notesSlide34.xml><?xml version="1.0" encoding="utf-8"?>
 <p:notes xmlns:a="http://schemas.openxmlformats.org/drawingml/2006/main" xmlns:r="http://schemas.openxmlformats.org/officeDocument/2006/relationships" xmlns:p="http://schemas.openxmlformats.org/presentationml/2006/main">
   <p:cSld>
     <p:spTree>
@@ -9151,7 +9981,7 @@
 </p:notes>
 </file>
 
-<file path=ppt/notesSlides/notesSlide34.xml><?xml version="1.0" encoding="utf-8"?>
+<file path=ppt/notesSlides/notesSlide35.xml><?xml version="1.0" encoding="utf-8"?>
 <p:notes xmlns:a="http://schemas.openxmlformats.org/drawingml/2006/main" xmlns:r="http://schemas.openxmlformats.org/officeDocument/2006/relationships" xmlns:p="http://schemas.openxmlformats.org/presentationml/2006/main">
   <p:cSld>
     <p:spTree>
@@ -9402,7 +10232,7 @@
 </p:notes>
 </file>
 
-<file path=ppt/notesSlides/notesSlide35.xml><?xml version="1.0" encoding="utf-8"?>
+<file path=ppt/notesSlides/notesSlide36.xml><?xml version="1.0" encoding="utf-8"?>
 <p:notes xmlns:a="http://schemas.openxmlformats.org/drawingml/2006/main" xmlns:r="http://schemas.openxmlformats.org/officeDocument/2006/relationships" xmlns:p="http://schemas.openxmlformats.org/presentationml/2006/main">
   <p:cSld>
     <p:spTree>
@@ -9653,7 +10483,7 @@
 </p:notes>
 </file>
 
-<file path=ppt/notesSlides/notesSlide36.xml><?xml version="1.0" encoding="utf-8"?>
+<file path=ppt/notesSlides/notesSlide37.xml><?xml version="1.0" encoding="utf-8"?>
 <p:notes xmlns:a="http://schemas.openxmlformats.org/drawingml/2006/main" xmlns:r="http://schemas.openxmlformats.org/officeDocument/2006/relationships" xmlns:p="http://schemas.openxmlformats.org/presentationml/2006/main">
   <p:cSld>
     <p:spTree>
@@ -25932,8 +26762,8 @@
         </p:nvSpPr>
         <p:spPr bwMode="auto">
           <a:xfrm>
-            <a:off x="384175" y="1187929"/>
-            <a:ext cx="8375650" cy="5324535"/>
+            <a:off x="384175" y="1003264"/>
+            <a:ext cx="8375650" cy="5693866"/>
           </a:xfrm>
           <a:prstGeom prst="rect">
             <a:avLst/>
@@ -26071,7 +26901,35 @@
                 <a:latin typeface="Arial" panose="020B0604020202020204" pitchFamily="34" charset="0"/>
                 <a:cs typeface="B Nazanin" panose="00000400000000000000" pitchFamily="2" charset="-78"/>
               </a:rPr>
-              <a:t> (functional components) </a:t>
+              <a:t> (</a:t>
+            </a:r>
+            <a:r>
+              <a:rPr kumimoji="0" lang="en-US" altLang="en-US" sz="2800" b="1" i="0" u="none" strike="noStrike" cap="none" normalizeH="0" baseline="0" dirty="0">
+                <a:ln>
+                  <a:noFill/>
+                </a:ln>
+                <a:solidFill>
+                  <a:schemeClr val="tx1"/>
+                </a:solidFill>
+                <a:effectLst/>
+                <a:latin typeface="Arial" panose="020B0604020202020204" pitchFamily="34" charset="0"/>
+                <a:cs typeface="B Nazanin" panose="00000400000000000000" pitchFamily="2" charset="-78"/>
+              </a:rPr>
+              <a:t>functional components</a:t>
+            </a:r>
+            <a:r>
+              <a:rPr kumimoji="0" lang="en-US" altLang="en-US" sz="2800" b="0" i="0" u="none" strike="noStrike" cap="none" normalizeH="0" baseline="0" dirty="0">
+                <a:ln>
+                  <a:noFill/>
+                </a:ln>
+                <a:solidFill>
+                  <a:schemeClr val="tx1"/>
+                </a:solidFill>
+                <a:effectLst/>
+                <a:latin typeface="Arial" panose="020B0604020202020204" pitchFamily="34" charset="0"/>
+                <a:cs typeface="B Nazanin" panose="00000400000000000000" pitchFamily="2" charset="-78"/>
+              </a:rPr>
+              <a:t>) </a:t>
             </a:r>
             <a:r>
               <a:rPr kumimoji="0" lang="ar-SA" altLang="en-US" sz="2800" b="0" i="0" u="none" strike="noStrike" cap="none" normalizeH="0" baseline="0" dirty="0">
@@ -26135,7 +26993,7 @@
               <a:buChar char="o"/>
             </a:pPr>
             <a:r>
-              <a:rPr kumimoji="0" lang="ar-SA" altLang="en-US" sz="2400" b="0" i="0" u="none" strike="noStrike" cap="none" normalizeH="0" baseline="0" dirty="0">
+              <a:rPr kumimoji="0" lang="ar-SA" altLang="en-US" sz="2400" b="1" i="0" u="none" strike="noStrike" cap="none" normalizeH="0" baseline="0" dirty="0">
                 <a:ln>
                   <a:noFill/>
                 </a:ln>
@@ -26149,6 +27007,20 @@
               <a:t>مدیر ذخیره‌سازی</a:t>
             </a:r>
             <a:r>
+              <a:rPr kumimoji="0" lang="en-US" altLang="en-US" sz="2400" b="1" i="0" u="none" strike="noStrike" cap="none" normalizeH="0" baseline="0" dirty="0">
+                <a:ln>
+                  <a:noFill/>
+                </a:ln>
+                <a:solidFill>
+                  <a:schemeClr val="tx1"/>
+                </a:solidFill>
+                <a:effectLst/>
+                <a:latin typeface="Arial" panose="020B0604020202020204" pitchFamily="34" charset="0"/>
+                <a:cs typeface="B Nazanin" panose="00000400000000000000" pitchFamily="2" charset="-78"/>
+              </a:rPr>
+              <a:t> </a:t>
+            </a:r>
+            <a:r>
               <a:rPr kumimoji="0" lang="en-US" altLang="en-US" sz="2400" b="0" i="0" u="none" strike="noStrike" cap="none" normalizeH="0" baseline="0" dirty="0">
                 <a:ln>
                   <a:noFill/>
@@ -26160,7 +27032,7 @@
                 <a:latin typeface="Arial" panose="020B0604020202020204" pitchFamily="34" charset="0"/>
                 <a:cs typeface="B Nazanin" panose="00000400000000000000" pitchFamily="2" charset="-78"/>
               </a:rPr>
-              <a:t> (The storage manager) </a:t>
+              <a:t>(The storage manager) </a:t>
             </a:r>
             <a:endParaRPr kumimoji="0" lang="fa-IR" altLang="en-US" sz="2400" b="0" i="0" u="none" strike="noStrike" cap="none" normalizeH="0" baseline="0" dirty="0">
               <a:ln>
@@ -26211,7 +27083,7 @@
               <a:buChar char="o"/>
             </a:pPr>
             <a:r>
-              <a:rPr kumimoji="0" lang="ar-SA" altLang="en-US" sz="2400" b="0" i="0" u="none" strike="noStrike" cap="none" normalizeH="0" baseline="0" dirty="0">
+              <a:rPr kumimoji="0" lang="ar-SA" altLang="en-US" sz="2400" b="1" i="0" u="none" strike="noStrike" cap="none" normalizeH="0" baseline="0" dirty="0">
                 <a:ln>
                   <a:noFill/>
                 </a:ln>
@@ -26225,6 +27097,20 @@
               <a:t>مولفه پردازشگر پرس و جو</a:t>
             </a:r>
             <a:r>
+              <a:rPr kumimoji="0" lang="en-US" altLang="en-US" sz="2400" b="1" i="0" u="none" strike="noStrike" cap="none" normalizeH="0" baseline="0" dirty="0">
+                <a:ln>
+                  <a:noFill/>
+                </a:ln>
+                <a:solidFill>
+                  <a:schemeClr val="tx1"/>
+                </a:solidFill>
+                <a:effectLst/>
+                <a:latin typeface="Arial" panose="020B0604020202020204" pitchFamily="34" charset="0"/>
+                <a:cs typeface="B Nazanin" panose="00000400000000000000" pitchFamily="2" charset="-78"/>
+              </a:rPr>
+              <a:t> </a:t>
+            </a:r>
+            <a:r>
               <a:rPr kumimoji="0" lang="en-US" altLang="en-US" sz="2400" b="0" i="0" u="none" strike="noStrike" cap="none" normalizeH="0" baseline="0" dirty="0">
                 <a:ln>
                   <a:noFill/>
@@ -26236,7 +27122,7 @@
                 <a:latin typeface="Arial" panose="020B0604020202020204" pitchFamily="34" charset="0"/>
                 <a:cs typeface="B Nazanin" panose="00000400000000000000" pitchFamily="2" charset="-78"/>
               </a:rPr>
-              <a:t> (The query processor component) </a:t>
+              <a:t>(The query processor component) </a:t>
             </a:r>
             <a:endParaRPr kumimoji="0" lang="fa-IR" altLang="en-US" sz="2400" b="0" i="0" u="none" strike="noStrike" cap="none" normalizeH="0" baseline="0" dirty="0">
               <a:ln>
@@ -26287,7 +27173,7 @@
               <a:buChar char="o"/>
             </a:pPr>
             <a:r>
-              <a:rPr kumimoji="0" lang="ar-SA" altLang="en-US" sz="2400" b="0" i="0" u="none" strike="noStrike" cap="none" normalizeH="0" baseline="0" dirty="0">
+              <a:rPr kumimoji="0" lang="ar-SA" altLang="en-US" sz="2400" b="1" i="0" u="none" strike="noStrike" cap="none" normalizeH="0" baseline="0" dirty="0">
                 <a:ln>
                   <a:noFill/>
                 </a:ln>
@@ -26301,6 +27187,20 @@
               <a:t>مولفه مدیریت تراکنش</a:t>
             </a:r>
             <a:r>
+              <a:rPr kumimoji="0" lang="en-US" altLang="en-US" sz="2400" b="1" i="0" u="none" strike="noStrike" cap="none" normalizeH="0" baseline="0" dirty="0">
+                <a:ln>
+                  <a:noFill/>
+                </a:ln>
+                <a:solidFill>
+                  <a:schemeClr val="tx1"/>
+                </a:solidFill>
+                <a:effectLst/>
+                <a:latin typeface="Arial" panose="020B0604020202020204" pitchFamily="34" charset="0"/>
+                <a:cs typeface="B Nazanin" panose="00000400000000000000" pitchFamily="2" charset="-78"/>
+              </a:rPr>
+              <a:t> </a:t>
+            </a:r>
+            <a:r>
               <a:rPr kumimoji="0" lang="en-US" altLang="en-US" sz="2400" b="0" i="0" u="none" strike="noStrike" cap="none" normalizeH="0" baseline="0" dirty="0">
                 <a:ln>
                   <a:noFill/>
@@ -26312,7 +27212,7 @@
                 <a:latin typeface="Arial" panose="020B0604020202020204" pitchFamily="34" charset="0"/>
                 <a:cs typeface="B Nazanin" panose="00000400000000000000" pitchFamily="2" charset="-78"/>
               </a:rPr>
-              <a:t> (The transaction management component) </a:t>
+              <a:t>(The transaction management component) </a:t>
             </a:r>
           </a:p>
           <a:p>
@@ -29105,7 +30005,7 @@
               <a:t>یک </a:t>
             </a:r>
             <a:r>
-              <a:rPr kumimoji="0" lang="ar-SA" altLang="en-US" sz="2800" b="0" i="0" u="none" strike="noStrike" cap="none" normalizeH="0" baseline="0" dirty="0">
+              <a:rPr kumimoji="0" lang="ar-SA" altLang="en-US" sz="2800" b="1" i="0" u="none" strike="noStrike" cap="none" normalizeH="0" baseline="0" dirty="0">
                 <a:ln>
                   <a:noFill/>
                 </a:ln>
@@ -29208,7 +30108,7 @@
               <a:tabLst/>
             </a:pPr>
             <a:r>
-              <a:rPr kumimoji="0" lang="ar-SA" altLang="en-US" sz="2800" b="0" i="0" u="none" strike="noStrike" cap="none" normalizeH="0" baseline="0" dirty="0">
+              <a:rPr kumimoji="0" lang="ar-SA" altLang="en-US" sz="2800" b="1" i="0" u="none" strike="noStrike" cap="none" normalizeH="0" baseline="0" dirty="0">
                 <a:ln>
                   <a:noFill/>
                 </a:ln>
@@ -29297,7 +30197,7 @@
               <a:tabLst/>
             </a:pPr>
             <a:r>
-              <a:rPr kumimoji="0" lang="ar-SA" altLang="en-US" sz="2800" b="0" i="0" u="none" strike="noStrike" cap="none" normalizeH="0" baseline="0" dirty="0">
+              <a:rPr kumimoji="0" lang="ar-SA" altLang="en-US" sz="2800" b="1" i="0" u="none" strike="noStrike" cap="none" normalizeH="0" baseline="0" dirty="0">
                 <a:ln>
                   <a:noFill/>
                 </a:ln>
@@ -29311,6 +30211,20 @@
               <a:t>مدیر کنترل همروندی</a:t>
             </a:r>
             <a:r>
+              <a:rPr kumimoji="0" lang="en-US" altLang="en-US" sz="2800" b="1" i="0" u="none" strike="noStrike" cap="none" normalizeH="0" baseline="0" dirty="0">
+                <a:ln>
+                  <a:noFill/>
+                </a:ln>
+                <a:solidFill>
+                  <a:srgbClr val="002060"/>
+                </a:solidFill>
+                <a:effectLst/>
+                <a:latin typeface="Arial" panose="020B0604020202020204" pitchFamily="34" charset="0"/>
+                <a:cs typeface="B Nazanin" panose="00000400000000000000" pitchFamily="2" charset="-78"/>
+              </a:rPr>
+              <a:t> </a:t>
+            </a:r>
+            <a:r>
               <a:rPr kumimoji="0" lang="en-US" altLang="en-US" sz="2800" b="0" i="0" u="none" strike="noStrike" cap="none" normalizeH="0" baseline="0" dirty="0">
                 <a:ln>
                   <a:noFill/>
@@ -29322,7 +30236,7 @@
                 <a:latin typeface="Arial" panose="020B0604020202020204" pitchFamily="34" charset="0"/>
                 <a:cs typeface="B Nazanin" panose="00000400000000000000" pitchFamily="2" charset="-78"/>
               </a:rPr>
-              <a:t> (Concurrency-control manager) </a:t>
+              <a:t>(Concurrency-control manager) </a:t>
             </a:r>
             <a:r>
               <a:rPr kumimoji="0" lang="ar-SA" altLang="en-US" sz="2800" b="0" i="0" u="none" strike="noStrike" cap="none" normalizeH="0" baseline="0" dirty="0">
@@ -30446,10 +31360,10 @@
           <p:nvPr/>
         </p:nvPicPr>
         <p:blipFill rotWithShape="1">
-          <a:blip r:embed="rId2">
+          <a:blip r:embed="rId3">
             <a:extLst>
               <a:ext uri="{96DAC541-7B7A-43D3-8B79-37D633B846F1}">
-                <asvg:svgBlip xmlns:asvg="http://schemas.microsoft.com/office/drawing/2016/SVG/main" r:embed="rId3"/>
+                <asvg:svgBlip xmlns:asvg="http://schemas.microsoft.com/office/drawing/2016/SVG/main" r:embed="rId4"/>
               </a:ext>
             </a:extLst>
           </a:blip>
